--- a/산출물/중간발표/중간발표템플릿.pptx
+++ b/산출물/중간발표/중간발표템플릿.pptx
@@ -4,6 +4,9 @@
   <p:sldMasterIdLst>
     <p:sldMasterId id="2147483648" r:id="rId1"/>
   </p:sldMasterIdLst>
+  <p:notesMasterIdLst>
+    <p:notesMasterId r:id="rId7"/>
+  </p:notesMasterIdLst>
   <p:sldIdLst>
     <p:sldId id="256" r:id="rId2"/>
     <p:sldId id="258" r:id="rId3"/>
@@ -674,6 +677,355 @@
 </pc:chgInfo>
 </file>
 
+<file path=ppt/notesMasters/notesMaster1.xml><?xml version="1.0" encoding="utf-8"?>
+<p:notesMaster xmlns:a="http://schemas.openxmlformats.org/drawingml/2006/main" xmlns:r="http://schemas.openxmlformats.org/officeDocument/2006/relationships" xmlns:p="http://schemas.openxmlformats.org/presentationml/2006/main">
+  <p:cSld>
+    <p:bg>
+      <p:bgRef idx="1001">
+        <a:schemeClr val="bg1"/>
+      </p:bgRef>
+    </p:bg>
+    <p:spTree>
+      <p:nvGrpSpPr>
+        <p:cNvPr id="1" name=""/>
+        <p:cNvGrpSpPr/>
+        <p:nvPr/>
+      </p:nvGrpSpPr>
+      <p:grpSpPr>
+        <a:xfrm>
+          <a:off x="0" y="0"/>
+          <a:ext cx="0" cy="0"/>
+          <a:chOff x="0" y="0"/>
+          <a:chExt cx="0" cy="0"/>
+        </a:xfrm>
+      </p:grpSpPr>
+      <p:sp>
+        <p:nvSpPr>
+          <p:cNvPr id="2" name="머리글 개체 틀 1"/>
+          <p:cNvSpPr>
+            <a:spLocks noGrp="1"/>
+          </p:cNvSpPr>
+          <p:nvPr>
+            <p:ph type="hdr" sz="quarter"/>
+          </p:nvPr>
+        </p:nvSpPr>
+        <p:spPr>
+          <a:xfrm>
+            <a:off x="0" y="0"/>
+            <a:ext cx="2971800" cy="458788"/>
+          </a:xfrm>
+          <a:prstGeom prst="rect">
+            <a:avLst/>
+          </a:prstGeom>
+        </p:spPr>
+        <p:txBody>
+          <a:bodyPr vert="horz" lIns="91440" tIns="45720" rIns="91440" bIns="45720" rtlCol="0"/>
+          <a:lstStyle>
+            <a:lvl1pPr algn="l">
+              <a:defRPr sz="1200"/>
+            </a:lvl1pPr>
+          </a:lstStyle>
+          <a:p>
+            <a:endParaRPr lang="ko-KR" altLang="en-US"/>
+          </a:p>
+        </p:txBody>
+      </p:sp>
+      <p:sp>
+        <p:nvSpPr>
+          <p:cNvPr id="3" name="날짜 개체 틀 2"/>
+          <p:cNvSpPr>
+            <a:spLocks noGrp="1"/>
+          </p:cNvSpPr>
+          <p:nvPr>
+            <p:ph type="dt" idx="1"/>
+          </p:nvPr>
+        </p:nvSpPr>
+        <p:spPr>
+          <a:xfrm>
+            <a:off x="3884613" y="0"/>
+            <a:ext cx="2971800" cy="458788"/>
+          </a:xfrm>
+          <a:prstGeom prst="rect">
+            <a:avLst/>
+          </a:prstGeom>
+        </p:spPr>
+        <p:txBody>
+          <a:bodyPr vert="horz" lIns="91440" tIns="45720" rIns="91440" bIns="45720" rtlCol="0"/>
+          <a:lstStyle>
+            <a:lvl1pPr algn="r">
+              <a:defRPr sz="1200"/>
+            </a:lvl1pPr>
+          </a:lstStyle>
+          <a:p>
+            <a:fld id="{DF94FA26-0514-4FC5-BAC5-8B5CA99D3AEE}" type="datetimeFigureOut">
+              <a:rPr lang="ko-KR" altLang="en-US" smtClean="0"/>
+              <a:t>2026-01-29</a:t>
+            </a:fld>
+            <a:endParaRPr lang="ko-KR" altLang="en-US"/>
+          </a:p>
+        </p:txBody>
+      </p:sp>
+      <p:sp>
+        <p:nvSpPr>
+          <p:cNvPr id="4" name="슬라이드 이미지 개체 틀 3"/>
+          <p:cNvSpPr>
+            <a:spLocks noGrp="1" noRot="1" noChangeAspect="1"/>
+          </p:cNvSpPr>
+          <p:nvPr>
+            <p:ph type="sldImg" idx="2"/>
+          </p:nvPr>
+        </p:nvSpPr>
+        <p:spPr>
+          <a:xfrm>
+            <a:off x="685800" y="1143000"/>
+            <a:ext cx="5486400" cy="3086100"/>
+          </a:xfrm>
+          <a:prstGeom prst="rect">
+            <a:avLst/>
+          </a:prstGeom>
+          <a:noFill/>
+          <a:ln w="12700">
+            <a:solidFill>
+              <a:prstClr val="black"/>
+            </a:solidFill>
+          </a:ln>
+        </p:spPr>
+        <p:txBody>
+          <a:bodyPr vert="horz" lIns="91440" tIns="45720" rIns="91440" bIns="45720" rtlCol="0" anchor="ctr"/>
+          <a:lstStyle/>
+          <a:p>
+            <a:endParaRPr lang="ko-KR" altLang="en-US"/>
+          </a:p>
+        </p:txBody>
+      </p:sp>
+      <p:sp>
+        <p:nvSpPr>
+          <p:cNvPr id="5" name="슬라이드 노트 개체 틀 4"/>
+          <p:cNvSpPr>
+            <a:spLocks noGrp="1"/>
+          </p:cNvSpPr>
+          <p:nvPr>
+            <p:ph type="body" sz="quarter" idx="3"/>
+          </p:nvPr>
+        </p:nvSpPr>
+        <p:spPr>
+          <a:xfrm>
+            <a:off x="685800" y="4400550"/>
+            <a:ext cx="5486400" cy="3600450"/>
+          </a:xfrm>
+          <a:prstGeom prst="rect">
+            <a:avLst/>
+          </a:prstGeom>
+        </p:spPr>
+        <p:txBody>
+          <a:bodyPr vert="horz" lIns="91440" tIns="45720" rIns="91440" bIns="45720" rtlCol="0"/>
+          <a:lstStyle/>
+          <a:p>
+            <a:pPr lvl="0"/>
+            <a:r>
+              <a:rPr lang="ko-KR" altLang="en-US"/>
+              <a:t>마스터 텍스트 스타일을 편집하려면 클릭</a:t>
+            </a:r>
+          </a:p>
+          <a:p>
+            <a:pPr lvl="1"/>
+            <a:r>
+              <a:rPr lang="ko-KR" altLang="en-US"/>
+              <a:t>두 번째 수준</a:t>
+            </a:r>
+          </a:p>
+          <a:p>
+            <a:pPr lvl="2"/>
+            <a:r>
+              <a:rPr lang="ko-KR" altLang="en-US"/>
+              <a:t>세 번째 수준</a:t>
+            </a:r>
+          </a:p>
+          <a:p>
+            <a:pPr lvl="3"/>
+            <a:r>
+              <a:rPr lang="ko-KR" altLang="en-US"/>
+              <a:t>네 번째 수준</a:t>
+            </a:r>
+          </a:p>
+          <a:p>
+            <a:pPr lvl="4"/>
+            <a:r>
+              <a:rPr lang="ko-KR" altLang="en-US"/>
+              <a:t>다섯 번째 수준</a:t>
+            </a:r>
+          </a:p>
+        </p:txBody>
+      </p:sp>
+      <p:sp>
+        <p:nvSpPr>
+          <p:cNvPr id="6" name="바닥글 개체 틀 5"/>
+          <p:cNvSpPr>
+            <a:spLocks noGrp="1"/>
+          </p:cNvSpPr>
+          <p:nvPr>
+            <p:ph type="ftr" sz="quarter" idx="4"/>
+          </p:nvPr>
+        </p:nvSpPr>
+        <p:spPr>
+          <a:xfrm>
+            <a:off x="0" y="8685213"/>
+            <a:ext cx="2971800" cy="458787"/>
+          </a:xfrm>
+          <a:prstGeom prst="rect">
+            <a:avLst/>
+          </a:prstGeom>
+        </p:spPr>
+        <p:txBody>
+          <a:bodyPr vert="horz" lIns="91440" tIns="45720" rIns="91440" bIns="45720" rtlCol="0" anchor="b"/>
+          <a:lstStyle>
+            <a:lvl1pPr algn="l">
+              <a:defRPr sz="1200"/>
+            </a:lvl1pPr>
+          </a:lstStyle>
+          <a:p>
+            <a:endParaRPr lang="ko-KR" altLang="en-US"/>
+          </a:p>
+        </p:txBody>
+      </p:sp>
+      <p:sp>
+        <p:nvSpPr>
+          <p:cNvPr id="7" name="슬라이드 번호 개체 틀 6"/>
+          <p:cNvSpPr>
+            <a:spLocks noGrp="1"/>
+          </p:cNvSpPr>
+          <p:nvPr>
+            <p:ph type="sldNum" sz="quarter" idx="5"/>
+          </p:nvPr>
+        </p:nvSpPr>
+        <p:spPr>
+          <a:xfrm>
+            <a:off x="3884613" y="8685213"/>
+            <a:ext cx="2971800" cy="458787"/>
+          </a:xfrm>
+          <a:prstGeom prst="rect">
+            <a:avLst/>
+          </a:prstGeom>
+        </p:spPr>
+        <p:txBody>
+          <a:bodyPr vert="horz" lIns="91440" tIns="45720" rIns="91440" bIns="45720" rtlCol="0" anchor="b"/>
+          <a:lstStyle>
+            <a:lvl1pPr algn="r">
+              <a:defRPr sz="1200"/>
+            </a:lvl1pPr>
+          </a:lstStyle>
+          <a:p>
+            <a:fld id="{515472DD-84FC-4040-A6FE-42130A69342E}" type="slidenum">
+              <a:rPr lang="ko-KR" altLang="en-US" smtClean="0"/>
+              <a:t>‹#›</a:t>
+            </a:fld>
+            <a:endParaRPr lang="ko-KR" altLang="en-US"/>
+          </a:p>
+        </p:txBody>
+      </p:sp>
+    </p:spTree>
+    <p:extLst>
+      <p:ext uri="{BB962C8B-B14F-4D97-AF65-F5344CB8AC3E}">
+        <p14:creationId xmlns:p14="http://schemas.microsoft.com/office/powerpoint/2010/main" val="1249094232"/>
+      </p:ext>
+    </p:extLst>
+  </p:cSld>
+  <p:clrMap bg1="lt1" tx1="dk1" bg2="lt2" tx2="dk2" accent1="accent1" accent2="accent2" accent3="accent3" accent4="accent4" accent5="accent5" accent6="accent6" hlink="hlink" folHlink="folHlink"/>
+  <p:notesStyle>
+    <a:lvl1pPr marL="0" algn="l" defTabSz="914400" rtl="0" eaLnBrk="1" latinLnBrk="1" hangingPunct="1">
+      <a:defRPr sz="1200" kern="1200">
+        <a:solidFill>
+          <a:schemeClr val="tx1"/>
+        </a:solidFill>
+        <a:latin typeface="+mn-lt"/>
+        <a:ea typeface="+mn-ea"/>
+        <a:cs typeface="+mn-cs"/>
+      </a:defRPr>
+    </a:lvl1pPr>
+    <a:lvl2pPr marL="457200" algn="l" defTabSz="914400" rtl="0" eaLnBrk="1" latinLnBrk="1" hangingPunct="1">
+      <a:defRPr sz="1200" kern="1200">
+        <a:solidFill>
+          <a:schemeClr val="tx1"/>
+        </a:solidFill>
+        <a:latin typeface="+mn-lt"/>
+        <a:ea typeface="+mn-ea"/>
+        <a:cs typeface="+mn-cs"/>
+      </a:defRPr>
+    </a:lvl2pPr>
+    <a:lvl3pPr marL="914400" algn="l" defTabSz="914400" rtl="0" eaLnBrk="1" latinLnBrk="1" hangingPunct="1">
+      <a:defRPr sz="1200" kern="1200">
+        <a:solidFill>
+          <a:schemeClr val="tx1"/>
+        </a:solidFill>
+        <a:latin typeface="+mn-lt"/>
+        <a:ea typeface="+mn-ea"/>
+        <a:cs typeface="+mn-cs"/>
+      </a:defRPr>
+    </a:lvl3pPr>
+    <a:lvl4pPr marL="1371600" algn="l" defTabSz="914400" rtl="0" eaLnBrk="1" latinLnBrk="1" hangingPunct="1">
+      <a:defRPr sz="1200" kern="1200">
+        <a:solidFill>
+          <a:schemeClr val="tx1"/>
+        </a:solidFill>
+        <a:latin typeface="+mn-lt"/>
+        <a:ea typeface="+mn-ea"/>
+        <a:cs typeface="+mn-cs"/>
+      </a:defRPr>
+    </a:lvl4pPr>
+    <a:lvl5pPr marL="1828800" algn="l" defTabSz="914400" rtl="0" eaLnBrk="1" latinLnBrk="1" hangingPunct="1">
+      <a:defRPr sz="1200" kern="1200">
+        <a:solidFill>
+          <a:schemeClr val="tx1"/>
+        </a:solidFill>
+        <a:latin typeface="+mn-lt"/>
+        <a:ea typeface="+mn-ea"/>
+        <a:cs typeface="+mn-cs"/>
+      </a:defRPr>
+    </a:lvl5pPr>
+    <a:lvl6pPr marL="2286000" algn="l" defTabSz="914400" rtl="0" eaLnBrk="1" latinLnBrk="1" hangingPunct="1">
+      <a:defRPr sz="1200" kern="1200">
+        <a:solidFill>
+          <a:schemeClr val="tx1"/>
+        </a:solidFill>
+        <a:latin typeface="+mn-lt"/>
+        <a:ea typeface="+mn-ea"/>
+        <a:cs typeface="+mn-cs"/>
+      </a:defRPr>
+    </a:lvl6pPr>
+    <a:lvl7pPr marL="2743200" algn="l" defTabSz="914400" rtl="0" eaLnBrk="1" latinLnBrk="1" hangingPunct="1">
+      <a:defRPr sz="1200" kern="1200">
+        <a:solidFill>
+          <a:schemeClr val="tx1"/>
+        </a:solidFill>
+        <a:latin typeface="+mn-lt"/>
+        <a:ea typeface="+mn-ea"/>
+        <a:cs typeface="+mn-cs"/>
+      </a:defRPr>
+    </a:lvl7pPr>
+    <a:lvl8pPr marL="3200400" algn="l" defTabSz="914400" rtl="0" eaLnBrk="1" latinLnBrk="1" hangingPunct="1">
+      <a:defRPr sz="1200" kern="1200">
+        <a:solidFill>
+          <a:schemeClr val="tx1"/>
+        </a:solidFill>
+        <a:latin typeface="+mn-lt"/>
+        <a:ea typeface="+mn-ea"/>
+        <a:cs typeface="+mn-cs"/>
+      </a:defRPr>
+    </a:lvl8pPr>
+    <a:lvl9pPr marL="3657600" algn="l" defTabSz="914400" rtl="0" eaLnBrk="1" latinLnBrk="1" hangingPunct="1">
+      <a:defRPr sz="1200" kern="1200">
+        <a:solidFill>
+          <a:schemeClr val="tx1"/>
+        </a:solidFill>
+        <a:latin typeface="+mn-lt"/>
+        <a:ea typeface="+mn-ea"/>
+        <a:cs typeface="+mn-cs"/>
+      </a:defRPr>
+    </a:lvl9pPr>
+  </p:notesStyle>
+</p:notesMaster>
+</file>
+
 <file path=ppt/slideLayouts/slideLayout1.xml><?xml version="1.0" encoding="utf-8"?>
 <p:sldLayout xmlns:a="http://schemas.openxmlformats.org/drawingml/2006/main" xmlns:r="http://schemas.openxmlformats.org/officeDocument/2006/relationships" xmlns:p="http://schemas.openxmlformats.org/presentationml/2006/main" type="title" preserve="1">
   <p:cSld name="제목 슬라이드">
@@ -821,7 +1173,7 @@
           <a:p>
             <a:fld id="{15C35488-CAB6-4AF8-BD29-8D6B110DB645}" type="datetimeFigureOut">
               <a:rPr lang="ko-KR" altLang="en-US" smtClean="0"/>
-              <a:t>2026-01-26</a:t>
+              <a:t>2026-01-29</a:t>
             </a:fld>
             <a:endParaRPr lang="ko-KR" altLang="en-US"/>
           </a:p>
@@ -1019,7 +1371,7 @@
           <a:p>
             <a:fld id="{15C35488-CAB6-4AF8-BD29-8D6B110DB645}" type="datetimeFigureOut">
               <a:rPr lang="ko-KR" altLang="en-US" smtClean="0"/>
-              <a:t>2026-01-26</a:t>
+              <a:t>2026-01-29</a:t>
             </a:fld>
             <a:endParaRPr lang="ko-KR" altLang="en-US"/>
           </a:p>
@@ -1227,7 +1579,7 @@
           <a:p>
             <a:fld id="{15C35488-CAB6-4AF8-BD29-8D6B110DB645}" type="datetimeFigureOut">
               <a:rPr lang="ko-KR" altLang="en-US" smtClean="0"/>
-              <a:t>2026-01-26</a:t>
+              <a:t>2026-01-29</a:t>
             </a:fld>
             <a:endParaRPr lang="ko-KR" altLang="en-US"/>
           </a:p>
@@ -1425,7 +1777,7 @@
           <a:p>
             <a:fld id="{15C35488-CAB6-4AF8-BD29-8D6B110DB645}" type="datetimeFigureOut">
               <a:rPr lang="ko-KR" altLang="en-US" smtClean="0"/>
-              <a:t>2026-01-26</a:t>
+              <a:t>2026-01-29</a:t>
             </a:fld>
             <a:endParaRPr lang="ko-KR" altLang="en-US"/>
           </a:p>
@@ -1700,7 +2052,7 @@
           <a:p>
             <a:fld id="{15C35488-CAB6-4AF8-BD29-8D6B110DB645}" type="datetimeFigureOut">
               <a:rPr lang="ko-KR" altLang="en-US" smtClean="0"/>
-              <a:t>2026-01-26</a:t>
+              <a:t>2026-01-29</a:t>
             </a:fld>
             <a:endParaRPr lang="ko-KR" altLang="en-US"/>
           </a:p>
@@ -1965,7 +2317,7 @@
           <a:p>
             <a:fld id="{15C35488-CAB6-4AF8-BD29-8D6B110DB645}" type="datetimeFigureOut">
               <a:rPr lang="ko-KR" altLang="en-US" smtClean="0"/>
-              <a:t>2026-01-26</a:t>
+              <a:t>2026-01-29</a:t>
             </a:fld>
             <a:endParaRPr lang="ko-KR" altLang="en-US"/>
           </a:p>
@@ -2377,7 +2729,7 @@
           <a:p>
             <a:fld id="{15C35488-CAB6-4AF8-BD29-8D6B110DB645}" type="datetimeFigureOut">
               <a:rPr lang="ko-KR" altLang="en-US" smtClean="0"/>
-              <a:t>2026-01-26</a:t>
+              <a:t>2026-01-29</a:t>
             </a:fld>
             <a:endParaRPr lang="ko-KR" altLang="en-US"/>
           </a:p>
@@ -2518,7 +2870,7 @@
           <a:p>
             <a:fld id="{15C35488-CAB6-4AF8-BD29-8D6B110DB645}" type="datetimeFigureOut">
               <a:rPr lang="ko-KR" altLang="en-US" smtClean="0"/>
-              <a:t>2026-01-26</a:t>
+              <a:t>2026-01-29</a:t>
             </a:fld>
             <a:endParaRPr lang="ko-KR" altLang="en-US"/>
           </a:p>
@@ -2631,7 +2983,7 @@
           <a:p>
             <a:fld id="{15C35488-CAB6-4AF8-BD29-8D6B110DB645}" type="datetimeFigureOut">
               <a:rPr lang="ko-KR" altLang="en-US" smtClean="0"/>
-              <a:t>2026-01-26</a:t>
+              <a:t>2026-01-29</a:t>
             </a:fld>
             <a:endParaRPr lang="ko-KR" altLang="en-US"/>
           </a:p>
@@ -2942,7 +3294,7 @@
           <a:p>
             <a:fld id="{15C35488-CAB6-4AF8-BD29-8D6B110DB645}" type="datetimeFigureOut">
               <a:rPr lang="ko-KR" altLang="en-US" smtClean="0"/>
-              <a:t>2026-01-26</a:t>
+              <a:t>2026-01-29</a:t>
             </a:fld>
             <a:endParaRPr lang="ko-KR" altLang="en-US"/>
           </a:p>
@@ -3230,7 +3582,7 @@
           <a:p>
             <a:fld id="{15C35488-CAB6-4AF8-BD29-8D6B110DB645}" type="datetimeFigureOut">
               <a:rPr lang="ko-KR" altLang="en-US" smtClean="0"/>
-              <a:t>2026-01-26</a:t>
+              <a:t>2026-01-29</a:t>
             </a:fld>
             <a:endParaRPr lang="ko-KR" altLang="en-US"/>
           </a:p>
@@ -3471,7 +3823,7 @@
           <a:p>
             <a:fld id="{15C35488-CAB6-4AF8-BD29-8D6B110DB645}" type="datetimeFigureOut">
               <a:rPr lang="ko-KR" altLang="en-US" smtClean="0"/>
-              <a:t>2026-01-26</a:t>
+              <a:t>2026-01-29</a:t>
             </a:fld>
             <a:endParaRPr lang="ko-KR" altLang="en-US"/>
           </a:p>
@@ -4070,7 +4422,7 @@
                 <a:latin typeface="Noto Sans KR" panose="020B0200000000000000" pitchFamily="50" charset="-127"/>
                 <a:ea typeface="Noto Sans KR" panose="020B0200000000000000" pitchFamily="50" charset="-127"/>
               </a:rPr>
-              <a:t>제목</a:t>
+              <a:t>공지관리 시스템 중간 보고</a:t>
             </a:r>
           </a:p>
         </p:txBody>
@@ -4115,7 +4467,7 @@
                 <a:latin typeface="Noto Sans KR" panose="020B0200000000000000" pitchFamily="50" charset="-127"/>
                 <a:ea typeface="Noto Sans KR" panose="020B0200000000000000" pitchFamily="50" charset="-127"/>
               </a:rPr>
-              <a:t>발표자</a:t>
+              <a:t>함윤식</a:t>
             </a:r>
           </a:p>
         </p:txBody>
@@ -4150,7 +4502,7 @@
           <a:p>
             <a:pPr algn="ctr"/>
             <a:r>
-              <a:rPr lang="en-US" altLang="ko-KR" b="1" dirty="0">
+              <a:rPr lang="ko-KR" altLang="en-US" b="1" dirty="0">
                 <a:solidFill>
                   <a:schemeClr val="tx1">
                     <a:lumMod val="85000"/>
@@ -4160,18 +4512,34 @@
                 <a:latin typeface="Noto Sans KR" panose="020B0200000000000000" pitchFamily="50" charset="-127"/>
                 <a:ea typeface="Noto Sans KR" panose="020B0200000000000000" pitchFamily="50" charset="-127"/>
               </a:rPr>
-              <a:t>Noto Sans KR</a:t>
-            </a:r>
-            <a:endParaRPr lang="ko-KR" altLang="en-US" b="1" dirty="0">
-              <a:solidFill>
-                <a:schemeClr val="tx1">
-                  <a:lumMod val="85000"/>
-                  <a:lumOff val="15000"/>
-                </a:schemeClr>
-              </a:solidFill>
-              <a:latin typeface="Noto Sans KR" panose="020B0200000000000000" pitchFamily="50" charset="-127"/>
-              <a:ea typeface="Noto Sans KR" panose="020B0200000000000000" pitchFamily="50" charset="-127"/>
-            </a:endParaRPr>
+              <a:t>서린정보기술 </a:t>
+            </a:r>
+            <a:r>
+              <a:rPr lang="en-US" altLang="ko-KR" b="1" dirty="0">
+                <a:solidFill>
+                  <a:schemeClr val="tx1">
+                    <a:lumMod val="85000"/>
+                    <a:lumOff val="15000"/>
+                  </a:schemeClr>
+                </a:solidFill>
+                <a:latin typeface="Noto Sans KR" panose="020B0200000000000000" pitchFamily="50" charset="-127"/>
+                <a:ea typeface="Noto Sans KR" panose="020B0200000000000000" pitchFamily="50" charset="-127"/>
+              </a:rPr>
+              <a:t>ITH2</a:t>
+            </a:r>
+            <a:r>
+              <a:rPr lang="ko-KR" altLang="en-US" b="1" dirty="0">
+                <a:solidFill>
+                  <a:schemeClr val="tx1">
+                    <a:lumMod val="85000"/>
+                    <a:lumOff val="15000"/>
+                  </a:schemeClr>
+                </a:solidFill>
+                <a:latin typeface="Noto Sans KR" panose="020B0200000000000000" pitchFamily="50" charset="-127"/>
+                <a:ea typeface="Noto Sans KR" panose="020B0200000000000000" pitchFamily="50" charset="-127"/>
+              </a:rPr>
+              <a:t>팀</a:t>
+            </a:r>
           </a:p>
         </p:txBody>
       </p:sp>
@@ -4257,7 +4625,7 @@
         <p:spPr>
           <a:xfrm>
             <a:off x="162560" y="6494790"/>
-            <a:ext cx="1229360" cy="261610"/>
+            <a:ext cx="1361440" cy="253916"/>
           </a:xfrm>
           <a:prstGeom prst="rect">
             <a:avLst/>
@@ -4271,11 +4639,11 @@
           <a:lstStyle/>
           <a:p>
             <a:r>
-              <a:rPr lang="ko-KR" altLang="en-US" sz="1050" dirty="0">
-                <a:latin typeface="Noto Sans KR" panose="020B0200000000000000" pitchFamily="50" charset="-127"/>
-                <a:ea typeface="Noto Sans KR" panose="020B0200000000000000" pitchFamily="50" charset="-127"/>
-              </a:rPr>
-              <a:t>프로젝트 명 </a:t>
+              <a:rPr lang="ko-KR" altLang="en-US" sz="1050">
+                <a:latin typeface="Noto Sans KR" panose="020B0200000000000000" pitchFamily="50" charset="-127"/>
+                <a:ea typeface="Noto Sans KR" panose="020B0200000000000000" pitchFamily="50" charset="-127"/>
+              </a:rPr>
+              <a:t>공지관리 시스템</a:t>
             </a:r>
             <a:r>
               <a:rPr lang="en-US" altLang="ko-KR" sz="1050" dirty="0">
@@ -4782,7 +5150,7 @@
         </p:nvSpPr>
         <p:spPr>
           <a:xfrm>
-            <a:off x="360238" y="3282354"/>
+            <a:off x="327286" y="3232927"/>
             <a:ext cx="11434496" cy="2504338"/>
           </a:xfrm>
           <a:prstGeom prst="rect">
@@ -4863,8 +5231,8 @@
         </p:nvSpPr>
         <p:spPr>
           <a:xfrm>
-            <a:off x="369870" y="753788"/>
-            <a:ext cx="11424863" cy="2274574"/>
+            <a:off x="4917989" y="753788"/>
+            <a:ext cx="6876744" cy="2274574"/>
           </a:xfrm>
           <a:prstGeom prst="rect">
             <a:avLst/>
@@ -4980,55 +5348,6 @@
             </a:prstGeom>
           </p:spPr>
         </p:pic>
-        <p:sp>
-          <p:nvSpPr>
-            <p:cNvPr id="8" name="TextBox 7">
-              <a:extLst>
-                <a:ext uri="{FF2B5EF4-FFF2-40B4-BE49-F238E27FC236}">
-                  <a16:creationId xmlns:a16="http://schemas.microsoft.com/office/drawing/2014/main" id="{E1E54702-C044-8581-E268-B1B1B623FCEC}"/>
-                </a:ext>
-              </a:extLst>
-            </p:cNvPr>
-            <p:cNvSpPr txBox="1"/>
-            <p:nvPr/>
-          </p:nvSpPr>
-          <p:spPr>
-            <a:xfrm>
-              <a:off x="162560" y="6494790"/>
-              <a:ext cx="1229360" cy="261610"/>
-            </a:xfrm>
-            <a:prstGeom prst="rect">
-              <a:avLst/>
-            </a:prstGeom>
-            <a:noFill/>
-          </p:spPr>
-          <p:txBody>
-            <a:bodyPr wrap="square" rtlCol="0">
-              <a:spAutoFit/>
-            </a:bodyPr>
-            <a:lstStyle/>
-            <a:p>
-              <a:r>
-                <a:rPr lang="ko-KR" altLang="en-US" sz="1050" dirty="0">
-                  <a:latin typeface="Noto Sans KR" panose="020B0200000000000000" pitchFamily="50" charset="-127"/>
-                  <a:ea typeface="Noto Sans KR" panose="020B0200000000000000" pitchFamily="50" charset="-127"/>
-                </a:rPr>
-                <a:t>프로젝트 명 </a:t>
-              </a:r>
-              <a:r>
-                <a:rPr lang="en-US" altLang="ko-KR" sz="1050" dirty="0">
-                  <a:latin typeface="Noto Sans KR" panose="020B0200000000000000" pitchFamily="50" charset="-127"/>
-                  <a:ea typeface="Noto Sans KR" panose="020B0200000000000000" pitchFamily="50" charset="-127"/>
-                </a:rPr>
-                <a:t>v1.0</a:t>
-              </a:r>
-              <a:endParaRPr lang="ko-KR" altLang="en-US" sz="1050" dirty="0">
-                <a:latin typeface="Noto Sans KR" panose="020B0200000000000000" pitchFamily="50" charset="-127"/>
-                <a:ea typeface="Noto Sans KR" panose="020B0200000000000000" pitchFamily="50" charset="-127"/>
-              </a:endParaRPr>
-            </a:p>
-          </p:txBody>
-        </p:sp>
         <p:grpSp>
           <p:nvGrpSpPr>
             <p:cNvPr id="11" name="그룹 10">
@@ -5185,8 +5504,8 @@
         </p:nvSpPr>
         <p:spPr>
           <a:xfrm>
-            <a:off x="369870" y="1402052"/>
-            <a:ext cx="3708970" cy="461665"/>
+            <a:off x="369869" y="1402052"/>
+            <a:ext cx="4540797" cy="276999"/>
           </a:xfrm>
           <a:prstGeom prst="rect">
             <a:avLst/>
@@ -5209,19 +5528,32 @@
                 <a:latin typeface="Noto Sans KR" panose="020B0200000000000000" pitchFamily="50" charset="-127"/>
                 <a:ea typeface="Noto Sans KR" panose="020B0200000000000000" pitchFamily="50" charset="-127"/>
               </a:rPr>
-              <a:t>왜 프로젝트를 진행하는지 설명 요약</a:t>
-            </a:r>
-          </a:p>
-          <a:p>
-            <a:endParaRPr lang="ko-KR" altLang="en-US" sz="1200" dirty="0">
-              <a:solidFill>
-                <a:schemeClr val="bg2">
-                  <a:lumMod val="25000"/>
-                </a:schemeClr>
-              </a:solidFill>
-              <a:latin typeface="Noto Sans KR" panose="020B0200000000000000" pitchFamily="50" charset="-127"/>
-              <a:ea typeface="Noto Sans KR" panose="020B0200000000000000" pitchFamily="50" charset="-127"/>
-            </a:endParaRPr>
+              <a:t>공지 관리 시스템을 신규 구축하여 </a:t>
+            </a:r>
+            <a:r>
+              <a:rPr lang="en-US" altLang="ko-KR" sz="1200" dirty="0">
+                <a:solidFill>
+                  <a:schemeClr val="bg2">
+                    <a:lumMod val="25000"/>
+                  </a:schemeClr>
+                </a:solidFill>
+                <a:latin typeface="Noto Sans KR" panose="020B0200000000000000" pitchFamily="50" charset="-127"/>
+                <a:ea typeface="Noto Sans KR" panose="020B0200000000000000" pitchFamily="50" charset="-127"/>
+              </a:rPr>
+              <a:t>Outlook </a:t>
+            </a:r>
+            <a:r>
+              <a:rPr lang="ko-KR" altLang="en-US" sz="1200" dirty="0">
+                <a:solidFill>
+                  <a:schemeClr val="bg2">
+                    <a:lumMod val="25000"/>
+                  </a:schemeClr>
+                </a:solidFill>
+                <a:latin typeface="Noto Sans KR" panose="020B0200000000000000" pitchFamily="50" charset="-127"/>
+                <a:ea typeface="Noto Sans KR" panose="020B0200000000000000" pitchFamily="50" charset="-127"/>
+              </a:rPr>
+              <a:t>연동 공지 발송 체계 수립 </a:t>
+            </a:r>
           </a:p>
         </p:txBody>
       </p:sp>
@@ -5239,7 +5571,7 @@
         </p:nvSpPr>
         <p:spPr>
           <a:xfrm>
-            <a:off x="423378" y="3211181"/>
+            <a:off x="334602" y="3060261"/>
             <a:ext cx="2370221" cy="615233"/>
           </a:xfrm>
           <a:prstGeom prst="rect">
@@ -5298,7 +5630,7 @@
         </p:nvSpPr>
         <p:spPr>
           <a:xfrm>
-            <a:off x="423378" y="3826414"/>
+            <a:off x="343479" y="3595595"/>
             <a:ext cx="2586790" cy="276999"/>
           </a:xfrm>
           <a:prstGeom prst="rect">
@@ -5393,6 +5725,873 @@
                   <a:lumOff val="15000"/>
                 </a:schemeClr>
               </a:solidFill>
+              <a:latin typeface="Noto Sans KR" panose="020B0200000000000000" pitchFamily="50" charset="-127"/>
+              <a:ea typeface="Noto Sans KR" panose="020B0200000000000000" pitchFamily="50" charset="-127"/>
+            </a:endParaRPr>
+          </a:p>
+        </p:txBody>
+      </p:sp>
+      <p:pic>
+        <p:nvPicPr>
+          <p:cNvPr id="9" name="그림 8" descr="텍스트, 스크린샷, 폰트, 일렉트릭 블루이(가) 표시된 사진&#10;&#10;AI 생성 콘텐츠는 정확하지 않을 수 있습니다.">
+            <a:extLst>
+              <a:ext uri="{FF2B5EF4-FFF2-40B4-BE49-F238E27FC236}">
+                <a16:creationId xmlns:a16="http://schemas.microsoft.com/office/drawing/2014/main" id="{0D9320F8-EC91-D277-99B8-3F74ACAD5ADA}"/>
+              </a:ext>
+            </a:extLst>
+          </p:cNvPr>
+          <p:cNvPicPr>
+            <a:picLocks noChangeAspect="1"/>
+          </p:cNvPicPr>
+          <p:nvPr/>
+        </p:nvPicPr>
+        <p:blipFill>
+          <a:blip r:embed="rId5"/>
+          <a:stretch>
+            <a:fillRect/>
+          </a:stretch>
+        </p:blipFill>
+        <p:spPr>
+          <a:xfrm>
+            <a:off x="4925813" y="763397"/>
+            <a:ext cx="6875168" cy="2265553"/>
+          </a:xfrm>
+          <a:prstGeom prst="rect">
+            <a:avLst/>
+          </a:prstGeom>
+        </p:spPr>
+      </p:pic>
+      <p:pic>
+        <p:nvPicPr>
+          <p:cNvPr id="13" name="그림 12" descr="텍스트, 원, 일렉트릭 블루, 폰트이(가) 표시된 사진&#10;&#10;AI 생성 콘텐츠는 정확하지 않을 수 있습니다.">
+            <a:extLst>
+              <a:ext uri="{FF2B5EF4-FFF2-40B4-BE49-F238E27FC236}">
+                <a16:creationId xmlns:a16="http://schemas.microsoft.com/office/drawing/2014/main" id="{89A70E34-CA7F-A326-9311-6DEE391D9116}"/>
+              </a:ext>
+            </a:extLst>
+          </p:cNvPr>
+          <p:cNvPicPr>
+            <a:picLocks noChangeAspect="1"/>
+          </p:cNvPicPr>
+          <p:nvPr/>
+        </p:nvPicPr>
+        <p:blipFill>
+          <a:blip r:embed="rId6"/>
+          <a:srcRect r="2306" b="17008"/>
+          <a:stretch>
+            <a:fillRect/>
+          </a:stretch>
+        </p:blipFill>
+        <p:spPr>
+          <a:xfrm>
+            <a:off x="594668" y="3931773"/>
+            <a:ext cx="1380173" cy="1390031"/>
+          </a:xfrm>
+          <a:prstGeom prst="rect">
+            <a:avLst/>
+          </a:prstGeom>
+        </p:spPr>
+      </p:pic>
+      <p:sp>
+        <p:nvSpPr>
+          <p:cNvPr id="14" name="TextBox 13">
+            <a:extLst>
+              <a:ext uri="{FF2B5EF4-FFF2-40B4-BE49-F238E27FC236}">
+                <a16:creationId xmlns:a16="http://schemas.microsoft.com/office/drawing/2014/main" id="{E52A37A7-F230-CB85-92B6-337D41CFCABB}"/>
+              </a:ext>
+            </a:extLst>
+          </p:cNvPr>
+          <p:cNvSpPr txBox="1"/>
+          <p:nvPr/>
+        </p:nvSpPr>
+        <p:spPr>
+          <a:xfrm>
+            <a:off x="2039314" y="4316726"/>
+            <a:ext cx="2586790" cy="1200329"/>
+          </a:xfrm>
+          <a:prstGeom prst="rect">
+            <a:avLst/>
+          </a:prstGeom>
+          <a:noFill/>
+        </p:spPr>
+        <p:txBody>
+          <a:bodyPr wrap="square" rtlCol="0">
+            <a:spAutoFit/>
+          </a:bodyPr>
+          <a:lstStyle/>
+          <a:p>
+            <a:r>
+              <a:rPr lang="en-US" altLang="ko-KR" sz="1200" dirty="0">
+                <a:solidFill>
+                  <a:schemeClr val="bg2">
+                    <a:lumMod val="25000"/>
+                  </a:schemeClr>
+                </a:solidFill>
+                <a:latin typeface="Noto Sans KR" panose="020B0200000000000000" pitchFamily="50" charset="-127"/>
+                <a:ea typeface="Noto Sans KR" panose="020B0200000000000000" pitchFamily="50" charset="-127"/>
+              </a:rPr>
+              <a:t>-   </a:t>
+            </a:r>
+            <a:r>
+              <a:rPr lang="ko-KR" altLang="en-US" sz="1200" dirty="0">
+                <a:solidFill>
+                  <a:schemeClr val="bg2">
+                    <a:lumMod val="25000"/>
+                  </a:schemeClr>
+                </a:solidFill>
+                <a:latin typeface="Noto Sans KR" panose="020B0200000000000000" pitchFamily="50" charset="-127"/>
+                <a:ea typeface="Noto Sans KR" panose="020B0200000000000000" pitchFamily="50" charset="-127"/>
+              </a:rPr>
+              <a:t>공지 등록 화면</a:t>
+            </a:r>
+            <a:endParaRPr lang="en-US" altLang="ko-KR" sz="1200" dirty="0">
+              <a:solidFill>
+                <a:schemeClr val="bg2">
+                  <a:lumMod val="25000"/>
+                </a:schemeClr>
+              </a:solidFill>
+              <a:latin typeface="Noto Sans KR" panose="020B0200000000000000" pitchFamily="50" charset="-127"/>
+              <a:ea typeface="Noto Sans KR" panose="020B0200000000000000" pitchFamily="50" charset="-127"/>
+            </a:endParaRPr>
+          </a:p>
+          <a:p>
+            <a:r>
+              <a:rPr lang="en-US" altLang="ko-KR" sz="1200" dirty="0">
+                <a:solidFill>
+                  <a:schemeClr val="bg2">
+                    <a:lumMod val="25000"/>
+                  </a:schemeClr>
+                </a:solidFill>
+                <a:latin typeface="Noto Sans KR" panose="020B0200000000000000" pitchFamily="50" charset="-127"/>
+                <a:ea typeface="Noto Sans KR" panose="020B0200000000000000" pitchFamily="50" charset="-127"/>
+              </a:rPr>
+              <a:t>-   </a:t>
+            </a:r>
+            <a:r>
+              <a:rPr lang="ko-KR" altLang="en-US" sz="1200" dirty="0">
+                <a:solidFill>
+                  <a:schemeClr val="bg2">
+                    <a:lumMod val="25000"/>
+                  </a:schemeClr>
+                </a:solidFill>
+                <a:latin typeface="Noto Sans KR" panose="020B0200000000000000" pitchFamily="50" charset="-127"/>
+                <a:ea typeface="Noto Sans KR" panose="020B0200000000000000" pitchFamily="50" charset="-127"/>
+              </a:rPr>
+              <a:t>공지 발송 히스토리 화면</a:t>
+            </a:r>
+            <a:endParaRPr lang="en-US" altLang="ko-KR" sz="1200" dirty="0">
+              <a:solidFill>
+                <a:schemeClr val="bg2">
+                  <a:lumMod val="25000"/>
+                </a:schemeClr>
+              </a:solidFill>
+              <a:latin typeface="Noto Sans KR" panose="020B0200000000000000" pitchFamily="50" charset="-127"/>
+              <a:ea typeface="Noto Sans KR" panose="020B0200000000000000" pitchFamily="50" charset="-127"/>
+            </a:endParaRPr>
+          </a:p>
+          <a:p>
+            <a:r>
+              <a:rPr lang="en-US" altLang="ko-KR" sz="1200" dirty="0">
+                <a:solidFill>
+                  <a:schemeClr val="bg2">
+                    <a:lumMod val="25000"/>
+                  </a:schemeClr>
+                </a:solidFill>
+                <a:latin typeface="Noto Sans KR" panose="020B0200000000000000" pitchFamily="50" charset="-127"/>
+                <a:ea typeface="Noto Sans KR" panose="020B0200000000000000" pitchFamily="50" charset="-127"/>
+              </a:rPr>
+              <a:t>-   </a:t>
+            </a:r>
+            <a:r>
+              <a:rPr lang="ko-KR" altLang="en-US" sz="1200" dirty="0">
+                <a:solidFill>
+                  <a:schemeClr val="bg2">
+                    <a:lumMod val="25000"/>
+                  </a:schemeClr>
+                </a:solidFill>
+                <a:latin typeface="Noto Sans KR" panose="020B0200000000000000" pitchFamily="50" charset="-127"/>
+                <a:ea typeface="Noto Sans KR" panose="020B0200000000000000" pitchFamily="50" charset="-127"/>
+              </a:rPr>
+              <a:t>공지 발송 결재 화면</a:t>
+            </a:r>
+            <a:endParaRPr lang="en-US" altLang="ko-KR" sz="1200" dirty="0">
+              <a:solidFill>
+                <a:schemeClr val="bg2">
+                  <a:lumMod val="25000"/>
+                </a:schemeClr>
+              </a:solidFill>
+              <a:latin typeface="Noto Sans KR" panose="020B0200000000000000" pitchFamily="50" charset="-127"/>
+              <a:ea typeface="Noto Sans KR" panose="020B0200000000000000" pitchFamily="50" charset="-127"/>
+            </a:endParaRPr>
+          </a:p>
+          <a:p>
+            <a:pPr marL="171450" indent="-171450">
+              <a:buFontTx/>
+              <a:buChar char="-"/>
+            </a:pPr>
+            <a:r>
+              <a:rPr lang="ko-KR" altLang="en-US" sz="1200" dirty="0">
+                <a:solidFill>
+                  <a:schemeClr val="bg2">
+                    <a:lumMod val="25000"/>
+                  </a:schemeClr>
+                </a:solidFill>
+                <a:latin typeface="Noto Sans KR" panose="020B0200000000000000" pitchFamily="50" charset="-127"/>
+                <a:ea typeface="Noto Sans KR" panose="020B0200000000000000" pitchFamily="50" charset="-127"/>
+              </a:rPr>
+              <a:t>대시보드</a:t>
+            </a:r>
+            <a:endParaRPr lang="en-US" altLang="ko-KR" sz="1200" dirty="0">
+              <a:solidFill>
+                <a:schemeClr val="bg2">
+                  <a:lumMod val="25000"/>
+                </a:schemeClr>
+              </a:solidFill>
+              <a:latin typeface="Noto Sans KR" panose="020B0200000000000000" pitchFamily="50" charset="-127"/>
+              <a:ea typeface="Noto Sans KR" panose="020B0200000000000000" pitchFamily="50" charset="-127"/>
+            </a:endParaRPr>
+          </a:p>
+          <a:p>
+            <a:pPr marL="171450" indent="-171450">
+              <a:buFontTx/>
+              <a:buChar char="-"/>
+            </a:pPr>
+            <a:r>
+              <a:rPr lang="ko-KR" altLang="en-US" sz="1200" dirty="0">
+                <a:solidFill>
+                  <a:schemeClr val="bg2">
+                    <a:lumMod val="25000"/>
+                  </a:schemeClr>
+                </a:solidFill>
+                <a:latin typeface="Noto Sans KR" panose="020B0200000000000000" pitchFamily="50" charset="-127"/>
+                <a:ea typeface="Noto Sans KR" panose="020B0200000000000000" pitchFamily="50" charset="-127"/>
+              </a:rPr>
+              <a:t>관리자 화면</a:t>
+            </a:r>
+            <a:endParaRPr lang="en-US" altLang="ko-KR" sz="1200" dirty="0">
+              <a:solidFill>
+                <a:schemeClr val="bg2">
+                  <a:lumMod val="25000"/>
+                </a:schemeClr>
+              </a:solidFill>
+              <a:latin typeface="Noto Sans KR" panose="020B0200000000000000" pitchFamily="50" charset="-127"/>
+              <a:ea typeface="Noto Sans KR" panose="020B0200000000000000" pitchFamily="50" charset="-127"/>
+            </a:endParaRPr>
+          </a:p>
+          <a:p>
+            <a:pPr marL="171450" indent="-171450">
+              <a:buFontTx/>
+              <a:buChar char="-"/>
+            </a:pPr>
+            <a:r>
+              <a:rPr lang="ko-KR" altLang="en-US" sz="1200" dirty="0">
+                <a:solidFill>
+                  <a:schemeClr val="bg2">
+                    <a:lumMod val="25000"/>
+                  </a:schemeClr>
+                </a:solidFill>
+                <a:latin typeface="Noto Sans KR" panose="020B0200000000000000" pitchFamily="50" charset="-127"/>
+                <a:ea typeface="Noto Sans KR" panose="020B0200000000000000" pitchFamily="50" charset="-127"/>
+              </a:rPr>
+              <a:t>로그인 </a:t>
+            </a:r>
+            <a:r>
+              <a:rPr lang="en-US" altLang="ko-KR" sz="1200" dirty="0">
+                <a:solidFill>
+                  <a:schemeClr val="bg2">
+                    <a:lumMod val="25000"/>
+                  </a:schemeClr>
+                </a:solidFill>
+                <a:latin typeface="Noto Sans KR" panose="020B0200000000000000" pitchFamily="50" charset="-127"/>
+                <a:ea typeface="Noto Sans KR" panose="020B0200000000000000" pitchFamily="50" charset="-127"/>
+              </a:rPr>
+              <a:t>SSO</a:t>
+            </a:r>
+            <a:r>
+              <a:rPr lang="ko-KR" altLang="en-US" sz="1200" dirty="0">
+                <a:solidFill>
+                  <a:schemeClr val="bg2">
+                    <a:lumMod val="25000"/>
+                  </a:schemeClr>
+                </a:solidFill>
+                <a:latin typeface="Noto Sans KR" panose="020B0200000000000000" pitchFamily="50" charset="-127"/>
+                <a:ea typeface="Noto Sans KR" panose="020B0200000000000000" pitchFamily="50" charset="-127"/>
+              </a:rPr>
+              <a:t> 연동</a:t>
+            </a:r>
+            <a:endParaRPr lang="en-US" altLang="ko-KR" sz="1200" dirty="0">
+              <a:solidFill>
+                <a:schemeClr val="bg2">
+                  <a:lumMod val="25000"/>
+                </a:schemeClr>
+              </a:solidFill>
+              <a:latin typeface="Noto Sans KR" panose="020B0200000000000000" pitchFamily="50" charset="-127"/>
+              <a:ea typeface="Noto Sans KR" panose="020B0200000000000000" pitchFamily="50" charset="-127"/>
+            </a:endParaRPr>
+          </a:p>
+        </p:txBody>
+      </p:sp>
+      <p:sp>
+        <p:nvSpPr>
+          <p:cNvPr id="15" name="TextBox 14">
+            <a:extLst>
+              <a:ext uri="{FF2B5EF4-FFF2-40B4-BE49-F238E27FC236}">
+                <a16:creationId xmlns:a16="http://schemas.microsoft.com/office/drawing/2014/main" id="{41C890F3-AEEB-F700-E111-2C8E3D9646D3}"/>
+              </a:ext>
+            </a:extLst>
+          </p:cNvPr>
+          <p:cNvSpPr txBox="1"/>
+          <p:nvPr/>
+        </p:nvSpPr>
+        <p:spPr>
+          <a:xfrm>
+            <a:off x="2045713" y="3911152"/>
+            <a:ext cx="2586790" cy="276999"/>
+          </a:xfrm>
+          <a:prstGeom prst="rect">
+            <a:avLst/>
+          </a:prstGeom>
+          <a:noFill/>
+        </p:spPr>
+        <p:txBody>
+          <a:bodyPr wrap="square" rtlCol="0">
+            <a:spAutoFit/>
+          </a:bodyPr>
+          <a:lstStyle/>
+          <a:p>
+            <a:r>
+              <a:rPr lang="en-US" altLang="ko-KR" sz="1200" dirty="0">
+                <a:solidFill>
+                  <a:schemeClr val="bg2">
+                    <a:lumMod val="25000"/>
+                  </a:schemeClr>
+                </a:solidFill>
+                <a:latin typeface="Noto Sans KR" panose="020B0200000000000000" pitchFamily="50" charset="-127"/>
+                <a:ea typeface="Noto Sans KR" panose="020B0200000000000000" pitchFamily="50" charset="-127"/>
+              </a:rPr>
+              <a:t>1.</a:t>
+            </a:r>
+            <a:r>
+              <a:rPr lang="ko-KR" altLang="en-US" sz="1200" dirty="0">
+                <a:solidFill>
+                  <a:schemeClr val="bg2">
+                    <a:lumMod val="25000"/>
+                  </a:schemeClr>
+                </a:solidFill>
+                <a:latin typeface="Noto Sans KR" panose="020B0200000000000000" pitchFamily="50" charset="-127"/>
+                <a:ea typeface="Noto Sans KR" panose="020B0200000000000000" pitchFamily="50" charset="-127"/>
+              </a:rPr>
+              <a:t>공지 관리 체계 개발</a:t>
+            </a:r>
+          </a:p>
+        </p:txBody>
+      </p:sp>
+      <p:pic>
+        <p:nvPicPr>
+          <p:cNvPr id="17" name="그림 16" descr="원, 일렉트릭 블루, 폰트, 상징이(가) 표시된 사진&#10;&#10;AI 생성 콘텐츠는 정확하지 않을 수 있습니다.">
+            <a:extLst>
+              <a:ext uri="{FF2B5EF4-FFF2-40B4-BE49-F238E27FC236}">
+                <a16:creationId xmlns:a16="http://schemas.microsoft.com/office/drawing/2014/main" id="{E36C8863-7164-61BB-55DF-DFE265DA8C22}"/>
+              </a:ext>
+            </a:extLst>
+          </p:cNvPr>
+          <p:cNvPicPr>
+            <a:picLocks noChangeAspect="1"/>
+          </p:cNvPicPr>
+          <p:nvPr/>
+        </p:nvPicPr>
+        <p:blipFill>
+          <a:blip r:embed="rId7"/>
+          <a:stretch>
+            <a:fillRect/>
+          </a:stretch>
+        </p:blipFill>
+        <p:spPr>
+          <a:xfrm>
+            <a:off x="4334058" y="3899777"/>
+            <a:ext cx="1333385" cy="1348038"/>
+          </a:xfrm>
+          <a:prstGeom prst="rect">
+            <a:avLst/>
+          </a:prstGeom>
+        </p:spPr>
+      </p:pic>
+      <p:sp>
+        <p:nvSpPr>
+          <p:cNvPr id="21" name="TextBox 20">
+            <a:extLst>
+              <a:ext uri="{FF2B5EF4-FFF2-40B4-BE49-F238E27FC236}">
+                <a16:creationId xmlns:a16="http://schemas.microsoft.com/office/drawing/2014/main" id="{922A24D3-B235-8149-E789-23C861AD61B5}"/>
+              </a:ext>
+            </a:extLst>
+          </p:cNvPr>
+          <p:cNvSpPr txBox="1"/>
+          <p:nvPr/>
+        </p:nvSpPr>
+        <p:spPr>
+          <a:xfrm>
+            <a:off x="5749101" y="4321485"/>
+            <a:ext cx="2586790" cy="461665"/>
+          </a:xfrm>
+          <a:prstGeom prst="rect">
+            <a:avLst/>
+          </a:prstGeom>
+          <a:noFill/>
+        </p:spPr>
+        <p:txBody>
+          <a:bodyPr wrap="square" rtlCol="0">
+            <a:spAutoFit/>
+          </a:bodyPr>
+          <a:lstStyle/>
+          <a:p>
+            <a:r>
+              <a:rPr lang="en-US" altLang="ko-KR" sz="1200" dirty="0">
+                <a:solidFill>
+                  <a:schemeClr val="bg2">
+                    <a:lumMod val="25000"/>
+                  </a:schemeClr>
+                </a:solidFill>
+                <a:latin typeface="Noto Sans KR" panose="020B0200000000000000" pitchFamily="50" charset="-127"/>
+                <a:ea typeface="Noto Sans KR" panose="020B0200000000000000" pitchFamily="50" charset="-127"/>
+              </a:rPr>
+              <a:t>-  Outlook</a:t>
+            </a:r>
+            <a:r>
+              <a:rPr lang="ko-KR" altLang="en-US" sz="1200" dirty="0">
+                <a:solidFill>
+                  <a:schemeClr val="bg2">
+                    <a:lumMod val="25000"/>
+                  </a:schemeClr>
+                </a:solidFill>
+                <a:latin typeface="Noto Sans KR" panose="020B0200000000000000" pitchFamily="50" charset="-127"/>
+                <a:ea typeface="Noto Sans KR" panose="020B0200000000000000" pitchFamily="50" charset="-127"/>
+              </a:rPr>
+              <a:t> 메일 발송</a:t>
+            </a:r>
+            <a:endParaRPr lang="en-US" altLang="ko-KR" sz="1200" dirty="0">
+              <a:solidFill>
+                <a:schemeClr val="bg2">
+                  <a:lumMod val="25000"/>
+                </a:schemeClr>
+              </a:solidFill>
+              <a:latin typeface="Noto Sans KR" panose="020B0200000000000000" pitchFamily="50" charset="-127"/>
+              <a:ea typeface="Noto Sans KR" panose="020B0200000000000000" pitchFamily="50" charset="-127"/>
+            </a:endParaRPr>
+          </a:p>
+          <a:p>
+            <a:r>
+              <a:rPr lang="en-US" altLang="ko-KR" sz="1200" dirty="0">
+                <a:solidFill>
+                  <a:schemeClr val="bg2">
+                    <a:lumMod val="25000"/>
+                  </a:schemeClr>
+                </a:solidFill>
+                <a:latin typeface="Noto Sans KR" panose="020B0200000000000000" pitchFamily="50" charset="-127"/>
+                <a:ea typeface="Noto Sans KR" panose="020B0200000000000000" pitchFamily="50" charset="-127"/>
+              </a:rPr>
+              <a:t>-  </a:t>
+            </a:r>
+            <a:r>
+              <a:rPr lang="ko-KR" altLang="en-US" sz="1200" dirty="0">
+                <a:solidFill>
+                  <a:schemeClr val="bg2">
+                    <a:lumMod val="25000"/>
+                  </a:schemeClr>
+                </a:solidFill>
+                <a:latin typeface="Noto Sans KR" panose="020B0200000000000000" pitchFamily="50" charset="-127"/>
+                <a:ea typeface="Noto Sans KR" panose="020B0200000000000000" pitchFamily="50" charset="-127"/>
+              </a:rPr>
+              <a:t>공지일정 자원 등록</a:t>
+            </a:r>
+            <a:endParaRPr lang="en-US" altLang="ko-KR" sz="1200" dirty="0">
+              <a:solidFill>
+                <a:schemeClr val="bg2">
+                  <a:lumMod val="25000"/>
+                </a:schemeClr>
+              </a:solidFill>
+              <a:latin typeface="Noto Sans KR" panose="020B0200000000000000" pitchFamily="50" charset="-127"/>
+              <a:ea typeface="Noto Sans KR" panose="020B0200000000000000" pitchFamily="50" charset="-127"/>
+            </a:endParaRPr>
+          </a:p>
+        </p:txBody>
+      </p:sp>
+      <p:sp>
+        <p:nvSpPr>
+          <p:cNvPr id="22" name="TextBox 21">
+            <a:extLst>
+              <a:ext uri="{FF2B5EF4-FFF2-40B4-BE49-F238E27FC236}">
+                <a16:creationId xmlns:a16="http://schemas.microsoft.com/office/drawing/2014/main" id="{DB72512F-47EB-07EE-2836-D785766BD6F2}"/>
+              </a:ext>
+            </a:extLst>
+          </p:cNvPr>
+          <p:cNvSpPr txBox="1"/>
+          <p:nvPr/>
+        </p:nvSpPr>
+        <p:spPr>
+          <a:xfrm>
+            <a:off x="5768776" y="3912072"/>
+            <a:ext cx="2586790" cy="276999"/>
+          </a:xfrm>
+          <a:prstGeom prst="rect">
+            <a:avLst/>
+          </a:prstGeom>
+          <a:noFill/>
+        </p:spPr>
+        <p:txBody>
+          <a:bodyPr wrap="square" rtlCol="0">
+            <a:spAutoFit/>
+          </a:bodyPr>
+          <a:lstStyle/>
+          <a:p>
+            <a:r>
+              <a:rPr lang="en-US" altLang="ko-KR" sz="1200" dirty="0">
+                <a:solidFill>
+                  <a:schemeClr val="bg2">
+                    <a:lumMod val="25000"/>
+                  </a:schemeClr>
+                </a:solidFill>
+                <a:latin typeface="Noto Sans KR" panose="020B0200000000000000" pitchFamily="50" charset="-127"/>
+                <a:ea typeface="Noto Sans KR" panose="020B0200000000000000" pitchFamily="50" charset="-127"/>
+              </a:rPr>
+              <a:t>2. MS Graph API</a:t>
+            </a:r>
+            <a:endParaRPr lang="ko-KR" altLang="en-US" sz="1200" dirty="0">
+              <a:solidFill>
+                <a:schemeClr val="bg2">
+                  <a:lumMod val="25000"/>
+                </a:schemeClr>
+              </a:solidFill>
+              <a:latin typeface="Noto Sans KR" panose="020B0200000000000000" pitchFamily="50" charset="-127"/>
+              <a:ea typeface="Noto Sans KR" panose="020B0200000000000000" pitchFamily="50" charset="-127"/>
+            </a:endParaRPr>
+          </a:p>
+        </p:txBody>
+      </p:sp>
+      <p:grpSp>
+        <p:nvGrpSpPr>
+          <p:cNvPr id="34" name="그룹 33">
+            <a:extLst>
+              <a:ext uri="{FF2B5EF4-FFF2-40B4-BE49-F238E27FC236}">
+                <a16:creationId xmlns:a16="http://schemas.microsoft.com/office/drawing/2014/main" id="{AF294BEF-EA2B-0AAB-BD93-E38253E46F61}"/>
+              </a:ext>
+            </a:extLst>
+          </p:cNvPr>
+          <p:cNvGrpSpPr/>
+          <p:nvPr/>
+        </p:nvGrpSpPr>
+        <p:grpSpPr>
+          <a:xfrm>
+            <a:off x="7728489" y="3929432"/>
+            <a:ext cx="1358187" cy="1520963"/>
+            <a:chOff x="9215118" y="3685983"/>
+            <a:chExt cx="1528317" cy="1711483"/>
+          </a:xfrm>
+        </p:grpSpPr>
+        <p:pic>
+          <p:nvPicPr>
+            <p:cNvPr id="28" name="그림 27" descr="로고, 폰트, 그래픽, 텍스트이(가) 표시된 사진&#10;&#10;AI 생성 콘텐츠는 정확하지 않을 수 있습니다.">
+              <a:extLst>
+                <a:ext uri="{FF2B5EF4-FFF2-40B4-BE49-F238E27FC236}">
+                  <a16:creationId xmlns:a16="http://schemas.microsoft.com/office/drawing/2014/main" id="{DBD8C467-BE1B-9DC9-8430-C0932D0D829A}"/>
+                </a:ext>
+              </a:extLst>
+            </p:cNvPr>
+            <p:cNvPicPr>
+              <a:picLocks noChangeAspect="1"/>
+            </p:cNvPicPr>
+            <p:nvPr/>
+          </p:nvPicPr>
+          <p:blipFill>
+            <a:blip r:embed="rId8"/>
+            <a:stretch>
+              <a:fillRect/>
+            </a:stretch>
+          </p:blipFill>
+          <p:spPr>
+            <a:xfrm>
+              <a:off x="9215118" y="4132429"/>
+              <a:ext cx="676369" cy="857370"/>
+            </a:xfrm>
+            <a:prstGeom prst="rect">
+              <a:avLst/>
+            </a:prstGeom>
+          </p:spPr>
+        </p:pic>
+        <p:pic>
+          <p:nvPicPr>
+            <p:cNvPr id="30" name="그림 29" descr="로고, 텍스트, 폰트, 그래픽이(가) 표시된 사진&#10;&#10;AI 생성 콘텐츠는 정확하지 않을 수 있습니다.">
+              <a:extLst>
+                <a:ext uri="{FF2B5EF4-FFF2-40B4-BE49-F238E27FC236}">
+                  <a16:creationId xmlns:a16="http://schemas.microsoft.com/office/drawing/2014/main" id="{DC4D013C-51EA-98E2-7CE7-C99374B55556}"/>
+                </a:ext>
+              </a:extLst>
+            </p:cNvPr>
+            <p:cNvPicPr>
+              <a:picLocks noChangeAspect="1"/>
+            </p:cNvPicPr>
+            <p:nvPr/>
+          </p:nvPicPr>
+          <p:blipFill>
+            <a:blip r:embed="rId9"/>
+            <a:stretch>
+              <a:fillRect/>
+            </a:stretch>
+          </p:blipFill>
+          <p:spPr>
+            <a:xfrm>
+              <a:off x="9886495" y="3685983"/>
+              <a:ext cx="657317" cy="809738"/>
+            </a:xfrm>
+            <a:prstGeom prst="rect">
+              <a:avLst/>
+            </a:prstGeom>
+          </p:spPr>
+        </p:pic>
+        <p:pic>
+          <p:nvPicPr>
+            <p:cNvPr id="32" name="그림 31" descr="텍스트, 공구, 디자인이(가) 표시된 사진&#10;&#10;AI 생성 콘텐츠는 정확하지 않을 수 있습니다.">
+              <a:extLst>
+                <a:ext uri="{FF2B5EF4-FFF2-40B4-BE49-F238E27FC236}">
+                  <a16:creationId xmlns:a16="http://schemas.microsoft.com/office/drawing/2014/main" id="{515069F2-1410-FDE8-E831-9A6C48AEC4E7}"/>
+                </a:ext>
+              </a:extLst>
+            </p:cNvPr>
+            <p:cNvPicPr>
+              <a:picLocks noChangeAspect="1"/>
+            </p:cNvPicPr>
+            <p:nvPr/>
+          </p:nvPicPr>
+          <p:blipFill>
+            <a:blip r:embed="rId10"/>
+            <a:stretch>
+              <a:fillRect/>
+            </a:stretch>
+          </p:blipFill>
+          <p:spPr>
+            <a:xfrm>
+              <a:off x="10000381" y="4578202"/>
+              <a:ext cx="743054" cy="819264"/>
+            </a:xfrm>
+            <a:prstGeom prst="rect">
+              <a:avLst/>
+            </a:prstGeom>
+          </p:spPr>
+        </p:pic>
+      </p:grpSp>
+      <p:sp>
+        <p:nvSpPr>
+          <p:cNvPr id="33" name="TextBox 32">
+            <a:extLst>
+              <a:ext uri="{FF2B5EF4-FFF2-40B4-BE49-F238E27FC236}">
+                <a16:creationId xmlns:a16="http://schemas.microsoft.com/office/drawing/2014/main" id="{4465FB01-DF5B-D1B1-3784-916CF6F9D2E2}"/>
+              </a:ext>
+            </a:extLst>
+          </p:cNvPr>
+          <p:cNvSpPr txBox="1"/>
+          <p:nvPr/>
+        </p:nvSpPr>
+        <p:spPr>
+          <a:xfrm>
+            <a:off x="9151040" y="3916765"/>
+            <a:ext cx="2586790" cy="276999"/>
+          </a:xfrm>
+          <a:prstGeom prst="rect">
+            <a:avLst/>
+          </a:prstGeom>
+          <a:noFill/>
+        </p:spPr>
+        <p:txBody>
+          <a:bodyPr wrap="square" rtlCol="0">
+            <a:spAutoFit/>
+          </a:bodyPr>
+          <a:lstStyle/>
+          <a:p>
+            <a:r>
+              <a:rPr lang="en-US" altLang="ko-KR" sz="1200" dirty="0">
+                <a:solidFill>
+                  <a:schemeClr val="bg2">
+                    <a:lumMod val="25000"/>
+                  </a:schemeClr>
+                </a:solidFill>
+                <a:latin typeface="Noto Sans KR" panose="020B0200000000000000" pitchFamily="50" charset="-127"/>
+                <a:ea typeface="Noto Sans KR" panose="020B0200000000000000" pitchFamily="50" charset="-127"/>
+              </a:rPr>
+              <a:t>3. </a:t>
+            </a:r>
+            <a:r>
+              <a:rPr lang="ko-KR" altLang="en-US" sz="1200" dirty="0">
+                <a:solidFill>
+                  <a:schemeClr val="bg2">
+                    <a:lumMod val="25000"/>
+                  </a:schemeClr>
+                </a:solidFill>
+                <a:latin typeface="Noto Sans KR" panose="020B0200000000000000" pitchFamily="50" charset="-127"/>
+                <a:ea typeface="Noto Sans KR" panose="020B0200000000000000" pitchFamily="50" charset="-127"/>
+              </a:rPr>
+              <a:t>시스템 기능 확장</a:t>
+            </a:r>
+            <a:endParaRPr lang="en-US" altLang="ko-KR" sz="1200" dirty="0">
+              <a:solidFill>
+                <a:schemeClr val="bg2">
+                  <a:lumMod val="25000"/>
+                </a:schemeClr>
+              </a:solidFill>
+              <a:latin typeface="Noto Sans KR" panose="020B0200000000000000" pitchFamily="50" charset="-127"/>
+              <a:ea typeface="Noto Sans KR" panose="020B0200000000000000" pitchFamily="50" charset="-127"/>
+            </a:endParaRPr>
+          </a:p>
+        </p:txBody>
+      </p:sp>
+      <p:sp>
+        <p:nvSpPr>
+          <p:cNvPr id="35" name="TextBox 34">
+            <a:extLst>
+              <a:ext uri="{FF2B5EF4-FFF2-40B4-BE49-F238E27FC236}">
+                <a16:creationId xmlns:a16="http://schemas.microsoft.com/office/drawing/2014/main" id="{BDA5F73A-A621-15AD-8194-73BE2706A375}"/>
+              </a:ext>
+            </a:extLst>
+          </p:cNvPr>
+          <p:cNvSpPr txBox="1"/>
+          <p:nvPr/>
+        </p:nvSpPr>
+        <p:spPr>
+          <a:xfrm>
+            <a:off x="9186239" y="4314087"/>
+            <a:ext cx="2586790" cy="461665"/>
+          </a:xfrm>
+          <a:prstGeom prst="rect">
+            <a:avLst/>
+          </a:prstGeom>
+          <a:noFill/>
+        </p:spPr>
+        <p:txBody>
+          <a:bodyPr wrap="square" rtlCol="0">
+            <a:spAutoFit/>
+          </a:bodyPr>
+          <a:lstStyle/>
+          <a:p>
+            <a:pPr marL="171450" indent="-171450">
+              <a:buFontTx/>
+              <a:buChar char="-"/>
+            </a:pPr>
+            <a:r>
+              <a:rPr lang="ko-KR" altLang="en-US" sz="1200" dirty="0">
+                <a:solidFill>
+                  <a:schemeClr val="bg2">
+                    <a:lumMod val="25000"/>
+                  </a:schemeClr>
+                </a:solidFill>
+                <a:latin typeface="Noto Sans KR" panose="020B0200000000000000" pitchFamily="50" charset="-127"/>
+                <a:ea typeface="Noto Sans KR" panose="020B0200000000000000" pitchFamily="50" charset="-127"/>
+              </a:rPr>
+              <a:t>알림 연계 표준 </a:t>
+            </a:r>
+            <a:r>
+              <a:rPr lang="en-US" altLang="ko-KR" sz="1200" dirty="0">
+                <a:solidFill>
+                  <a:schemeClr val="bg2">
+                    <a:lumMod val="25000"/>
+                  </a:schemeClr>
+                </a:solidFill>
+                <a:latin typeface="Noto Sans KR" panose="020B0200000000000000" pitchFamily="50" charset="-127"/>
+                <a:ea typeface="Noto Sans KR" panose="020B0200000000000000" pitchFamily="50" charset="-127"/>
+              </a:rPr>
+              <a:t>API Guide </a:t>
+            </a:r>
+            <a:r>
+              <a:rPr lang="ko-KR" altLang="en-US" sz="1200" dirty="0">
+                <a:solidFill>
+                  <a:schemeClr val="bg2">
+                    <a:lumMod val="25000"/>
+                  </a:schemeClr>
+                </a:solidFill>
+                <a:latin typeface="Noto Sans KR" panose="020B0200000000000000" pitchFamily="50" charset="-127"/>
+                <a:ea typeface="Noto Sans KR" panose="020B0200000000000000" pitchFamily="50" charset="-127"/>
+              </a:rPr>
+              <a:t>수립</a:t>
+            </a:r>
+            <a:endParaRPr lang="en-US" altLang="ko-KR" sz="1200" dirty="0">
+              <a:solidFill>
+                <a:schemeClr val="bg2">
+                  <a:lumMod val="25000"/>
+                </a:schemeClr>
+              </a:solidFill>
+              <a:latin typeface="Noto Sans KR" panose="020B0200000000000000" pitchFamily="50" charset="-127"/>
+              <a:ea typeface="Noto Sans KR" panose="020B0200000000000000" pitchFamily="50" charset="-127"/>
+            </a:endParaRPr>
+          </a:p>
+          <a:p>
+            <a:pPr marL="171450" indent="-171450">
+              <a:buFontTx/>
+              <a:buChar char="-"/>
+            </a:pPr>
+            <a:r>
+              <a:rPr lang="ko-KR" altLang="en-US" sz="1200" dirty="0">
+                <a:solidFill>
+                  <a:schemeClr val="bg2">
+                    <a:lumMod val="25000"/>
+                  </a:schemeClr>
+                </a:solidFill>
+                <a:latin typeface="Noto Sans KR" panose="020B0200000000000000" pitchFamily="50" charset="-127"/>
+                <a:ea typeface="Noto Sans KR" panose="020B0200000000000000" pitchFamily="50" charset="-127"/>
+              </a:rPr>
+              <a:t>서비스 별 알림 연계 기능 구현</a:t>
+            </a:r>
+            <a:endParaRPr lang="en-US" altLang="ko-KR" sz="1200" dirty="0">
+              <a:solidFill>
+                <a:schemeClr val="bg2">
+                  <a:lumMod val="25000"/>
+                </a:schemeClr>
+              </a:solidFill>
+              <a:latin typeface="Noto Sans KR" panose="020B0200000000000000" pitchFamily="50" charset="-127"/>
+              <a:ea typeface="Noto Sans KR" panose="020B0200000000000000" pitchFamily="50" charset="-127"/>
+            </a:endParaRPr>
+          </a:p>
+        </p:txBody>
+      </p:sp>
+      <p:sp>
+        <p:nvSpPr>
+          <p:cNvPr id="36" name="TextBox 35">
+            <a:extLst>
+              <a:ext uri="{FF2B5EF4-FFF2-40B4-BE49-F238E27FC236}">
+                <a16:creationId xmlns:a16="http://schemas.microsoft.com/office/drawing/2014/main" id="{D2FB8B07-2EEA-BDC3-D3F0-FEAAAA3231C1}"/>
+              </a:ext>
+            </a:extLst>
+          </p:cNvPr>
+          <p:cNvSpPr txBox="1"/>
+          <p:nvPr/>
+        </p:nvSpPr>
+        <p:spPr>
+          <a:xfrm>
+            <a:off x="162560" y="6494790"/>
+            <a:ext cx="1361440" cy="253916"/>
+          </a:xfrm>
+          <a:prstGeom prst="rect">
+            <a:avLst/>
+          </a:prstGeom>
+          <a:noFill/>
+        </p:spPr>
+        <p:txBody>
+          <a:bodyPr wrap="square" rtlCol="0">
+            <a:spAutoFit/>
+          </a:bodyPr>
+          <a:lstStyle/>
+          <a:p>
+            <a:r>
+              <a:rPr lang="ko-KR" altLang="en-US" sz="1050">
+                <a:latin typeface="Noto Sans KR" panose="020B0200000000000000" pitchFamily="50" charset="-127"/>
+                <a:ea typeface="Noto Sans KR" panose="020B0200000000000000" pitchFamily="50" charset="-127"/>
+              </a:rPr>
+              <a:t>공지관리 시스템</a:t>
+            </a:r>
+            <a:r>
+              <a:rPr lang="en-US" altLang="ko-KR" sz="1050" dirty="0">
+                <a:latin typeface="Noto Sans KR" panose="020B0200000000000000" pitchFamily="50" charset="-127"/>
+                <a:ea typeface="Noto Sans KR" panose="020B0200000000000000" pitchFamily="50" charset="-127"/>
+              </a:rPr>
+              <a:t>v1.0</a:t>
+            </a:r>
+            <a:endParaRPr lang="ko-KR" altLang="en-US" sz="1050" dirty="0">
               <a:latin typeface="Noto Sans KR" panose="020B0200000000000000" pitchFamily="50" charset="-127"/>
               <a:ea typeface="Noto Sans KR" panose="020B0200000000000000" pitchFamily="50" charset="-127"/>
             </a:endParaRPr>
@@ -5449,89 +6648,8 @@
         </p:nvSpPr>
         <p:spPr>
           <a:xfrm>
-            <a:off x="360238" y="3282354"/>
-            <a:ext cx="11434496" cy="2504338"/>
-          </a:xfrm>
-          <a:prstGeom prst="rect">
-            <a:avLst/>
-          </a:prstGeom>
-          <a:solidFill>
-            <a:srgbClr val="FFFFFF"/>
-          </a:solidFill>
-          <a:ln>
-            <a:solidFill>
-              <a:srgbClr val="DCE1EA"/>
-            </a:solidFill>
-          </a:ln>
-          <a:effectLst>
-            <a:outerShdw blurRad="50800" dist="38100" dir="2700000" algn="tl" rotWithShape="0">
-              <a:prstClr val="black">
-                <a:alpha val="40000"/>
-              </a:prstClr>
-            </a:outerShdw>
-          </a:effectLst>
-        </p:spPr>
-        <p:style>
-          <a:lnRef idx="1">
-            <a:schemeClr val="accent1"/>
-          </a:lnRef>
-          <a:fillRef idx="3">
-            <a:schemeClr val="accent1"/>
-          </a:fillRef>
-          <a:effectRef idx="2">
-            <a:schemeClr val="accent1"/>
-          </a:effectRef>
-          <a:fontRef idx="minor">
-            <a:schemeClr val="lt1"/>
-          </a:fontRef>
-        </p:style>
-        <p:txBody>
-          <a:bodyPr anchor="ctr"/>
-          <a:lstStyle>
-            <a:lvl1pPr marL="0" indent="0" algn="l" defTabSz="116128" rtl="0">
-              <a:lnSpc>
-                <a:spcPct val="100000"/>
-              </a:lnSpc>
-              <a:spcBef>
-                <a:spcPct val="0"/>
-              </a:spcBef>
-              <a:spcAft>
-                <a:spcPts val="0"/>
-              </a:spcAft>
-              <a:defRPr kumimoji="0" sz="1800" b="0" i="0" u="none" strike="noStrike" kern="1200" cap="none" spc="0" normalizeH="0" baseline="0">
-                <a:solidFill>
-                  <a:schemeClr val="lt1"/>
-                </a:solidFill>
-                <a:latin typeface="+mn-lt"/>
-                <a:ea typeface="+mn-ea"/>
-                <a:cs typeface="+mn-cs"/>
-              </a:defRPr>
-            </a:lvl1pPr>
-          </a:lstStyle>
-          <a:p>
-            <a:pPr algn="ctr">
-              <a:defRPr/>
-            </a:pPr>
-            <a:endParaRPr lang="ko-KR" altLang="en-US" dirty="0"/>
-          </a:p>
-        </p:txBody>
-      </p:sp>
-      <p:sp>
-        <p:nvSpPr>
-          <p:cNvPr id="20" name="Rectangle 10">
-            <a:extLst>
-              <a:ext uri="{FF2B5EF4-FFF2-40B4-BE49-F238E27FC236}">
-                <a16:creationId xmlns:a16="http://schemas.microsoft.com/office/drawing/2014/main" id="{8D9A676F-EB26-BE9E-6D33-99E82391B126}"/>
-              </a:ext>
-            </a:extLst>
-          </p:cNvPr>
-          <p:cNvSpPr/>
-          <p:nvPr/>
-        </p:nvSpPr>
-        <p:spPr>
-          <a:xfrm>
-            <a:off x="369870" y="753788"/>
-            <a:ext cx="11424863" cy="2274574"/>
+            <a:off x="360238" y="2974019"/>
+            <a:ext cx="11434496" cy="2812673"/>
           </a:xfrm>
           <a:prstGeom prst="rect">
             <a:avLst/>
@@ -5647,55 +6765,6 @@
             </a:prstGeom>
           </p:spPr>
         </p:pic>
-        <p:sp>
-          <p:nvSpPr>
-            <p:cNvPr id="8" name="TextBox 7">
-              <a:extLst>
-                <a:ext uri="{FF2B5EF4-FFF2-40B4-BE49-F238E27FC236}">
-                  <a16:creationId xmlns:a16="http://schemas.microsoft.com/office/drawing/2014/main" id="{E90D4266-F7BA-E501-3D77-426BFAF91164}"/>
-                </a:ext>
-              </a:extLst>
-            </p:cNvPr>
-            <p:cNvSpPr txBox="1"/>
-            <p:nvPr/>
-          </p:nvSpPr>
-          <p:spPr>
-            <a:xfrm>
-              <a:off x="162560" y="6494790"/>
-              <a:ext cx="1229360" cy="261610"/>
-            </a:xfrm>
-            <a:prstGeom prst="rect">
-              <a:avLst/>
-            </a:prstGeom>
-            <a:noFill/>
-          </p:spPr>
-          <p:txBody>
-            <a:bodyPr wrap="square" rtlCol="0">
-              <a:spAutoFit/>
-            </a:bodyPr>
-            <a:lstStyle/>
-            <a:p>
-              <a:r>
-                <a:rPr lang="ko-KR" altLang="en-US" sz="1050" dirty="0">
-                  <a:latin typeface="Noto Sans KR" panose="020B0200000000000000" pitchFamily="50" charset="-127"/>
-                  <a:ea typeface="Noto Sans KR" panose="020B0200000000000000" pitchFamily="50" charset="-127"/>
-                </a:rPr>
-                <a:t>프로젝트 명 </a:t>
-              </a:r>
-              <a:r>
-                <a:rPr lang="en-US" altLang="ko-KR" sz="1050" dirty="0">
-                  <a:latin typeface="Noto Sans KR" panose="020B0200000000000000" pitchFamily="50" charset="-127"/>
-                  <a:ea typeface="Noto Sans KR" panose="020B0200000000000000" pitchFamily="50" charset="-127"/>
-                </a:rPr>
-                <a:t>v1.0</a:t>
-              </a:r>
-              <a:endParaRPr lang="ko-KR" altLang="en-US" sz="1050" dirty="0">
-                <a:latin typeface="Noto Sans KR" panose="020B0200000000000000" pitchFamily="50" charset="-127"/>
-                <a:ea typeface="Noto Sans KR" panose="020B0200000000000000" pitchFamily="50" charset="-127"/>
-              </a:endParaRPr>
-            </a:p>
-          </p:txBody>
-        </p:sp>
         <p:grpSp>
           <p:nvGrpSpPr>
             <p:cNvPr id="11" name="그룹 10">
@@ -5793,7 +6862,7 @@
         </p:nvSpPr>
         <p:spPr>
           <a:xfrm>
-            <a:off x="369870" y="770304"/>
+            <a:off x="605003" y="770304"/>
             <a:ext cx="5475988" cy="615233"/>
           </a:xfrm>
           <a:prstGeom prst="rect">
@@ -5852,8 +6921,8 @@
         </p:nvSpPr>
         <p:spPr>
           <a:xfrm>
-            <a:off x="369869" y="1402052"/>
-            <a:ext cx="5178175" cy="276999"/>
+            <a:off x="3352800" y="2656086"/>
+            <a:ext cx="2560319" cy="253916"/>
           </a:xfrm>
           <a:prstGeom prst="rect">
             <a:avLst/>
@@ -5867,34 +6936,24 @@
           <a:lstStyle/>
           <a:p>
             <a:r>
-              <a:rPr lang="ko-KR" altLang="en-US" sz="1200" dirty="0">
-                <a:solidFill>
-                  <a:schemeClr val="bg2">
-                    <a:lumMod val="25000"/>
-                  </a:schemeClr>
-                </a:solidFill>
-                <a:latin typeface="Noto Sans KR" panose="020B0200000000000000" pitchFamily="50" charset="-127"/>
-                <a:ea typeface="Noto Sans KR" panose="020B0200000000000000" pitchFamily="50" charset="-127"/>
-              </a:rPr>
-              <a:t>시작 및 종료일자</a:t>
-            </a:r>
-            <a:r>
-              <a:rPr lang="en-US" altLang="ko-KR" sz="1200" dirty="0">
-                <a:solidFill>
-                  <a:schemeClr val="bg2">
-                    <a:lumMod val="25000"/>
-                  </a:schemeClr>
-                </a:solidFill>
-                <a:latin typeface="Noto Sans KR" panose="020B0200000000000000" pitchFamily="50" charset="-127"/>
-                <a:ea typeface="Noto Sans KR" panose="020B0200000000000000" pitchFamily="50" charset="-127"/>
-              </a:rPr>
-              <a:t>, 26</a:t>
-            </a:r>
-            <a:r>
-              <a:rPr lang="ko-KR" altLang="en-US" sz="1200" dirty="0">
-                <a:solidFill>
-                  <a:schemeClr val="bg2">
-                    <a:lumMod val="25000"/>
+              <a:rPr lang="en-US" altLang="ko-KR" sz="1050" dirty="0">
+                <a:solidFill>
+                  <a:schemeClr val="tx2">
+                    <a:lumMod val="75000"/>
+                    <a:lumOff val="25000"/>
+                  </a:schemeClr>
+                </a:solidFill>
+                <a:latin typeface="Noto Sans KR" panose="020B0200000000000000" pitchFamily="50" charset="-127"/>
+                <a:ea typeface="Noto Sans KR" panose="020B0200000000000000" pitchFamily="50" charset="-127"/>
+              </a:rPr>
+              <a:t>26</a:t>
+            </a:r>
+            <a:r>
+              <a:rPr lang="ko-KR" altLang="en-US" sz="1050" dirty="0">
+                <a:solidFill>
+                  <a:schemeClr val="tx2">
+                    <a:lumMod val="75000"/>
+                    <a:lumOff val="25000"/>
                   </a:schemeClr>
                 </a:solidFill>
                 <a:latin typeface="Noto Sans KR" panose="020B0200000000000000" pitchFamily="50" charset="-127"/>
@@ -5903,10 +6962,11 @@
               <a:t>년 </a:t>
             </a:r>
             <a:r>
-              <a:rPr lang="en-US" altLang="ko-KR" sz="1200" dirty="0">
-                <a:solidFill>
-                  <a:schemeClr val="bg2">
-                    <a:lumMod val="25000"/>
+              <a:rPr lang="en-US" altLang="ko-KR" sz="1050" dirty="0">
+                <a:solidFill>
+                  <a:schemeClr val="tx2">
+                    <a:lumMod val="75000"/>
+                    <a:lumOff val="25000"/>
                   </a:schemeClr>
                 </a:solidFill>
                 <a:latin typeface="Noto Sans KR" panose="020B0200000000000000" pitchFamily="50" charset="-127"/>
@@ -5915,10 +6975,11 @@
               <a:t>1</a:t>
             </a:r>
             <a:r>
-              <a:rPr lang="ko-KR" altLang="en-US" sz="1200" dirty="0">
-                <a:solidFill>
-                  <a:schemeClr val="bg2">
-                    <a:lumMod val="25000"/>
+              <a:rPr lang="ko-KR" altLang="en-US" sz="1050" dirty="0">
+                <a:solidFill>
+                  <a:schemeClr val="tx2">
+                    <a:lumMod val="75000"/>
+                    <a:lumOff val="25000"/>
                   </a:schemeClr>
                 </a:solidFill>
                 <a:latin typeface="Noto Sans KR" panose="020B0200000000000000" pitchFamily="50" charset="-127"/>
@@ -5927,10 +6988,11 @@
               <a:t>월 </a:t>
             </a:r>
             <a:r>
-              <a:rPr lang="en-US" altLang="ko-KR" sz="1200" dirty="0">
-                <a:solidFill>
-                  <a:schemeClr val="bg2">
-                    <a:lumMod val="25000"/>
+              <a:rPr lang="en-US" altLang="ko-KR" sz="1050" dirty="0">
+                <a:solidFill>
+                  <a:schemeClr val="tx2">
+                    <a:lumMod val="75000"/>
+                    <a:lumOff val="25000"/>
                   </a:schemeClr>
                 </a:solidFill>
                 <a:latin typeface="Noto Sans KR" panose="020B0200000000000000" pitchFamily="50" charset="-127"/>
@@ -5939,40 +7001,43 @@
               <a:t>29</a:t>
             </a:r>
             <a:r>
-              <a:rPr lang="ko-KR" altLang="en-US" sz="1200" dirty="0">
-                <a:solidFill>
-                  <a:schemeClr val="bg2">
-                    <a:lumMod val="25000"/>
-                  </a:schemeClr>
-                </a:solidFill>
-                <a:latin typeface="Noto Sans KR" panose="020B0200000000000000" pitchFamily="50" charset="-127"/>
-                <a:ea typeface="Noto Sans KR" panose="020B0200000000000000" pitchFamily="50" charset="-127"/>
-              </a:rPr>
-              <a:t>일 시점의 실제 작업 진행률 </a:t>
-            </a:r>
-            <a:r>
-              <a:rPr lang="en-US" altLang="ko-KR" sz="1200" dirty="0">
-                <a:solidFill>
-                  <a:schemeClr val="bg2">
-                    <a:lumMod val="25000"/>
-                  </a:schemeClr>
-                </a:solidFill>
-                <a:latin typeface="Noto Sans KR" panose="020B0200000000000000" pitchFamily="50" charset="-127"/>
-                <a:ea typeface="Noto Sans KR" panose="020B0200000000000000" pitchFamily="50" charset="-127"/>
-              </a:rPr>
-              <a:t>/ </a:t>
-            </a:r>
-            <a:r>
-              <a:rPr lang="ko-KR" altLang="en-US" sz="1200" dirty="0">
-                <a:solidFill>
-                  <a:schemeClr val="bg2">
-                    <a:lumMod val="25000"/>
-                  </a:schemeClr>
-                </a:solidFill>
-                <a:latin typeface="Noto Sans KR" panose="020B0200000000000000" pitchFamily="50" charset="-127"/>
-                <a:ea typeface="Noto Sans KR" panose="020B0200000000000000" pitchFamily="50" charset="-127"/>
-              </a:rPr>
-              <a:t>주차별 계획 진행률</a:t>
+              <a:rPr lang="ko-KR" altLang="en-US" sz="1050" dirty="0">
+                <a:solidFill>
+                  <a:schemeClr val="tx2">
+                    <a:lumMod val="75000"/>
+                    <a:lumOff val="25000"/>
+                  </a:schemeClr>
+                </a:solidFill>
+                <a:latin typeface="Noto Sans KR" panose="020B0200000000000000" pitchFamily="50" charset="-127"/>
+                <a:ea typeface="Noto Sans KR" panose="020B0200000000000000" pitchFamily="50" charset="-127"/>
+              </a:rPr>
+              <a:t>일 공지관리 시스템 </a:t>
+            </a:r>
+            <a:r>
+              <a:rPr lang="en-US" altLang="ko-KR" sz="1050" dirty="0">
+                <a:solidFill>
+                  <a:schemeClr val="tx2">
+                    <a:lumMod val="75000"/>
+                    <a:lumOff val="25000"/>
+                  </a:schemeClr>
+                </a:solidFill>
+                <a:latin typeface="Noto Sans KR" panose="020B0200000000000000" pitchFamily="50" charset="-127"/>
+                <a:ea typeface="Noto Sans KR" panose="020B0200000000000000" pitchFamily="50" charset="-127"/>
+              </a:rPr>
+              <a:t>WBS</a:t>
+            </a:r>
+            <a:r>
+              <a:rPr lang="ko-KR" altLang="en-US" sz="1050" dirty="0">
+                <a:solidFill>
+                  <a:schemeClr val="tx2">
+                    <a:lumMod val="75000"/>
+                    <a:lumOff val="25000"/>
+                  </a:schemeClr>
+                </a:solidFill>
+                <a:latin typeface="Noto Sans KR" panose="020B0200000000000000" pitchFamily="50" charset="-127"/>
+                <a:ea typeface="Noto Sans KR" panose="020B0200000000000000" pitchFamily="50" charset="-127"/>
+              </a:rPr>
+              <a:t>기준 </a:t>
             </a:r>
           </a:p>
         </p:txBody>
@@ -5991,7 +7056,7 @@
         </p:nvSpPr>
         <p:spPr>
           <a:xfrm>
-            <a:off x="423378" y="3211181"/>
+            <a:off x="396745" y="2838319"/>
             <a:ext cx="2370221" cy="615233"/>
           </a:xfrm>
           <a:prstGeom prst="rect">
@@ -6021,7 +7086,7 @@
                 <a:latin typeface="Noto Sans KR" panose="020B0200000000000000" pitchFamily="50" charset="-127"/>
                 <a:ea typeface="Noto Sans KR" panose="020B0200000000000000" pitchFamily="50" charset="-127"/>
               </a:rPr>
-              <a:t>주요기능　</a:t>
+              <a:t>완료된 주요기능　</a:t>
             </a:r>
             <a:endParaRPr lang="en-US" altLang="ko-KR" sz="2000" b="1" dirty="0">
               <a:solidFill>
@@ -6038,49 +7103,6 @@
       </p:sp>
       <p:sp>
         <p:nvSpPr>
-          <p:cNvPr id="19" name="TextBox 18">
-            <a:extLst>
-              <a:ext uri="{FF2B5EF4-FFF2-40B4-BE49-F238E27FC236}">
-                <a16:creationId xmlns:a16="http://schemas.microsoft.com/office/drawing/2014/main" id="{1AF67E8B-9ED2-BF42-F8B6-197DD2EFBF5B}"/>
-              </a:ext>
-            </a:extLst>
-          </p:cNvPr>
-          <p:cNvSpPr txBox="1"/>
-          <p:nvPr/>
-        </p:nvSpPr>
-        <p:spPr>
-          <a:xfrm>
-            <a:off x="423378" y="3826414"/>
-            <a:ext cx="5422480" cy="276999"/>
-          </a:xfrm>
-          <a:prstGeom prst="rect">
-            <a:avLst/>
-          </a:prstGeom>
-          <a:noFill/>
-        </p:spPr>
-        <p:txBody>
-          <a:bodyPr wrap="square" rtlCol="0">
-            <a:spAutoFit/>
-          </a:bodyPr>
-          <a:lstStyle/>
-          <a:p>
-            <a:r>
-              <a:rPr lang="ko-KR" altLang="en-US" sz="1200" dirty="0">
-                <a:solidFill>
-                  <a:schemeClr val="bg2">
-                    <a:lumMod val="25000"/>
-                  </a:schemeClr>
-                </a:solidFill>
-                <a:latin typeface="Noto Sans KR" panose="020B0200000000000000" pitchFamily="50" charset="-127"/>
-                <a:ea typeface="Noto Sans KR" panose="020B0200000000000000" pitchFamily="50" charset="-127"/>
-              </a:rPr>
-              <a:t>프로젝트 개요의 주요 기능 중 시연하는 시점까지 완료된 기능 나열</a:t>
-            </a:r>
-          </a:p>
-        </p:txBody>
-      </p:sp>
-      <p:sp>
-        <p:nvSpPr>
           <p:cNvPr id="26" name="TextBox 25">
             <a:extLst>
               <a:ext uri="{FF2B5EF4-FFF2-40B4-BE49-F238E27FC236}">
@@ -6145,6 +7167,2163 @@
                   <a:lumOff val="15000"/>
                 </a:schemeClr>
               </a:solidFill>
+              <a:latin typeface="Noto Sans KR" panose="020B0200000000000000" pitchFamily="50" charset="-127"/>
+              <a:ea typeface="Noto Sans KR" panose="020B0200000000000000" pitchFamily="50" charset="-127"/>
+            </a:endParaRPr>
+          </a:p>
+        </p:txBody>
+      </p:sp>
+      <p:graphicFrame>
+        <p:nvGraphicFramePr>
+          <p:cNvPr id="2" name="표 1">
+            <a:extLst>
+              <a:ext uri="{FF2B5EF4-FFF2-40B4-BE49-F238E27FC236}">
+                <a16:creationId xmlns:a16="http://schemas.microsoft.com/office/drawing/2014/main" id="{9A8F665C-FB97-DC46-EA81-B58AB65A1FE1}"/>
+              </a:ext>
+            </a:extLst>
+          </p:cNvPr>
+          <p:cNvGraphicFramePr>
+            <a:graphicFrameLocks noGrp="1"/>
+          </p:cNvGraphicFramePr>
+          <p:nvPr>
+            <p:extLst>
+              <p:ext uri="{D42A27DB-BD31-4B8C-83A1-F6EECF244321}">
+                <p14:modId xmlns:p14="http://schemas.microsoft.com/office/powerpoint/2010/main" val="152130830"/>
+              </p:ext>
+            </p:extLst>
+          </p:nvPr>
+        </p:nvGraphicFramePr>
+        <p:xfrm>
+          <a:off x="588579" y="1746862"/>
+          <a:ext cx="5191260" cy="381000"/>
+        </p:xfrm>
+        <a:graphic>
+          <a:graphicData uri="http://schemas.openxmlformats.org/drawingml/2006/table">
+            <a:tbl>
+              <a:tblPr/>
+              <a:tblGrid>
+                <a:gridCol w="809297">
+                  <a:extLst>
+                    <a:ext uri="{9D8B030D-6E8A-4147-A177-3AD203B41FA5}">
+                      <a16:colId xmlns:a16="http://schemas.microsoft.com/office/drawing/2014/main" val="3215266205"/>
+                    </a:ext>
+                  </a:extLst>
+                </a:gridCol>
+                <a:gridCol w="1668111">
+                  <a:extLst>
+                    <a:ext uri="{9D8B030D-6E8A-4147-A177-3AD203B41FA5}">
+                      <a16:colId xmlns:a16="http://schemas.microsoft.com/office/drawing/2014/main" val="2203087496"/>
+                    </a:ext>
+                  </a:extLst>
+                </a:gridCol>
+                <a:gridCol w="1011615">
+                  <a:extLst>
+                    <a:ext uri="{9D8B030D-6E8A-4147-A177-3AD203B41FA5}">
+                      <a16:colId xmlns:a16="http://schemas.microsoft.com/office/drawing/2014/main" val="4044865121"/>
+                    </a:ext>
+                  </a:extLst>
+                </a:gridCol>
+                <a:gridCol w="1702237">
+                  <a:extLst>
+                    <a:ext uri="{9D8B030D-6E8A-4147-A177-3AD203B41FA5}">
+                      <a16:colId xmlns:a16="http://schemas.microsoft.com/office/drawing/2014/main" val="1164566374"/>
+                    </a:ext>
+                  </a:extLst>
+                </a:gridCol>
+              </a:tblGrid>
+              <a:tr h="381000">
+                <a:tc>
+                  <a:txBody>
+                    <a:bodyPr/>
+                    <a:lstStyle/>
+                    <a:p>
+                      <a:pPr algn="ctr" fontAlgn="ctr">
+                        <a:buNone/>
+                      </a:pPr>
+                      <a:r>
+                        <a:rPr lang="ko-KR" altLang="en-US" sz="1000" b="1" i="0" u="none" strike="noStrike" dirty="0">
+                          <a:solidFill>
+                            <a:srgbClr val="333333"/>
+                          </a:solidFill>
+                          <a:effectLst/>
+                          <a:latin typeface="Noto Sans KR" panose="020B0200000000000000" pitchFamily="50" charset="-127"/>
+                          <a:ea typeface="Noto Sans KR" panose="020B0200000000000000" pitchFamily="50" charset="-127"/>
+                        </a:rPr>
+                        <a:t>전체개발주차</a:t>
+                      </a:r>
+                    </a:p>
+                  </a:txBody>
+                  <a:tcPr marL="9525" marR="9525" marT="9525" anchor="ctr">
+                    <a:lnL w="12700" cap="flat" cmpd="sng" algn="ctr">
+                      <a:solidFill>
+                        <a:srgbClr val="000000"/>
+                      </a:solidFill>
+                      <a:prstDash val="solid"/>
+                      <a:round/>
+                      <a:headEnd type="none" w="med" len="med"/>
+                      <a:tailEnd type="none" w="med" len="med"/>
+                    </a:lnL>
+                    <a:lnR w="6350" cap="flat" cmpd="sng" algn="ctr">
+                      <a:solidFill>
+                        <a:srgbClr val="000000"/>
+                      </a:solidFill>
+                      <a:prstDash val="solid"/>
+                      <a:round/>
+                      <a:headEnd type="none" w="med" len="med"/>
+                      <a:tailEnd type="none" w="med" len="med"/>
+                    </a:lnR>
+                    <a:lnT w="12700" cap="flat" cmpd="sng" algn="ctr">
+                      <a:solidFill>
+                        <a:srgbClr val="000000"/>
+                      </a:solidFill>
+                      <a:prstDash val="solid"/>
+                      <a:round/>
+                      <a:headEnd type="none" w="med" len="med"/>
+                      <a:tailEnd type="none" w="med" len="med"/>
+                    </a:lnT>
+                    <a:lnB w="12700" cap="flat" cmpd="sng" algn="ctr">
+                      <a:solidFill>
+                        <a:srgbClr val="000000"/>
+                      </a:solidFill>
+                      <a:prstDash val="solid"/>
+                      <a:round/>
+                      <a:headEnd type="none" w="med" len="med"/>
+                      <a:tailEnd type="none" w="med" len="med"/>
+                    </a:lnB>
+                    <a:noFill/>
+                  </a:tcPr>
+                </a:tc>
+                <a:tc>
+                  <a:txBody>
+                    <a:bodyPr/>
+                    <a:lstStyle/>
+                    <a:p>
+                      <a:pPr algn="ctr" fontAlgn="ctr">
+                        <a:buNone/>
+                      </a:pPr>
+                      <a:r>
+                        <a:rPr lang="en-US" altLang="ko-KR" sz="1100" b="1" i="0" u="none" strike="noStrike" dirty="0">
+                          <a:solidFill>
+                            <a:srgbClr val="000000"/>
+                          </a:solidFill>
+                          <a:effectLst/>
+                          <a:latin typeface="Noto Sans KR" panose="020B0200000000000000" pitchFamily="50" charset="-127"/>
+                          <a:ea typeface="Noto Sans KR" panose="020B0200000000000000" pitchFamily="50" charset="-127"/>
+                        </a:rPr>
+                        <a:t>11</a:t>
+                      </a:r>
+                    </a:p>
+                  </a:txBody>
+                  <a:tcPr marL="9525" marR="9525" marT="9525" anchor="ctr">
+                    <a:lnL w="6350" cap="flat" cmpd="sng" algn="ctr">
+                      <a:solidFill>
+                        <a:srgbClr val="000000"/>
+                      </a:solidFill>
+                      <a:prstDash val="solid"/>
+                      <a:round/>
+                      <a:headEnd type="none" w="med" len="med"/>
+                      <a:tailEnd type="none" w="med" len="med"/>
+                    </a:lnL>
+                    <a:lnR w="6350" cap="flat" cmpd="sng" algn="ctr">
+                      <a:solidFill>
+                        <a:srgbClr val="000000"/>
+                      </a:solidFill>
+                      <a:prstDash val="solid"/>
+                      <a:round/>
+                      <a:headEnd type="none" w="med" len="med"/>
+                      <a:tailEnd type="none" w="med" len="med"/>
+                    </a:lnR>
+                    <a:lnT w="12700" cap="flat" cmpd="sng" algn="ctr">
+                      <a:solidFill>
+                        <a:srgbClr val="000000"/>
+                      </a:solidFill>
+                      <a:prstDash val="solid"/>
+                      <a:round/>
+                      <a:headEnd type="none" w="med" len="med"/>
+                      <a:tailEnd type="none" w="med" len="med"/>
+                    </a:lnT>
+                    <a:lnB w="12700" cap="flat" cmpd="sng" algn="ctr">
+                      <a:solidFill>
+                        <a:srgbClr val="000000"/>
+                      </a:solidFill>
+                      <a:prstDash val="solid"/>
+                      <a:round/>
+                      <a:headEnd type="none" w="med" len="med"/>
+                      <a:tailEnd type="none" w="med" len="med"/>
+                    </a:lnB>
+                    <a:noFill/>
+                  </a:tcPr>
+                </a:tc>
+                <a:tc>
+                  <a:txBody>
+                    <a:bodyPr/>
+                    <a:lstStyle/>
+                    <a:p>
+                      <a:pPr algn="ctr" fontAlgn="ctr">
+                        <a:buNone/>
+                      </a:pPr>
+                      <a:r>
+                        <a:rPr lang="ko-KR" altLang="en-US" sz="1000" b="1" i="0" u="none" strike="noStrike" dirty="0">
+                          <a:solidFill>
+                            <a:srgbClr val="333333"/>
+                          </a:solidFill>
+                          <a:effectLst/>
+                          <a:latin typeface="Noto Sans KR" panose="020B0200000000000000" pitchFamily="50" charset="-127"/>
+                          <a:ea typeface="Noto Sans KR" panose="020B0200000000000000" pitchFamily="50" charset="-127"/>
+                        </a:rPr>
+                        <a:t>진행주차</a:t>
+                      </a:r>
+                    </a:p>
+                  </a:txBody>
+                  <a:tcPr marL="9525" marR="9525" marT="9525" anchor="ctr">
+                    <a:lnL w="6350" cap="flat" cmpd="sng" algn="ctr">
+                      <a:solidFill>
+                        <a:srgbClr val="000000"/>
+                      </a:solidFill>
+                      <a:prstDash val="solid"/>
+                      <a:round/>
+                      <a:headEnd type="none" w="med" len="med"/>
+                      <a:tailEnd type="none" w="med" len="med"/>
+                    </a:lnL>
+                    <a:lnR w="6350" cap="flat" cmpd="sng" algn="ctr">
+                      <a:solidFill>
+                        <a:srgbClr val="000000"/>
+                      </a:solidFill>
+                      <a:prstDash val="solid"/>
+                      <a:round/>
+                      <a:headEnd type="none" w="med" len="med"/>
+                      <a:tailEnd type="none" w="med" len="med"/>
+                    </a:lnR>
+                    <a:lnT w="12700" cap="flat" cmpd="sng" algn="ctr">
+                      <a:solidFill>
+                        <a:srgbClr val="000000"/>
+                      </a:solidFill>
+                      <a:prstDash val="solid"/>
+                      <a:round/>
+                      <a:headEnd type="none" w="med" len="med"/>
+                      <a:tailEnd type="none" w="med" len="med"/>
+                    </a:lnT>
+                    <a:lnB w="12700" cap="flat" cmpd="sng" algn="ctr">
+                      <a:solidFill>
+                        <a:srgbClr val="000000"/>
+                      </a:solidFill>
+                      <a:prstDash val="solid"/>
+                      <a:round/>
+                      <a:headEnd type="none" w="med" len="med"/>
+                      <a:tailEnd type="none" w="med" len="med"/>
+                    </a:lnB>
+                    <a:noFill/>
+                  </a:tcPr>
+                </a:tc>
+                <a:tc>
+                  <a:txBody>
+                    <a:bodyPr/>
+                    <a:lstStyle/>
+                    <a:p>
+                      <a:pPr algn="ctr" fontAlgn="ctr">
+                        <a:buNone/>
+                      </a:pPr>
+                      <a:r>
+                        <a:rPr lang="en-US" altLang="ko-KR" sz="1100" b="1" i="0" u="none" strike="noStrike" dirty="0">
+                          <a:solidFill>
+                            <a:srgbClr val="000000"/>
+                          </a:solidFill>
+                          <a:effectLst/>
+                          <a:latin typeface="Noto Sans KR" panose="020B0200000000000000" pitchFamily="50" charset="-127"/>
+                          <a:ea typeface="Noto Sans KR" panose="020B0200000000000000" pitchFamily="50" charset="-127"/>
+                        </a:rPr>
+                        <a:t>7</a:t>
+                      </a:r>
+                    </a:p>
+                  </a:txBody>
+                  <a:tcPr marL="9525" marR="9525" marT="9525" anchor="ctr">
+                    <a:lnL w="6350" cap="flat" cmpd="sng" algn="ctr">
+                      <a:solidFill>
+                        <a:srgbClr val="000000"/>
+                      </a:solidFill>
+                      <a:prstDash val="solid"/>
+                      <a:round/>
+                      <a:headEnd type="none" w="med" len="med"/>
+                      <a:tailEnd type="none" w="med" len="med"/>
+                    </a:lnL>
+                    <a:lnR w="6350" cap="flat" cmpd="sng" algn="ctr">
+                      <a:solidFill>
+                        <a:srgbClr val="000000"/>
+                      </a:solidFill>
+                      <a:prstDash val="solid"/>
+                      <a:round/>
+                      <a:headEnd type="none" w="med" len="med"/>
+                      <a:tailEnd type="none" w="med" len="med"/>
+                    </a:lnR>
+                    <a:lnT w="12700" cap="flat" cmpd="sng" algn="ctr">
+                      <a:solidFill>
+                        <a:srgbClr val="000000"/>
+                      </a:solidFill>
+                      <a:prstDash val="solid"/>
+                      <a:round/>
+                      <a:headEnd type="none" w="med" len="med"/>
+                      <a:tailEnd type="none" w="med" len="med"/>
+                    </a:lnT>
+                    <a:lnB w="12700" cap="flat" cmpd="sng" algn="ctr">
+                      <a:solidFill>
+                        <a:srgbClr val="000000"/>
+                      </a:solidFill>
+                      <a:prstDash val="solid"/>
+                      <a:round/>
+                      <a:headEnd type="none" w="med" len="med"/>
+                      <a:tailEnd type="none" w="med" len="med"/>
+                    </a:lnB>
+                    <a:noFill/>
+                  </a:tcPr>
+                </a:tc>
+                <a:extLst>
+                  <a:ext uri="{0D108BD9-81ED-4DB2-BD59-A6C34878D82A}">
+                    <a16:rowId xmlns:a16="http://schemas.microsoft.com/office/drawing/2014/main" val="949713146"/>
+                  </a:ext>
+                </a:extLst>
+              </a:tr>
+            </a:tbl>
+          </a:graphicData>
+        </a:graphic>
+      </p:graphicFrame>
+      <p:sp>
+        <p:nvSpPr>
+          <p:cNvPr id="9" name="TextBox 8">
+            <a:extLst>
+              <a:ext uri="{FF2B5EF4-FFF2-40B4-BE49-F238E27FC236}">
+                <a16:creationId xmlns:a16="http://schemas.microsoft.com/office/drawing/2014/main" id="{F211DFE1-4CD2-7325-BF41-B1B3C890F938}"/>
+              </a:ext>
+            </a:extLst>
+          </p:cNvPr>
+          <p:cNvSpPr txBox="1"/>
+          <p:nvPr/>
+        </p:nvSpPr>
+        <p:spPr>
+          <a:xfrm>
+            <a:off x="635484" y="1388990"/>
+            <a:ext cx="2987283" cy="276999"/>
+          </a:xfrm>
+          <a:prstGeom prst="rect">
+            <a:avLst/>
+          </a:prstGeom>
+          <a:noFill/>
+        </p:spPr>
+        <p:txBody>
+          <a:bodyPr wrap="square" rtlCol="0">
+            <a:spAutoFit/>
+          </a:bodyPr>
+          <a:lstStyle/>
+          <a:p>
+            <a:r>
+              <a:rPr lang="ko-KR" altLang="en-US" sz="1200" dirty="0">
+                <a:solidFill>
+                  <a:schemeClr val="bg2">
+                    <a:lumMod val="25000"/>
+                  </a:schemeClr>
+                </a:solidFill>
+                <a:latin typeface="Noto Sans KR" panose="020B0200000000000000" pitchFamily="50" charset="-127"/>
+                <a:ea typeface="Noto Sans KR" panose="020B0200000000000000" pitchFamily="50" charset="-127"/>
+              </a:rPr>
+              <a:t>기간 </a:t>
+            </a:r>
+            <a:r>
+              <a:rPr lang="en-US" altLang="ko-KR" sz="1200" dirty="0">
+                <a:solidFill>
+                  <a:schemeClr val="bg2">
+                    <a:lumMod val="25000"/>
+                  </a:schemeClr>
+                </a:solidFill>
+                <a:latin typeface="Noto Sans KR" panose="020B0200000000000000" pitchFamily="50" charset="-127"/>
+                <a:ea typeface="Noto Sans KR" panose="020B0200000000000000" pitchFamily="50" charset="-127"/>
+              </a:rPr>
+              <a:t>: 2025</a:t>
+            </a:r>
+            <a:r>
+              <a:rPr lang="ko-KR" altLang="en-US" sz="1200" dirty="0">
+                <a:solidFill>
+                  <a:schemeClr val="bg2">
+                    <a:lumMod val="25000"/>
+                  </a:schemeClr>
+                </a:solidFill>
+                <a:latin typeface="Noto Sans KR" panose="020B0200000000000000" pitchFamily="50" charset="-127"/>
+                <a:ea typeface="Noto Sans KR" panose="020B0200000000000000" pitchFamily="50" charset="-127"/>
+              </a:rPr>
+              <a:t>년 </a:t>
+            </a:r>
+            <a:r>
+              <a:rPr lang="en-US" altLang="ko-KR" sz="1200" dirty="0">
+                <a:solidFill>
+                  <a:schemeClr val="bg2">
+                    <a:lumMod val="25000"/>
+                  </a:schemeClr>
+                </a:solidFill>
+                <a:latin typeface="Noto Sans KR" panose="020B0200000000000000" pitchFamily="50" charset="-127"/>
+                <a:ea typeface="Noto Sans KR" panose="020B0200000000000000" pitchFamily="50" charset="-127"/>
+              </a:rPr>
+              <a:t>12</a:t>
+            </a:r>
+            <a:r>
+              <a:rPr lang="ko-KR" altLang="en-US" sz="1200" dirty="0">
+                <a:solidFill>
+                  <a:schemeClr val="bg2">
+                    <a:lumMod val="25000"/>
+                  </a:schemeClr>
+                </a:solidFill>
+                <a:latin typeface="Noto Sans KR" panose="020B0200000000000000" pitchFamily="50" charset="-127"/>
+                <a:ea typeface="Noto Sans KR" panose="020B0200000000000000" pitchFamily="50" charset="-127"/>
+              </a:rPr>
+              <a:t>월 </a:t>
+            </a:r>
+            <a:r>
+              <a:rPr lang="en-US" altLang="ko-KR" sz="1200" dirty="0">
+                <a:solidFill>
+                  <a:schemeClr val="bg2">
+                    <a:lumMod val="25000"/>
+                  </a:schemeClr>
+                </a:solidFill>
+                <a:latin typeface="Noto Sans KR" panose="020B0200000000000000" pitchFamily="50" charset="-127"/>
+                <a:ea typeface="Noto Sans KR" panose="020B0200000000000000" pitchFamily="50" charset="-127"/>
+              </a:rPr>
+              <a:t>15</a:t>
+            </a:r>
+            <a:r>
+              <a:rPr lang="ko-KR" altLang="en-US" sz="1200" dirty="0">
+                <a:solidFill>
+                  <a:schemeClr val="bg2">
+                    <a:lumMod val="25000"/>
+                  </a:schemeClr>
+                </a:solidFill>
+                <a:latin typeface="Noto Sans KR" panose="020B0200000000000000" pitchFamily="50" charset="-127"/>
+                <a:ea typeface="Noto Sans KR" panose="020B0200000000000000" pitchFamily="50" charset="-127"/>
+              </a:rPr>
+              <a:t>일 </a:t>
+            </a:r>
+            <a:r>
+              <a:rPr lang="en-US" altLang="ko-KR" sz="1200" dirty="0">
+                <a:solidFill>
+                  <a:schemeClr val="bg2">
+                    <a:lumMod val="25000"/>
+                  </a:schemeClr>
+                </a:solidFill>
+                <a:latin typeface="Noto Sans KR" panose="020B0200000000000000" pitchFamily="50" charset="-127"/>
+                <a:ea typeface="Noto Sans KR" panose="020B0200000000000000" pitchFamily="50" charset="-127"/>
+              </a:rPr>
+              <a:t>– 2026</a:t>
+            </a:r>
+            <a:r>
+              <a:rPr lang="ko-KR" altLang="en-US" sz="1200" dirty="0">
+                <a:solidFill>
+                  <a:schemeClr val="bg2">
+                    <a:lumMod val="25000"/>
+                  </a:schemeClr>
+                </a:solidFill>
+                <a:latin typeface="Noto Sans KR" panose="020B0200000000000000" pitchFamily="50" charset="-127"/>
+                <a:ea typeface="Noto Sans KR" panose="020B0200000000000000" pitchFamily="50" charset="-127"/>
+              </a:rPr>
+              <a:t>년 </a:t>
+            </a:r>
+            <a:r>
+              <a:rPr lang="en-US" altLang="ko-KR" sz="1200" dirty="0">
+                <a:solidFill>
+                  <a:schemeClr val="bg2">
+                    <a:lumMod val="25000"/>
+                  </a:schemeClr>
+                </a:solidFill>
+                <a:latin typeface="Noto Sans KR" panose="020B0200000000000000" pitchFamily="50" charset="-127"/>
+                <a:ea typeface="Noto Sans KR" panose="020B0200000000000000" pitchFamily="50" charset="-127"/>
+              </a:rPr>
+              <a:t>2</a:t>
+            </a:r>
+            <a:r>
+              <a:rPr lang="ko-KR" altLang="en-US" sz="1200" dirty="0">
+                <a:solidFill>
+                  <a:schemeClr val="bg2">
+                    <a:lumMod val="25000"/>
+                  </a:schemeClr>
+                </a:solidFill>
+                <a:latin typeface="Noto Sans KR" panose="020B0200000000000000" pitchFamily="50" charset="-127"/>
+                <a:ea typeface="Noto Sans KR" panose="020B0200000000000000" pitchFamily="50" charset="-127"/>
+              </a:rPr>
+              <a:t>월 </a:t>
+            </a:r>
+            <a:r>
+              <a:rPr lang="en-US" altLang="ko-KR" sz="1200" dirty="0">
+                <a:solidFill>
+                  <a:schemeClr val="bg2">
+                    <a:lumMod val="25000"/>
+                  </a:schemeClr>
+                </a:solidFill>
+                <a:latin typeface="Noto Sans KR" panose="020B0200000000000000" pitchFamily="50" charset="-127"/>
+                <a:ea typeface="Noto Sans KR" panose="020B0200000000000000" pitchFamily="50" charset="-127"/>
+              </a:rPr>
+              <a:t>28</a:t>
+            </a:r>
+            <a:r>
+              <a:rPr lang="ko-KR" altLang="en-US" sz="1200" dirty="0">
+                <a:solidFill>
+                  <a:schemeClr val="bg2">
+                    <a:lumMod val="25000"/>
+                  </a:schemeClr>
+                </a:solidFill>
+                <a:latin typeface="Noto Sans KR" panose="020B0200000000000000" pitchFamily="50" charset="-127"/>
+                <a:ea typeface="Noto Sans KR" panose="020B0200000000000000" pitchFamily="50" charset="-127"/>
+              </a:rPr>
+              <a:t>일 </a:t>
+            </a:r>
+          </a:p>
+        </p:txBody>
+      </p:sp>
+      <p:graphicFrame>
+        <p:nvGraphicFramePr>
+          <p:cNvPr id="12" name="표 11">
+            <a:extLst>
+              <a:ext uri="{FF2B5EF4-FFF2-40B4-BE49-F238E27FC236}">
+                <a16:creationId xmlns:a16="http://schemas.microsoft.com/office/drawing/2014/main" id="{323931D9-B4A5-AD45-9C89-DCDC3D39B6D0}"/>
+              </a:ext>
+            </a:extLst>
+          </p:cNvPr>
+          <p:cNvGraphicFramePr>
+            <a:graphicFrameLocks noGrp="1"/>
+          </p:cNvGraphicFramePr>
+          <p:nvPr>
+            <p:extLst>
+              <p:ext uri="{D42A27DB-BD31-4B8C-83A1-F6EECF244321}">
+                <p14:modId xmlns:p14="http://schemas.microsoft.com/office/powerpoint/2010/main" val="656938442"/>
+              </p:ext>
+            </p:extLst>
+          </p:nvPr>
+        </p:nvGraphicFramePr>
+        <p:xfrm>
+          <a:off x="588579" y="2208417"/>
+          <a:ext cx="5185205" cy="381000"/>
+        </p:xfrm>
+        <a:graphic>
+          <a:graphicData uri="http://schemas.openxmlformats.org/drawingml/2006/table">
+            <a:tbl>
+              <a:tblPr/>
+              <a:tblGrid>
+                <a:gridCol w="809297">
+                  <a:extLst>
+                    <a:ext uri="{9D8B030D-6E8A-4147-A177-3AD203B41FA5}">
+                      <a16:colId xmlns:a16="http://schemas.microsoft.com/office/drawing/2014/main" val="3322915914"/>
+                    </a:ext>
+                  </a:extLst>
+                </a:gridCol>
+                <a:gridCol w="1657311">
+                  <a:extLst>
+                    <a:ext uri="{9D8B030D-6E8A-4147-A177-3AD203B41FA5}">
+                      <a16:colId xmlns:a16="http://schemas.microsoft.com/office/drawing/2014/main" val="2231831824"/>
+                    </a:ext>
+                  </a:extLst>
+                </a:gridCol>
+                <a:gridCol w="1016131">
+                  <a:extLst>
+                    <a:ext uri="{9D8B030D-6E8A-4147-A177-3AD203B41FA5}">
+                      <a16:colId xmlns:a16="http://schemas.microsoft.com/office/drawing/2014/main" val="4008987168"/>
+                    </a:ext>
+                  </a:extLst>
+                </a:gridCol>
+                <a:gridCol w="1702466">
+                  <a:extLst>
+                    <a:ext uri="{9D8B030D-6E8A-4147-A177-3AD203B41FA5}">
+                      <a16:colId xmlns:a16="http://schemas.microsoft.com/office/drawing/2014/main" val="2539401860"/>
+                    </a:ext>
+                  </a:extLst>
+                </a:gridCol>
+              </a:tblGrid>
+              <a:tr h="381000">
+                <a:tc>
+                  <a:txBody>
+                    <a:bodyPr/>
+                    <a:lstStyle/>
+                    <a:p>
+                      <a:pPr algn="ctr" fontAlgn="ctr">
+                        <a:buNone/>
+                      </a:pPr>
+                      <a:r>
+                        <a:rPr lang="ko-KR" altLang="en-US" sz="1000" b="1" i="0" u="none" strike="noStrike" dirty="0" err="1">
+                          <a:solidFill>
+                            <a:srgbClr val="333333"/>
+                          </a:solidFill>
+                          <a:effectLst/>
+                          <a:latin typeface="Noto Sans KR" panose="020B0200000000000000" pitchFamily="50" charset="-127"/>
+                          <a:ea typeface="Noto Sans KR" panose="020B0200000000000000" pitchFamily="50" charset="-127"/>
+                        </a:rPr>
+                        <a:t>계획진척률</a:t>
+                      </a:r>
+                      <a:endParaRPr lang="ko-KR" altLang="en-US" sz="1000" b="1" i="0" u="none" strike="noStrike" dirty="0">
+                        <a:solidFill>
+                          <a:srgbClr val="333333"/>
+                        </a:solidFill>
+                        <a:effectLst/>
+                        <a:latin typeface="Noto Sans KR" panose="020B0200000000000000" pitchFamily="50" charset="-127"/>
+                        <a:ea typeface="Noto Sans KR" panose="020B0200000000000000" pitchFamily="50" charset="-127"/>
+                      </a:endParaRPr>
+                    </a:p>
+                  </a:txBody>
+                  <a:tcPr marL="9525" marR="9525" marT="9525" anchor="ctr">
+                    <a:lnL w="6350" cap="flat" cmpd="sng" algn="ctr">
+                      <a:solidFill>
+                        <a:srgbClr val="000000"/>
+                      </a:solidFill>
+                      <a:prstDash val="solid"/>
+                      <a:round/>
+                      <a:headEnd type="none" w="med" len="med"/>
+                      <a:tailEnd type="none" w="med" len="med"/>
+                    </a:lnL>
+                    <a:lnR w="6350" cap="flat" cmpd="sng" algn="ctr">
+                      <a:solidFill>
+                        <a:srgbClr val="000000"/>
+                      </a:solidFill>
+                      <a:prstDash val="solid"/>
+                      <a:round/>
+                      <a:headEnd type="none" w="med" len="med"/>
+                      <a:tailEnd type="none" w="med" len="med"/>
+                    </a:lnR>
+                    <a:lnT w="12700" cap="flat" cmpd="sng" algn="ctr">
+                      <a:solidFill>
+                        <a:srgbClr val="000000"/>
+                      </a:solidFill>
+                      <a:prstDash val="solid"/>
+                      <a:round/>
+                      <a:headEnd type="none" w="med" len="med"/>
+                      <a:tailEnd type="none" w="med" len="med"/>
+                    </a:lnT>
+                    <a:lnB w="12700" cap="flat" cmpd="sng" algn="ctr">
+                      <a:solidFill>
+                        <a:srgbClr val="000000"/>
+                      </a:solidFill>
+                      <a:prstDash val="solid"/>
+                      <a:round/>
+                      <a:headEnd type="none" w="med" len="med"/>
+                      <a:tailEnd type="none" w="med" len="med"/>
+                    </a:lnB>
+                    <a:noFill/>
+                  </a:tcPr>
+                </a:tc>
+                <a:tc>
+                  <a:txBody>
+                    <a:bodyPr/>
+                    <a:lstStyle/>
+                    <a:p>
+                      <a:pPr algn="ctr" fontAlgn="ctr">
+                        <a:buNone/>
+                      </a:pPr>
+                      <a:r>
+                        <a:rPr lang="en-US" altLang="ko-KR" sz="1400" b="1" i="0" u="none" strike="noStrike" dirty="0">
+                          <a:solidFill>
+                            <a:srgbClr val="333333"/>
+                          </a:solidFill>
+                          <a:effectLst/>
+                          <a:latin typeface="Noto Sans KR" panose="020B0200000000000000" pitchFamily="50" charset="-127"/>
+                          <a:ea typeface="Noto Sans KR" panose="020B0200000000000000" pitchFamily="50" charset="-127"/>
+                        </a:rPr>
+                        <a:t>63.64%</a:t>
+                      </a:r>
+                    </a:p>
+                  </a:txBody>
+                  <a:tcPr marL="9525" marR="9525" marT="9525" anchor="ctr">
+                    <a:lnL w="6350" cap="flat" cmpd="sng" algn="ctr">
+                      <a:solidFill>
+                        <a:srgbClr val="000000"/>
+                      </a:solidFill>
+                      <a:prstDash val="solid"/>
+                      <a:round/>
+                      <a:headEnd type="none" w="med" len="med"/>
+                      <a:tailEnd type="none" w="med" len="med"/>
+                    </a:lnL>
+                    <a:lnR w="6350" cap="flat" cmpd="sng" algn="ctr">
+                      <a:solidFill>
+                        <a:srgbClr val="000000"/>
+                      </a:solidFill>
+                      <a:prstDash val="solid"/>
+                      <a:round/>
+                      <a:headEnd type="none" w="med" len="med"/>
+                      <a:tailEnd type="none" w="med" len="med"/>
+                    </a:lnR>
+                    <a:lnT w="12700" cap="flat" cmpd="sng" algn="ctr">
+                      <a:solidFill>
+                        <a:srgbClr val="000000"/>
+                      </a:solidFill>
+                      <a:prstDash val="solid"/>
+                      <a:round/>
+                      <a:headEnd type="none" w="med" len="med"/>
+                      <a:tailEnd type="none" w="med" len="med"/>
+                    </a:lnT>
+                    <a:lnB w="12700" cap="flat" cmpd="sng" algn="ctr">
+                      <a:solidFill>
+                        <a:srgbClr val="000000"/>
+                      </a:solidFill>
+                      <a:prstDash val="solid"/>
+                      <a:round/>
+                      <a:headEnd type="none" w="med" len="med"/>
+                      <a:tailEnd type="none" w="med" len="med"/>
+                    </a:lnB>
+                    <a:solidFill>
+                      <a:srgbClr val="FFFF00"/>
+                    </a:solidFill>
+                  </a:tcPr>
+                </a:tc>
+                <a:tc>
+                  <a:txBody>
+                    <a:bodyPr/>
+                    <a:lstStyle/>
+                    <a:p>
+                      <a:pPr algn="ctr" fontAlgn="ctr">
+                        <a:buNone/>
+                      </a:pPr>
+                      <a:r>
+                        <a:rPr lang="ko-KR" altLang="en-US" sz="1000" b="1" i="0" u="none" strike="noStrike" dirty="0" err="1">
+                          <a:solidFill>
+                            <a:srgbClr val="333333"/>
+                          </a:solidFill>
+                          <a:effectLst/>
+                          <a:latin typeface="Noto Sans KR" panose="020B0200000000000000" pitchFamily="50" charset="-127"/>
+                          <a:ea typeface="Noto Sans KR" panose="020B0200000000000000" pitchFamily="50" charset="-127"/>
+                        </a:rPr>
+                        <a:t>개발진척률</a:t>
+                      </a:r>
+                      <a:endParaRPr lang="ko-KR" altLang="en-US" sz="1000" b="1" i="0" u="none" strike="noStrike" dirty="0">
+                        <a:solidFill>
+                          <a:srgbClr val="333333"/>
+                        </a:solidFill>
+                        <a:effectLst/>
+                        <a:latin typeface="Noto Sans KR" panose="020B0200000000000000" pitchFamily="50" charset="-127"/>
+                        <a:ea typeface="Noto Sans KR" panose="020B0200000000000000" pitchFamily="50" charset="-127"/>
+                      </a:endParaRPr>
+                    </a:p>
+                  </a:txBody>
+                  <a:tcPr marL="9525" marR="9525" marT="9525" anchor="ctr">
+                    <a:lnL w="6350" cap="flat" cmpd="sng" algn="ctr">
+                      <a:solidFill>
+                        <a:srgbClr val="000000"/>
+                      </a:solidFill>
+                      <a:prstDash val="solid"/>
+                      <a:round/>
+                      <a:headEnd type="none" w="med" len="med"/>
+                      <a:tailEnd type="none" w="med" len="med"/>
+                    </a:lnL>
+                    <a:lnR w="6350" cap="flat" cmpd="sng" algn="ctr">
+                      <a:solidFill>
+                        <a:srgbClr val="000000"/>
+                      </a:solidFill>
+                      <a:prstDash val="solid"/>
+                      <a:round/>
+                      <a:headEnd type="none" w="med" len="med"/>
+                      <a:tailEnd type="none" w="med" len="med"/>
+                    </a:lnR>
+                    <a:lnT w="12700" cap="flat" cmpd="sng" algn="ctr">
+                      <a:solidFill>
+                        <a:srgbClr val="000000"/>
+                      </a:solidFill>
+                      <a:prstDash val="solid"/>
+                      <a:round/>
+                      <a:headEnd type="none" w="med" len="med"/>
+                      <a:tailEnd type="none" w="med" len="med"/>
+                    </a:lnT>
+                    <a:lnB w="12700" cap="flat" cmpd="sng" algn="ctr">
+                      <a:solidFill>
+                        <a:srgbClr val="000000"/>
+                      </a:solidFill>
+                      <a:prstDash val="solid"/>
+                      <a:round/>
+                      <a:headEnd type="none" w="med" len="med"/>
+                      <a:tailEnd type="none" w="med" len="med"/>
+                    </a:lnB>
+                    <a:noFill/>
+                  </a:tcPr>
+                </a:tc>
+                <a:tc>
+                  <a:txBody>
+                    <a:bodyPr/>
+                    <a:lstStyle/>
+                    <a:p>
+                      <a:pPr algn="ctr" fontAlgn="ctr">
+                        <a:buNone/>
+                      </a:pPr>
+                      <a:r>
+                        <a:rPr lang="en-US" altLang="ko-KR" sz="1400" b="1" i="0" u="none" strike="noStrike" dirty="0">
+                          <a:solidFill>
+                            <a:srgbClr val="333333"/>
+                          </a:solidFill>
+                          <a:effectLst/>
+                          <a:latin typeface="Noto Sans KR" panose="020B0200000000000000" pitchFamily="50" charset="-127"/>
+                          <a:ea typeface="Noto Sans KR" panose="020B0200000000000000" pitchFamily="50" charset="-127"/>
+                        </a:rPr>
+                        <a:t>83%</a:t>
+                      </a:r>
+                    </a:p>
+                  </a:txBody>
+                  <a:tcPr marL="9525" marR="9525" marT="9525" anchor="ctr">
+                    <a:lnL w="6350" cap="flat" cmpd="sng" algn="ctr">
+                      <a:solidFill>
+                        <a:srgbClr val="000000"/>
+                      </a:solidFill>
+                      <a:prstDash val="solid"/>
+                      <a:round/>
+                      <a:headEnd type="none" w="med" len="med"/>
+                      <a:tailEnd type="none" w="med" len="med"/>
+                    </a:lnL>
+                    <a:lnR w="12700" cap="flat" cmpd="sng" algn="ctr">
+                      <a:solidFill>
+                        <a:srgbClr val="000000"/>
+                      </a:solidFill>
+                      <a:prstDash val="solid"/>
+                      <a:round/>
+                      <a:headEnd type="none" w="med" len="med"/>
+                      <a:tailEnd type="none" w="med" len="med"/>
+                    </a:lnR>
+                    <a:lnT w="12700" cap="flat" cmpd="sng" algn="ctr">
+                      <a:solidFill>
+                        <a:srgbClr val="000000"/>
+                      </a:solidFill>
+                      <a:prstDash val="solid"/>
+                      <a:round/>
+                      <a:headEnd type="none" w="med" len="med"/>
+                      <a:tailEnd type="none" w="med" len="med"/>
+                    </a:lnT>
+                    <a:lnB w="12700" cap="flat" cmpd="sng" algn="ctr">
+                      <a:solidFill>
+                        <a:srgbClr val="000000"/>
+                      </a:solidFill>
+                      <a:prstDash val="solid"/>
+                      <a:round/>
+                      <a:headEnd type="none" w="med" len="med"/>
+                      <a:tailEnd type="none" w="med" len="med"/>
+                    </a:lnB>
+                    <a:solidFill>
+                      <a:srgbClr val="FFFF00"/>
+                    </a:solidFill>
+                  </a:tcPr>
+                </a:tc>
+                <a:extLst>
+                  <a:ext uri="{0D108BD9-81ED-4DB2-BD59-A6C34878D82A}">
+                    <a16:rowId xmlns:a16="http://schemas.microsoft.com/office/drawing/2014/main" val="22762723"/>
+                  </a:ext>
+                </a:extLst>
+              </a:tr>
+            </a:tbl>
+          </a:graphicData>
+        </a:graphic>
+      </p:graphicFrame>
+      <p:pic>
+        <p:nvPicPr>
+          <p:cNvPr id="32" name="그림 31" descr="텍스트, 원, 일렉트릭 블루, 폰트이(가) 표시된 사진&#10;&#10;AI 생성 콘텐츠는 정확하지 않을 수 있습니다.">
+            <a:extLst>
+              <a:ext uri="{FF2B5EF4-FFF2-40B4-BE49-F238E27FC236}">
+                <a16:creationId xmlns:a16="http://schemas.microsoft.com/office/drawing/2014/main" id="{29C8A80D-B7AA-C19A-6DDE-0AEBC97F7B10}"/>
+              </a:ext>
+            </a:extLst>
+          </p:cNvPr>
+          <p:cNvPicPr>
+            <a:picLocks noChangeAspect="1"/>
+          </p:cNvPicPr>
+          <p:nvPr/>
+        </p:nvPicPr>
+        <p:blipFill>
+          <a:blip r:embed="rId5"/>
+          <a:srcRect r="2306" b="17008"/>
+          <a:stretch>
+            <a:fillRect/>
+          </a:stretch>
+        </p:blipFill>
+        <p:spPr>
+          <a:xfrm>
+            <a:off x="550280" y="3807486"/>
+            <a:ext cx="1380173" cy="1390031"/>
+          </a:xfrm>
+          <a:prstGeom prst="rect">
+            <a:avLst/>
+          </a:prstGeom>
+        </p:spPr>
+      </p:pic>
+      <p:sp>
+        <p:nvSpPr>
+          <p:cNvPr id="33" name="TextBox 32">
+            <a:extLst>
+              <a:ext uri="{FF2B5EF4-FFF2-40B4-BE49-F238E27FC236}">
+                <a16:creationId xmlns:a16="http://schemas.microsoft.com/office/drawing/2014/main" id="{F4E52001-7753-CEC0-76F3-C8D17662AA1B}"/>
+              </a:ext>
+            </a:extLst>
+          </p:cNvPr>
+          <p:cNvSpPr txBox="1"/>
+          <p:nvPr/>
+        </p:nvSpPr>
+        <p:spPr>
+          <a:xfrm>
+            <a:off x="2163601" y="4139173"/>
+            <a:ext cx="2586790" cy="1200329"/>
+          </a:xfrm>
+          <a:prstGeom prst="rect">
+            <a:avLst/>
+          </a:prstGeom>
+          <a:noFill/>
+        </p:spPr>
+        <p:txBody>
+          <a:bodyPr wrap="square" rtlCol="0">
+            <a:spAutoFit/>
+          </a:bodyPr>
+          <a:lstStyle/>
+          <a:p>
+            <a:r>
+              <a:rPr lang="en-US" altLang="ko-KR" sz="1200" dirty="0">
+                <a:solidFill>
+                  <a:schemeClr val="bg2">
+                    <a:lumMod val="25000"/>
+                  </a:schemeClr>
+                </a:solidFill>
+                <a:latin typeface="Noto Sans KR" panose="020B0200000000000000" pitchFamily="50" charset="-127"/>
+                <a:ea typeface="Noto Sans KR" panose="020B0200000000000000" pitchFamily="50" charset="-127"/>
+              </a:rPr>
+              <a:t>-  </a:t>
+            </a:r>
+            <a:r>
+              <a:rPr lang="ko-KR" altLang="en-US" sz="1200" dirty="0">
+                <a:solidFill>
+                  <a:schemeClr val="bg2">
+                    <a:lumMod val="25000"/>
+                  </a:schemeClr>
+                </a:solidFill>
+                <a:latin typeface="Noto Sans KR" panose="020B0200000000000000" pitchFamily="50" charset="-127"/>
+                <a:ea typeface="Noto Sans KR" panose="020B0200000000000000" pitchFamily="50" charset="-127"/>
+              </a:rPr>
+              <a:t>공지 등록 화면 </a:t>
+            </a:r>
+            <a:r>
+              <a:rPr lang="en-US" altLang="ko-KR" sz="1200" dirty="0">
+                <a:solidFill>
+                  <a:schemeClr val="bg2">
+                    <a:lumMod val="25000"/>
+                  </a:schemeClr>
+                </a:solidFill>
+                <a:latin typeface="Noto Sans KR" panose="020B0200000000000000" pitchFamily="50" charset="-127"/>
+                <a:ea typeface="Noto Sans KR" panose="020B0200000000000000" pitchFamily="50" charset="-127"/>
+              </a:rPr>
+              <a:t>(</a:t>
+            </a:r>
+            <a:r>
+              <a:rPr lang="ko-KR" altLang="en-US" sz="1200" dirty="0">
+                <a:solidFill>
+                  <a:schemeClr val="bg2">
+                    <a:lumMod val="25000"/>
+                  </a:schemeClr>
+                </a:solidFill>
+                <a:latin typeface="Noto Sans KR" panose="020B0200000000000000" pitchFamily="50" charset="-127"/>
+                <a:ea typeface="Noto Sans KR" panose="020B0200000000000000" pitchFamily="50" charset="-127"/>
+              </a:rPr>
+              <a:t>완료</a:t>
+            </a:r>
+            <a:r>
+              <a:rPr lang="en-US" altLang="ko-KR" sz="1200" dirty="0">
+                <a:solidFill>
+                  <a:schemeClr val="bg2">
+                    <a:lumMod val="25000"/>
+                  </a:schemeClr>
+                </a:solidFill>
+                <a:latin typeface="Noto Sans KR" panose="020B0200000000000000" pitchFamily="50" charset="-127"/>
+                <a:ea typeface="Noto Sans KR" panose="020B0200000000000000" pitchFamily="50" charset="-127"/>
+              </a:rPr>
+              <a:t>)</a:t>
+            </a:r>
+          </a:p>
+          <a:p>
+            <a:r>
+              <a:rPr lang="en-US" altLang="ko-KR" sz="1200" dirty="0">
+                <a:solidFill>
+                  <a:schemeClr val="bg2">
+                    <a:lumMod val="25000"/>
+                  </a:schemeClr>
+                </a:solidFill>
+                <a:latin typeface="Noto Sans KR" panose="020B0200000000000000" pitchFamily="50" charset="-127"/>
+                <a:ea typeface="Noto Sans KR" panose="020B0200000000000000" pitchFamily="50" charset="-127"/>
+              </a:rPr>
+              <a:t>-  </a:t>
+            </a:r>
+            <a:r>
+              <a:rPr lang="ko-KR" altLang="en-US" sz="1200" dirty="0">
+                <a:solidFill>
+                  <a:schemeClr val="bg2">
+                    <a:lumMod val="25000"/>
+                  </a:schemeClr>
+                </a:solidFill>
+                <a:latin typeface="Noto Sans KR" panose="020B0200000000000000" pitchFamily="50" charset="-127"/>
+                <a:ea typeface="Noto Sans KR" panose="020B0200000000000000" pitchFamily="50" charset="-127"/>
+              </a:rPr>
+              <a:t>공지 발송 히스토리 화면 </a:t>
+            </a:r>
+            <a:r>
+              <a:rPr lang="en-US" altLang="ko-KR" sz="1200" dirty="0">
+                <a:solidFill>
+                  <a:schemeClr val="bg2">
+                    <a:lumMod val="25000"/>
+                  </a:schemeClr>
+                </a:solidFill>
+                <a:latin typeface="Noto Sans KR" panose="020B0200000000000000" pitchFamily="50" charset="-127"/>
+                <a:ea typeface="Noto Sans KR" panose="020B0200000000000000" pitchFamily="50" charset="-127"/>
+              </a:rPr>
+              <a:t>(</a:t>
+            </a:r>
+            <a:r>
+              <a:rPr lang="ko-KR" altLang="en-US" sz="1200" dirty="0">
+                <a:solidFill>
+                  <a:schemeClr val="bg2">
+                    <a:lumMod val="25000"/>
+                  </a:schemeClr>
+                </a:solidFill>
+                <a:latin typeface="Noto Sans KR" panose="020B0200000000000000" pitchFamily="50" charset="-127"/>
+                <a:ea typeface="Noto Sans KR" panose="020B0200000000000000" pitchFamily="50" charset="-127"/>
+              </a:rPr>
+              <a:t>완료</a:t>
+            </a:r>
+            <a:r>
+              <a:rPr lang="en-US" altLang="ko-KR" sz="1200" dirty="0">
+                <a:solidFill>
+                  <a:schemeClr val="bg2">
+                    <a:lumMod val="25000"/>
+                  </a:schemeClr>
+                </a:solidFill>
+                <a:latin typeface="Noto Sans KR" panose="020B0200000000000000" pitchFamily="50" charset="-127"/>
+                <a:ea typeface="Noto Sans KR" panose="020B0200000000000000" pitchFamily="50" charset="-127"/>
+              </a:rPr>
+              <a:t>)</a:t>
+            </a:r>
+          </a:p>
+          <a:p>
+            <a:r>
+              <a:rPr lang="en-US" altLang="ko-KR" sz="1200" dirty="0">
+                <a:solidFill>
+                  <a:schemeClr val="bg2">
+                    <a:lumMod val="25000"/>
+                  </a:schemeClr>
+                </a:solidFill>
+                <a:latin typeface="Noto Sans KR" panose="020B0200000000000000" pitchFamily="50" charset="-127"/>
+                <a:ea typeface="Noto Sans KR" panose="020B0200000000000000" pitchFamily="50" charset="-127"/>
+              </a:rPr>
+              <a:t>-  </a:t>
+            </a:r>
+            <a:r>
+              <a:rPr lang="ko-KR" altLang="en-US" sz="1200" dirty="0">
+                <a:solidFill>
+                  <a:schemeClr val="bg2">
+                    <a:lumMod val="25000"/>
+                  </a:schemeClr>
+                </a:solidFill>
+                <a:latin typeface="Noto Sans KR" panose="020B0200000000000000" pitchFamily="50" charset="-127"/>
+                <a:ea typeface="Noto Sans KR" panose="020B0200000000000000" pitchFamily="50" charset="-127"/>
+              </a:rPr>
+              <a:t>공지 발송 결재 화면 </a:t>
+            </a:r>
+            <a:r>
+              <a:rPr lang="en-US" altLang="ko-KR" sz="1200" dirty="0">
+                <a:solidFill>
+                  <a:schemeClr val="bg2">
+                    <a:lumMod val="25000"/>
+                  </a:schemeClr>
+                </a:solidFill>
+                <a:latin typeface="Noto Sans KR" panose="020B0200000000000000" pitchFamily="50" charset="-127"/>
+                <a:ea typeface="Noto Sans KR" panose="020B0200000000000000" pitchFamily="50" charset="-127"/>
+              </a:rPr>
+              <a:t>(</a:t>
+            </a:r>
+            <a:r>
+              <a:rPr lang="ko-KR" altLang="en-US" sz="1200" dirty="0">
+                <a:solidFill>
+                  <a:schemeClr val="bg2">
+                    <a:lumMod val="25000"/>
+                  </a:schemeClr>
+                </a:solidFill>
+                <a:latin typeface="Noto Sans KR" panose="020B0200000000000000" pitchFamily="50" charset="-127"/>
+                <a:ea typeface="Noto Sans KR" panose="020B0200000000000000" pitchFamily="50" charset="-127"/>
+              </a:rPr>
+              <a:t>완료</a:t>
+            </a:r>
+            <a:r>
+              <a:rPr lang="en-US" altLang="ko-KR" sz="1200" dirty="0">
+                <a:solidFill>
+                  <a:schemeClr val="bg2">
+                    <a:lumMod val="25000"/>
+                  </a:schemeClr>
+                </a:solidFill>
+                <a:latin typeface="Noto Sans KR" panose="020B0200000000000000" pitchFamily="50" charset="-127"/>
+                <a:ea typeface="Noto Sans KR" panose="020B0200000000000000" pitchFamily="50" charset="-127"/>
+              </a:rPr>
+              <a:t>)</a:t>
+            </a:r>
+          </a:p>
+          <a:p>
+            <a:pPr marL="171450" indent="-171450">
+              <a:buFontTx/>
+              <a:buChar char="-"/>
+            </a:pPr>
+            <a:r>
+              <a:rPr lang="ko-KR" altLang="en-US" sz="1200" dirty="0">
+                <a:solidFill>
+                  <a:schemeClr val="bg2">
+                    <a:lumMod val="25000"/>
+                  </a:schemeClr>
+                </a:solidFill>
+                <a:latin typeface="Noto Sans KR" panose="020B0200000000000000" pitchFamily="50" charset="-127"/>
+                <a:ea typeface="Noto Sans KR" panose="020B0200000000000000" pitchFamily="50" charset="-127"/>
+              </a:rPr>
+              <a:t>대시보드 </a:t>
+            </a:r>
+            <a:r>
+              <a:rPr lang="en-US" altLang="ko-KR" sz="1200" dirty="0">
+                <a:solidFill>
+                  <a:schemeClr val="bg2">
+                    <a:lumMod val="25000"/>
+                  </a:schemeClr>
+                </a:solidFill>
+                <a:latin typeface="Noto Sans KR" panose="020B0200000000000000" pitchFamily="50" charset="-127"/>
+                <a:ea typeface="Noto Sans KR" panose="020B0200000000000000" pitchFamily="50" charset="-127"/>
+              </a:rPr>
+              <a:t>(</a:t>
+            </a:r>
+            <a:r>
+              <a:rPr lang="ko-KR" altLang="en-US" sz="1200" dirty="0">
+                <a:solidFill>
+                  <a:schemeClr val="bg2">
+                    <a:lumMod val="25000"/>
+                  </a:schemeClr>
+                </a:solidFill>
+                <a:latin typeface="Noto Sans KR" panose="020B0200000000000000" pitchFamily="50" charset="-127"/>
+                <a:ea typeface="Noto Sans KR" panose="020B0200000000000000" pitchFamily="50" charset="-127"/>
+              </a:rPr>
+              <a:t>완료</a:t>
+            </a:r>
+            <a:r>
+              <a:rPr lang="en-US" altLang="ko-KR" sz="1200" dirty="0">
+                <a:solidFill>
+                  <a:schemeClr val="bg2">
+                    <a:lumMod val="25000"/>
+                  </a:schemeClr>
+                </a:solidFill>
+                <a:latin typeface="Noto Sans KR" panose="020B0200000000000000" pitchFamily="50" charset="-127"/>
+                <a:ea typeface="Noto Sans KR" panose="020B0200000000000000" pitchFamily="50" charset="-127"/>
+              </a:rPr>
+              <a:t>)</a:t>
+            </a:r>
+          </a:p>
+          <a:p>
+            <a:pPr marL="171450" indent="-171450">
+              <a:buFontTx/>
+              <a:buChar char="-"/>
+            </a:pPr>
+            <a:r>
+              <a:rPr lang="ko-KR" altLang="en-US" sz="1200" dirty="0">
+                <a:solidFill>
+                  <a:schemeClr val="bg2">
+                    <a:lumMod val="25000"/>
+                  </a:schemeClr>
+                </a:solidFill>
+                <a:latin typeface="Noto Sans KR" panose="020B0200000000000000" pitchFamily="50" charset="-127"/>
+                <a:ea typeface="Noto Sans KR" panose="020B0200000000000000" pitchFamily="50" charset="-127"/>
+              </a:rPr>
+              <a:t>관리자 화면 </a:t>
+            </a:r>
+            <a:r>
+              <a:rPr lang="en-US" altLang="ko-KR" sz="1200" dirty="0">
+                <a:solidFill>
+                  <a:schemeClr val="bg2">
+                    <a:lumMod val="25000"/>
+                  </a:schemeClr>
+                </a:solidFill>
+                <a:latin typeface="Noto Sans KR" panose="020B0200000000000000" pitchFamily="50" charset="-127"/>
+                <a:ea typeface="Noto Sans KR" panose="020B0200000000000000" pitchFamily="50" charset="-127"/>
+              </a:rPr>
+              <a:t>(</a:t>
+            </a:r>
+            <a:r>
+              <a:rPr lang="ko-KR" altLang="en-US" sz="1200" dirty="0">
+                <a:solidFill>
+                  <a:schemeClr val="bg2">
+                    <a:lumMod val="25000"/>
+                  </a:schemeClr>
+                </a:solidFill>
+                <a:latin typeface="Noto Sans KR" panose="020B0200000000000000" pitchFamily="50" charset="-127"/>
+                <a:ea typeface="Noto Sans KR" panose="020B0200000000000000" pitchFamily="50" charset="-127"/>
+              </a:rPr>
+              <a:t>완료</a:t>
+            </a:r>
+            <a:r>
+              <a:rPr lang="en-US" altLang="ko-KR" sz="1200" dirty="0">
+                <a:solidFill>
+                  <a:schemeClr val="bg2">
+                    <a:lumMod val="25000"/>
+                  </a:schemeClr>
+                </a:solidFill>
+                <a:latin typeface="Noto Sans KR" panose="020B0200000000000000" pitchFamily="50" charset="-127"/>
+                <a:ea typeface="Noto Sans KR" panose="020B0200000000000000" pitchFamily="50" charset="-127"/>
+              </a:rPr>
+              <a:t>)</a:t>
+            </a:r>
+          </a:p>
+          <a:p>
+            <a:pPr marL="171450" indent="-171450">
+              <a:buFontTx/>
+              <a:buChar char="-"/>
+            </a:pPr>
+            <a:r>
+              <a:rPr lang="ko-KR" altLang="en-US" sz="1200" dirty="0">
+                <a:solidFill>
+                  <a:schemeClr val="bg2">
+                    <a:lumMod val="25000"/>
+                  </a:schemeClr>
+                </a:solidFill>
+                <a:latin typeface="Noto Sans KR" panose="020B0200000000000000" pitchFamily="50" charset="-127"/>
+                <a:ea typeface="Noto Sans KR" panose="020B0200000000000000" pitchFamily="50" charset="-127"/>
+              </a:rPr>
+              <a:t>로그인 </a:t>
+            </a:r>
+            <a:r>
+              <a:rPr lang="en-US" altLang="ko-KR" sz="1200" dirty="0">
+                <a:solidFill>
+                  <a:schemeClr val="bg2">
+                    <a:lumMod val="25000"/>
+                  </a:schemeClr>
+                </a:solidFill>
+                <a:latin typeface="Noto Sans KR" panose="020B0200000000000000" pitchFamily="50" charset="-127"/>
+                <a:ea typeface="Noto Sans KR" panose="020B0200000000000000" pitchFamily="50" charset="-127"/>
+              </a:rPr>
+              <a:t>SSO</a:t>
+            </a:r>
+            <a:r>
+              <a:rPr lang="ko-KR" altLang="en-US" sz="1200" dirty="0">
+                <a:solidFill>
+                  <a:schemeClr val="bg2">
+                    <a:lumMod val="25000"/>
+                  </a:schemeClr>
+                </a:solidFill>
+                <a:latin typeface="Noto Sans KR" panose="020B0200000000000000" pitchFamily="50" charset="-127"/>
+                <a:ea typeface="Noto Sans KR" panose="020B0200000000000000" pitchFamily="50" charset="-127"/>
+              </a:rPr>
+              <a:t> 연동 </a:t>
+            </a:r>
+            <a:r>
+              <a:rPr lang="en-US" altLang="ko-KR" sz="1200" dirty="0">
+                <a:solidFill>
+                  <a:schemeClr val="bg2">
+                    <a:lumMod val="25000"/>
+                  </a:schemeClr>
+                </a:solidFill>
+                <a:latin typeface="Noto Sans KR" panose="020B0200000000000000" pitchFamily="50" charset="-127"/>
+                <a:ea typeface="Noto Sans KR" panose="020B0200000000000000" pitchFamily="50" charset="-127"/>
+              </a:rPr>
+              <a:t>(</a:t>
+            </a:r>
+            <a:r>
+              <a:rPr lang="ko-KR" altLang="en-US" sz="1200" dirty="0">
+                <a:solidFill>
+                  <a:schemeClr val="bg2">
+                    <a:lumMod val="25000"/>
+                  </a:schemeClr>
+                </a:solidFill>
+                <a:latin typeface="Noto Sans KR" panose="020B0200000000000000" pitchFamily="50" charset="-127"/>
+                <a:ea typeface="Noto Sans KR" panose="020B0200000000000000" pitchFamily="50" charset="-127"/>
+              </a:rPr>
+              <a:t>완료</a:t>
+            </a:r>
+            <a:r>
+              <a:rPr lang="en-US" altLang="ko-KR" sz="1200" dirty="0">
+                <a:solidFill>
+                  <a:schemeClr val="bg2">
+                    <a:lumMod val="25000"/>
+                  </a:schemeClr>
+                </a:solidFill>
+                <a:latin typeface="Noto Sans KR" panose="020B0200000000000000" pitchFamily="50" charset="-127"/>
+                <a:ea typeface="Noto Sans KR" panose="020B0200000000000000" pitchFamily="50" charset="-127"/>
+              </a:rPr>
+              <a:t>)</a:t>
+            </a:r>
+          </a:p>
+        </p:txBody>
+      </p:sp>
+      <p:sp>
+        <p:nvSpPr>
+          <p:cNvPr id="34" name="TextBox 33">
+            <a:extLst>
+              <a:ext uri="{FF2B5EF4-FFF2-40B4-BE49-F238E27FC236}">
+                <a16:creationId xmlns:a16="http://schemas.microsoft.com/office/drawing/2014/main" id="{DD1DE303-7D32-1339-92D9-8FDFD2F5E8EE}"/>
+              </a:ext>
+            </a:extLst>
+          </p:cNvPr>
+          <p:cNvSpPr txBox="1"/>
+          <p:nvPr/>
+        </p:nvSpPr>
+        <p:spPr>
+          <a:xfrm>
+            <a:off x="2143367" y="3751353"/>
+            <a:ext cx="2586790" cy="276999"/>
+          </a:xfrm>
+          <a:prstGeom prst="rect">
+            <a:avLst/>
+          </a:prstGeom>
+          <a:noFill/>
+        </p:spPr>
+        <p:txBody>
+          <a:bodyPr wrap="square" rtlCol="0">
+            <a:spAutoFit/>
+          </a:bodyPr>
+          <a:lstStyle/>
+          <a:p>
+            <a:r>
+              <a:rPr lang="en-US" altLang="ko-KR" sz="1200" b="1" dirty="0">
+                <a:solidFill>
+                  <a:schemeClr val="bg2">
+                    <a:lumMod val="25000"/>
+                  </a:schemeClr>
+                </a:solidFill>
+                <a:latin typeface="Noto Sans KR" panose="020B0200000000000000" pitchFamily="50" charset="-127"/>
+                <a:ea typeface="Noto Sans KR" panose="020B0200000000000000" pitchFamily="50" charset="-127"/>
+              </a:rPr>
+              <a:t>1.</a:t>
+            </a:r>
+            <a:r>
+              <a:rPr lang="ko-KR" altLang="en-US" sz="1200" b="1" dirty="0">
+                <a:solidFill>
+                  <a:schemeClr val="bg2">
+                    <a:lumMod val="25000"/>
+                  </a:schemeClr>
+                </a:solidFill>
+                <a:latin typeface="Noto Sans KR" panose="020B0200000000000000" pitchFamily="50" charset="-127"/>
+                <a:ea typeface="Noto Sans KR" panose="020B0200000000000000" pitchFamily="50" charset="-127"/>
+              </a:rPr>
+              <a:t>공지 관리 체계 개발 </a:t>
+            </a:r>
+            <a:r>
+              <a:rPr lang="en-US" altLang="ko-KR" sz="1200" b="1" dirty="0">
+                <a:solidFill>
+                  <a:schemeClr val="bg2">
+                    <a:lumMod val="25000"/>
+                  </a:schemeClr>
+                </a:solidFill>
+                <a:latin typeface="Noto Sans KR" panose="020B0200000000000000" pitchFamily="50" charset="-127"/>
+                <a:ea typeface="Noto Sans KR" panose="020B0200000000000000" pitchFamily="50" charset="-127"/>
+              </a:rPr>
+              <a:t>(</a:t>
+            </a:r>
+            <a:r>
+              <a:rPr lang="ko-KR" altLang="en-US" sz="1200" b="1" dirty="0">
+                <a:solidFill>
+                  <a:schemeClr val="bg2">
+                    <a:lumMod val="25000"/>
+                  </a:schemeClr>
+                </a:solidFill>
+                <a:latin typeface="Noto Sans KR" panose="020B0200000000000000" pitchFamily="50" charset="-127"/>
+                <a:ea typeface="Noto Sans KR" panose="020B0200000000000000" pitchFamily="50" charset="-127"/>
+              </a:rPr>
+              <a:t>완료</a:t>
+            </a:r>
+            <a:r>
+              <a:rPr lang="en-US" altLang="ko-KR" sz="1200" b="1" dirty="0">
+                <a:solidFill>
+                  <a:schemeClr val="bg2">
+                    <a:lumMod val="25000"/>
+                  </a:schemeClr>
+                </a:solidFill>
+                <a:latin typeface="Noto Sans KR" panose="020B0200000000000000" pitchFamily="50" charset="-127"/>
+                <a:ea typeface="Noto Sans KR" panose="020B0200000000000000" pitchFamily="50" charset="-127"/>
+              </a:rPr>
+              <a:t>)</a:t>
+            </a:r>
+            <a:endParaRPr lang="ko-KR" altLang="en-US" sz="1200" b="1" dirty="0">
+              <a:solidFill>
+                <a:schemeClr val="bg2">
+                  <a:lumMod val="25000"/>
+                </a:schemeClr>
+              </a:solidFill>
+              <a:latin typeface="Noto Sans KR" panose="020B0200000000000000" pitchFamily="50" charset="-127"/>
+              <a:ea typeface="Noto Sans KR" panose="020B0200000000000000" pitchFamily="50" charset="-127"/>
+            </a:endParaRPr>
+          </a:p>
+        </p:txBody>
+      </p:sp>
+      <p:pic>
+        <p:nvPicPr>
+          <p:cNvPr id="35" name="그림 34" descr="원, 일렉트릭 블루, 폰트, 상징이(가) 표시된 사진&#10;&#10;AI 생성 콘텐츠는 정확하지 않을 수 있습니다.">
+            <a:extLst>
+              <a:ext uri="{FF2B5EF4-FFF2-40B4-BE49-F238E27FC236}">
+                <a16:creationId xmlns:a16="http://schemas.microsoft.com/office/drawing/2014/main" id="{54B28015-81ED-3E25-2CD1-B924BCCD834E}"/>
+              </a:ext>
+            </a:extLst>
+          </p:cNvPr>
+          <p:cNvPicPr>
+            <a:picLocks noChangeAspect="1"/>
+          </p:cNvPicPr>
+          <p:nvPr/>
+        </p:nvPicPr>
+        <p:blipFill>
+          <a:blip r:embed="rId6"/>
+          <a:stretch>
+            <a:fillRect/>
+          </a:stretch>
+        </p:blipFill>
+        <p:spPr>
+          <a:xfrm>
+            <a:off x="4627021" y="3855389"/>
+            <a:ext cx="1333385" cy="1348038"/>
+          </a:xfrm>
+          <a:prstGeom prst="rect">
+            <a:avLst/>
+          </a:prstGeom>
+        </p:spPr>
+      </p:pic>
+      <p:sp>
+        <p:nvSpPr>
+          <p:cNvPr id="36" name="TextBox 35">
+            <a:extLst>
+              <a:ext uri="{FF2B5EF4-FFF2-40B4-BE49-F238E27FC236}">
+                <a16:creationId xmlns:a16="http://schemas.microsoft.com/office/drawing/2014/main" id="{45CB3482-93C5-82CA-E6C6-8C1DA8B4BFF7}"/>
+              </a:ext>
+            </a:extLst>
+          </p:cNvPr>
+          <p:cNvSpPr txBox="1"/>
+          <p:nvPr/>
+        </p:nvSpPr>
+        <p:spPr>
+          <a:xfrm>
+            <a:off x="5979921" y="4161687"/>
+            <a:ext cx="2586790" cy="461665"/>
+          </a:xfrm>
+          <a:prstGeom prst="rect">
+            <a:avLst/>
+          </a:prstGeom>
+          <a:noFill/>
+        </p:spPr>
+        <p:txBody>
+          <a:bodyPr wrap="square" rtlCol="0">
+            <a:spAutoFit/>
+          </a:bodyPr>
+          <a:lstStyle/>
+          <a:p>
+            <a:r>
+              <a:rPr lang="en-US" altLang="ko-KR" sz="1200" dirty="0">
+                <a:solidFill>
+                  <a:schemeClr val="bg2">
+                    <a:lumMod val="25000"/>
+                  </a:schemeClr>
+                </a:solidFill>
+                <a:latin typeface="Noto Sans KR" panose="020B0200000000000000" pitchFamily="50" charset="-127"/>
+                <a:ea typeface="Noto Sans KR" panose="020B0200000000000000" pitchFamily="50" charset="-127"/>
+              </a:rPr>
+              <a:t>-  Outlook</a:t>
+            </a:r>
+            <a:r>
+              <a:rPr lang="ko-KR" altLang="en-US" sz="1200" dirty="0">
+                <a:solidFill>
+                  <a:schemeClr val="bg2">
+                    <a:lumMod val="25000"/>
+                  </a:schemeClr>
+                </a:solidFill>
+                <a:latin typeface="Noto Sans KR" panose="020B0200000000000000" pitchFamily="50" charset="-127"/>
+                <a:ea typeface="Noto Sans KR" panose="020B0200000000000000" pitchFamily="50" charset="-127"/>
+              </a:rPr>
+              <a:t> 메일 발송 </a:t>
+            </a:r>
+            <a:r>
+              <a:rPr lang="en-US" altLang="ko-KR" sz="1200" dirty="0">
+                <a:solidFill>
+                  <a:schemeClr val="bg2">
+                    <a:lumMod val="25000"/>
+                  </a:schemeClr>
+                </a:solidFill>
+                <a:latin typeface="Noto Sans KR" panose="020B0200000000000000" pitchFamily="50" charset="-127"/>
+                <a:ea typeface="Noto Sans KR" panose="020B0200000000000000" pitchFamily="50" charset="-127"/>
+              </a:rPr>
+              <a:t>(</a:t>
+            </a:r>
+            <a:r>
+              <a:rPr lang="ko-KR" altLang="en-US" sz="1200" dirty="0">
+                <a:solidFill>
+                  <a:schemeClr val="bg2">
+                    <a:lumMod val="25000"/>
+                  </a:schemeClr>
+                </a:solidFill>
+                <a:latin typeface="Noto Sans KR" panose="020B0200000000000000" pitchFamily="50" charset="-127"/>
+                <a:ea typeface="Noto Sans KR" panose="020B0200000000000000" pitchFamily="50" charset="-127"/>
+              </a:rPr>
+              <a:t>완료</a:t>
+            </a:r>
+            <a:r>
+              <a:rPr lang="en-US" altLang="ko-KR" sz="1200" dirty="0">
+                <a:solidFill>
+                  <a:schemeClr val="bg2">
+                    <a:lumMod val="25000"/>
+                  </a:schemeClr>
+                </a:solidFill>
+                <a:latin typeface="Noto Sans KR" panose="020B0200000000000000" pitchFamily="50" charset="-127"/>
+                <a:ea typeface="Noto Sans KR" panose="020B0200000000000000" pitchFamily="50" charset="-127"/>
+              </a:rPr>
+              <a:t>)</a:t>
+            </a:r>
+          </a:p>
+          <a:p>
+            <a:r>
+              <a:rPr lang="en-US" altLang="ko-KR" sz="1200" dirty="0">
+                <a:solidFill>
+                  <a:schemeClr val="bg2">
+                    <a:lumMod val="25000"/>
+                  </a:schemeClr>
+                </a:solidFill>
+                <a:latin typeface="Noto Sans KR" panose="020B0200000000000000" pitchFamily="50" charset="-127"/>
+                <a:ea typeface="Noto Sans KR" panose="020B0200000000000000" pitchFamily="50" charset="-127"/>
+              </a:rPr>
+              <a:t>-  </a:t>
+            </a:r>
+            <a:r>
+              <a:rPr lang="ko-KR" altLang="en-US" sz="1200" dirty="0">
+                <a:solidFill>
+                  <a:schemeClr val="bg2">
+                    <a:lumMod val="25000"/>
+                  </a:schemeClr>
+                </a:solidFill>
+                <a:latin typeface="Noto Sans KR" panose="020B0200000000000000" pitchFamily="50" charset="-127"/>
+                <a:ea typeface="Noto Sans KR" panose="020B0200000000000000" pitchFamily="50" charset="-127"/>
+              </a:rPr>
+              <a:t>공지일정 자원 등록 </a:t>
+            </a:r>
+            <a:r>
+              <a:rPr lang="en-US" altLang="ko-KR" sz="1200" dirty="0">
+                <a:solidFill>
+                  <a:schemeClr val="bg2">
+                    <a:lumMod val="25000"/>
+                  </a:schemeClr>
+                </a:solidFill>
+                <a:latin typeface="Noto Sans KR" panose="020B0200000000000000" pitchFamily="50" charset="-127"/>
+                <a:ea typeface="Noto Sans KR" panose="020B0200000000000000" pitchFamily="50" charset="-127"/>
+              </a:rPr>
+              <a:t>(</a:t>
+            </a:r>
+            <a:r>
+              <a:rPr lang="ko-KR" altLang="en-US" sz="1200" dirty="0">
+                <a:solidFill>
+                  <a:schemeClr val="bg2">
+                    <a:lumMod val="25000"/>
+                  </a:schemeClr>
+                </a:solidFill>
+                <a:latin typeface="Noto Sans KR" panose="020B0200000000000000" pitchFamily="50" charset="-127"/>
+                <a:ea typeface="Noto Sans KR" panose="020B0200000000000000" pitchFamily="50" charset="-127"/>
+              </a:rPr>
+              <a:t>완료</a:t>
+            </a:r>
+            <a:r>
+              <a:rPr lang="en-US" altLang="ko-KR" sz="1200" dirty="0">
+                <a:solidFill>
+                  <a:schemeClr val="bg2">
+                    <a:lumMod val="25000"/>
+                  </a:schemeClr>
+                </a:solidFill>
+                <a:latin typeface="Noto Sans KR" panose="020B0200000000000000" pitchFamily="50" charset="-127"/>
+                <a:ea typeface="Noto Sans KR" panose="020B0200000000000000" pitchFamily="50" charset="-127"/>
+              </a:rPr>
+              <a:t>) </a:t>
+            </a:r>
+          </a:p>
+        </p:txBody>
+      </p:sp>
+      <p:sp>
+        <p:nvSpPr>
+          <p:cNvPr id="37" name="TextBox 36">
+            <a:extLst>
+              <a:ext uri="{FF2B5EF4-FFF2-40B4-BE49-F238E27FC236}">
+                <a16:creationId xmlns:a16="http://schemas.microsoft.com/office/drawing/2014/main" id="{8F17371F-B773-83C7-CAC3-809190DE7B69}"/>
+              </a:ext>
+            </a:extLst>
+          </p:cNvPr>
+          <p:cNvSpPr txBox="1"/>
+          <p:nvPr/>
+        </p:nvSpPr>
+        <p:spPr>
+          <a:xfrm>
+            <a:off x="5999595" y="3707886"/>
+            <a:ext cx="2586790" cy="276999"/>
+          </a:xfrm>
+          <a:prstGeom prst="rect">
+            <a:avLst/>
+          </a:prstGeom>
+          <a:noFill/>
+        </p:spPr>
+        <p:txBody>
+          <a:bodyPr wrap="square" rtlCol="0">
+            <a:spAutoFit/>
+          </a:bodyPr>
+          <a:lstStyle/>
+          <a:p>
+            <a:r>
+              <a:rPr lang="en-US" altLang="ko-KR" sz="1200" b="1" dirty="0">
+                <a:solidFill>
+                  <a:schemeClr val="bg2">
+                    <a:lumMod val="25000"/>
+                  </a:schemeClr>
+                </a:solidFill>
+                <a:latin typeface="Noto Sans KR" panose="020B0200000000000000" pitchFamily="50" charset="-127"/>
+                <a:ea typeface="Noto Sans KR" panose="020B0200000000000000" pitchFamily="50" charset="-127"/>
+              </a:rPr>
+              <a:t>2. MS Graph API (</a:t>
+            </a:r>
+            <a:r>
+              <a:rPr lang="ko-KR" altLang="en-US" sz="1200" b="1" dirty="0">
+                <a:solidFill>
+                  <a:schemeClr val="bg2">
+                    <a:lumMod val="25000"/>
+                  </a:schemeClr>
+                </a:solidFill>
+                <a:latin typeface="Noto Sans KR" panose="020B0200000000000000" pitchFamily="50" charset="-127"/>
+                <a:ea typeface="Noto Sans KR" panose="020B0200000000000000" pitchFamily="50" charset="-127"/>
+              </a:rPr>
+              <a:t>완료</a:t>
+            </a:r>
+            <a:r>
+              <a:rPr lang="en-US" altLang="ko-KR" sz="1200" b="1" dirty="0">
+                <a:solidFill>
+                  <a:schemeClr val="bg2">
+                    <a:lumMod val="25000"/>
+                  </a:schemeClr>
+                </a:solidFill>
+                <a:latin typeface="Noto Sans KR" panose="020B0200000000000000" pitchFamily="50" charset="-127"/>
+                <a:ea typeface="Noto Sans KR" panose="020B0200000000000000" pitchFamily="50" charset="-127"/>
+              </a:rPr>
+              <a:t>)</a:t>
+            </a:r>
+            <a:endParaRPr lang="ko-KR" altLang="en-US" sz="1200" b="1" dirty="0">
+              <a:solidFill>
+                <a:schemeClr val="bg2">
+                  <a:lumMod val="25000"/>
+                </a:schemeClr>
+              </a:solidFill>
+              <a:latin typeface="Noto Sans KR" panose="020B0200000000000000" pitchFamily="50" charset="-127"/>
+              <a:ea typeface="Noto Sans KR" panose="020B0200000000000000" pitchFamily="50" charset="-127"/>
+            </a:endParaRPr>
+          </a:p>
+        </p:txBody>
+      </p:sp>
+      <p:grpSp>
+        <p:nvGrpSpPr>
+          <p:cNvPr id="38" name="그룹 37">
+            <a:extLst>
+              <a:ext uri="{FF2B5EF4-FFF2-40B4-BE49-F238E27FC236}">
+                <a16:creationId xmlns:a16="http://schemas.microsoft.com/office/drawing/2014/main" id="{8D44506A-720E-F35F-0AFD-2DD21B0C9A1A}"/>
+              </a:ext>
+            </a:extLst>
+          </p:cNvPr>
+          <p:cNvGrpSpPr/>
+          <p:nvPr/>
+        </p:nvGrpSpPr>
+        <p:grpSpPr>
+          <a:xfrm>
+            <a:off x="8127985" y="3840656"/>
+            <a:ext cx="1358187" cy="1520963"/>
+            <a:chOff x="9215118" y="3685983"/>
+            <a:chExt cx="1528317" cy="1711483"/>
+          </a:xfrm>
+        </p:grpSpPr>
+        <p:pic>
+          <p:nvPicPr>
+            <p:cNvPr id="39" name="그림 38" descr="로고, 폰트, 그래픽, 텍스트이(가) 표시된 사진&#10;&#10;AI 생성 콘텐츠는 정확하지 않을 수 있습니다.">
+              <a:extLst>
+                <a:ext uri="{FF2B5EF4-FFF2-40B4-BE49-F238E27FC236}">
+                  <a16:creationId xmlns:a16="http://schemas.microsoft.com/office/drawing/2014/main" id="{F061E72A-4271-C8AB-7AB0-9194634F5DB4}"/>
+                </a:ext>
+              </a:extLst>
+            </p:cNvPr>
+            <p:cNvPicPr>
+              <a:picLocks noChangeAspect="1"/>
+            </p:cNvPicPr>
+            <p:nvPr/>
+          </p:nvPicPr>
+          <p:blipFill>
+            <a:blip r:embed="rId7"/>
+            <a:stretch>
+              <a:fillRect/>
+            </a:stretch>
+          </p:blipFill>
+          <p:spPr>
+            <a:xfrm>
+              <a:off x="9215118" y="4132429"/>
+              <a:ext cx="676369" cy="857370"/>
+            </a:xfrm>
+            <a:prstGeom prst="rect">
+              <a:avLst/>
+            </a:prstGeom>
+          </p:spPr>
+        </p:pic>
+        <p:pic>
+          <p:nvPicPr>
+            <p:cNvPr id="40" name="그림 39" descr="로고, 텍스트, 폰트, 그래픽이(가) 표시된 사진&#10;&#10;AI 생성 콘텐츠는 정확하지 않을 수 있습니다.">
+              <a:extLst>
+                <a:ext uri="{FF2B5EF4-FFF2-40B4-BE49-F238E27FC236}">
+                  <a16:creationId xmlns:a16="http://schemas.microsoft.com/office/drawing/2014/main" id="{134A5EF8-DD34-478D-CE16-961EDC4A4C39}"/>
+                </a:ext>
+              </a:extLst>
+            </p:cNvPr>
+            <p:cNvPicPr>
+              <a:picLocks noChangeAspect="1"/>
+            </p:cNvPicPr>
+            <p:nvPr/>
+          </p:nvPicPr>
+          <p:blipFill>
+            <a:blip r:embed="rId8"/>
+            <a:stretch>
+              <a:fillRect/>
+            </a:stretch>
+          </p:blipFill>
+          <p:spPr>
+            <a:xfrm>
+              <a:off x="9886495" y="3685983"/>
+              <a:ext cx="657317" cy="809738"/>
+            </a:xfrm>
+            <a:prstGeom prst="rect">
+              <a:avLst/>
+            </a:prstGeom>
+          </p:spPr>
+        </p:pic>
+        <p:pic>
+          <p:nvPicPr>
+            <p:cNvPr id="41" name="그림 40" descr="텍스트, 공구, 디자인이(가) 표시된 사진&#10;&#10;AI 생성 콘텐츠는 정확하지 않을 수 있습니다.">
+              <a:extLst>
+                <a:ext uri="{FF2B5EF4-FFF2-40B4-BE49-F238E27FC236}">
+                  <a16:creationId xmlns:a16="http://schemas.microsoft.com/office/drawing/2014/main" id="{81D5C3A0-8984-D6E7-A5C9-A2E378D03C67}"/>
+                </a:ext>
+              </a:extLst>
+            </p:cNvPr>
+            <p:cNvPicPr>
+              <a:picLocks noChangeAspect="1"/>
+            </p:cNvPicPr>
+            <p:nvPr/>
+          </p:nvPicPr>
+          <p:blipFill>
+            <a:blip r:embed="rId9"/>
+            <a:stretch>
+              <a:fillRect/>
+            </a:stretch>
+          </p:blipFill>
+          <p:spPr>
+            <a:xfrm>
+              <a:off x="10000381" y="4578202"/>
+              <a:ext cx="743054" cy="819264"/>
+            </a:xfrm>
+            <a:prstGeom prst="rect">
+              <a:avLst/>
+            </a:prstGeom>
+          </p:spPr>
+        </p:pic>
+      </p:grpSp>
+      <p:sp>
+        <p:nvSpPr>
+          <p:cNvPr id="42" name="TextBox 41">
+            <a:extLst>
+              <a:ext uri="{FF2B5EF4-FFF2-40B4-BE49-F238E27FC236}">
+                <a16:creationId xmlns:a16="http://schemas.microsoft.com/office/drawing/2014/main" id="{5C5B5666-0C50-3509-BE1E-04F39B8F4D0D}"/>
+              </a:ext>
+            </a:extLst>
+          </p:cNvPr>
+          <p:cNvSpPr txBox="1"/>
+          <p:nvPr/>
+        </p:nvSpPr>
+        <p:spPr>
+          <a:xfrm>
+            <a:off x="9500707" y="3720611"/>
+            <a:ext cx="2586790" cy="276999"/>
+          </a:xfrm>
+          <a:prstGeom prst="rect">
+            <a:avLst/>
+          </a:prstGeom>
+          <a:noFill/>
+        </p:spPr>
+        <p:txBody>
+          <a:bodyPr wrap="square" rtlCol="0">
+            <a:spAutoFit/>
+          </a:bodyPr>
+          <a:lstStyle/>
+          <a:p>
+            <a:r>
+              <a:rPr lang="en-US" altLang="ko-KR" sz="1200" dirty="0">
+                <a:solidFill>
+                  <a:schemeClr val="bg2">
+                    <a:lumMod val="25000"/>
+                  </a:schemeClr>
+                </a:solidFill>
+                <a:latin typeface="Noto Sans KR" panose="020B0200000000000000" pitchFamily="50" charset="-127"/>
+                <a:ea typeface="Noto Sans KR" panose="020B0200000000000000" pitchFamily="50" charset="-127"/>
+              </a:rPr>
+              <a:t>3. </a:t>
+            </a:r>
+            <a:r>
+              <a:rPr lang="ko-KR" altLang="en-US" sz="1200" dirty="0">
+                <a:solidFill>
+                  <a:schemeClr val="bg2">
+                    <a:lumMod val="25000"/>
+                  </a:schemeClr>
+                </a:solidFill>
+                <a:latin typeface="Noto Sans KR" panose="020B0200000000000000" pitchFamily="50" charset="-127"/>
+                <a:ea typeface="Noto Sans KR" panose="020B0200000000000000" pitchFamily="50" charset="-127"/>
+              </a:rPr>
+              <a:t>시스템 기능 확장 </a:t>
+            </a:r>
+            <a:r>
+              <a:rPr lang="en-US" altLang="ko-KR" sz="1200" dirty="0">
+                <a:solidFill>
+                  <a:schemeClr val="bg2">
+                    <a:lumMod val="25000"/>
+                  </a:schemeClr>
+                </a:solidFill>
+                <a:latin typeface="Noto Sans KR" panose="020B0200000000000000" pitchFamily="50" charset="-127"/>
+                <a:ea typeface="Noto Sans KR" panose="020B0200000000000000" pitchFamily="50" charset="-127"/>
+              </a:rPr>
+              <a:t>(</a:t>
+            </a:r>
+            <a:r>
+              <a:rPr lang="ko-KR" altLang="en-US" sz="1200" dirty="0">
+                <a:solidFill>
+                  <a:schemeClr val="bg2">
+                    <a:lumMod val="25000"/>
+                  </a:schemeClr>
+                </a:solidFill>
+                <a:latin typeface="Noto Sans KR" panose="020B0200000000000000" pitchFamily="50" charset="-127"/>
+                <a:ea typeface="Noto Sans KR" panose="020B0200000000000000" pitchFamily="50" charset="-127"/>
+              </a:rPr>
+              <a:t>미완료</a:t>
+            </a:r>
+            <a:r>
+              <a:rPr lang="en-US" altLang="ko-KR" sz="1200" dirty="0">
+                <a:solidFill>
+                  <a:schemeClr val="bg2">
+                    <a:lumMod val="25000"/>
+                  </a:schemeClr>
+                </a:solidFill>
+                <a:latin typeface="Noto Sans KR" panose="020B0200000000000000" pitchFamily="50" charset="-127"/>
+                <a:ea typeface="Noto Sans KR" panose="020B0200000000000000" pitchFamily="50" charset="-127"/>
+              </a:rPr>
+              <a:t>)</a:t>
+            </a:r>
+          </a:p>
+        </p:txBody>
+      </p:sp>
+      <p:sp>
+        <p:nvSpPr>
+          <p:cNvPr id="43" name="TextBox 42">
+            <a:extLst>
+              <a:ext uri="{FF2B5EF4-FFF2-40B4-BE49-F238E27FC236}">
+                <a16:creationId xmlns:a16="http://schemas.microsoft.com/office/drawing/2014/main" id="{551EC601-6E55-17BC-9131-E8F65C1575E0}"/>
+              </a:ext>
+            </a:extLst>
+          </p:cNvPr>
+          <p:cNvSpPr txBox="1"/>
+          <p:nvPr/>
+        </p:nvSpPr>
+        <p:spPr>
+          <a:xfrm>
+            <a:off x="9470325" y="4172044"/>
+            <a:ext cx="2586790" cy="461665"/>
+          </a:xfrm>
+          <a:prstGeom prst="rect">
+            <a:avLst/>
+          </a:prstGeom>
+          <a:noFill/>
+        </p:spPr>
+        <p:txBody>
+          <a:bodyPr wrap="square" rtlCol="0">
+            <a:spAutoFit/>
+          </a:bodyPr>
+          <a:lstStyle/>
+          <a:p>
+            <a:pPr marL="171450" indent="-171450">
+              <a:buFontTx/>
+              <a:buChar char="-"/>
+            </a:pPr>
+            <a:r>
+              <a:rPr lang="ko-KR" altLang="en-US" sz="1200" dirty="0">
+                <a:solidFill>
+                  <a:schemeClr val="bg2">
+                    <a:lumMod val="25000"/>
+                  </a:schemeClr>
+                </a:solidFill>
+                <a:latin typeface="Noto Sans KR" panose="020B0200000000000000" pitchFamily="50" charset="-127"/>
+                <a:ea typeface="Noto Sans KR" panose="020B0200000000000000" pitchFamily="50" charset="-127"/>
+              </a:rPr>
+              <a:t>알림 연계 표준 </a:t>
+            </a:r>
+            <a:r>
+              <a:rPr lang="en-US" altLang="ko-KR" sz="1200" dirty="0">
+                <a:solidFill>
+                  <a:schemeClr val="bg2">
+                    <a:lumMod val="25000"/>
+                  </a:schemeClr>
+                </a:solidFill>
+                <a:latin typeface="Noto Sans KR" panose="020B0200000000000000" pitchFamily="50" charset="-127"/>
+                <a:ea typeface="Noto Sans KR" panose="020B0200000000000000" pitchFamily="50" charset="-127"/>
+              </a:rPr>
+              <a:t>API Guide </a:t>
+            </a:r>
+            <a:r>
+              <a:rPr lang="ko-KR" altLang="en-US" sz="1200" dirty="0">
+                <a:solidFill>
+                  <a:schemeClr val="bg2">
+                    <a:lumMod val="25000"/>
+                  </a:schemeClr>
+                </a:solidFill>
+                <a:latin typeface="Noto Sans KR" panose="020B0200000000000000" pitchFamily="50" charset="-127"/>
+                <a:ea typeface="Noto Sans KR" panose="020B0200000000000000" pitchFamily="50" charset="-127"/>
+              </a:rPr>
+              <a:t>수립</a:t>
+            </a:r>
+            <a:endParaRPr lang="en-US" altLang="ko-KR" sz="1200" dirty="0">
+              <a:solidFill>
+                <a:schemeClr val="bg2">
+                  <a:lumMod val="25000"/>
+                </a:schemeClr>
+              </a:solidFill>
+              <a:latin typeface="Noto Sans KR" panose="020B0200000000000000" pitchFamily="50" charset="-127"/>
+              <a:ea typeface="Noto Sans KR" panose="020B0200000000000000" pitchFamily="50" charset="-127"/>
+            </a:endParaRPr>
+          </a:p>
+          <a:p>
+            <a:pPr marL="171450" indent="-171450">
+              <a:buFontTx/>
+              <a:buChar char="-"/>
+            </a:pPr>
+            <a:r>
+              <a:rPr lang="ko-KR" altLang="en-US" sz="1200" b="1" dirty="0">
+                <a:solidFill>
+                  <a:schemeClr val="bg2">
+                    <a:lumMod val="25000"/>
+                  </a:schemeClr>
+                </a:solidFill>
+                <a:latin typeface="Noto Sans KR" panose="020B0200000000000000" pitchFamily="50" charset="-127"/>
+                <a:ea typeface="Noto Sans KR" panose="020B0200000000000000" pitchFamily="50" charset="-127"/>
+              </a:rPr>
+              <a:t>서비스</a:t>
+            </a:r>
+            <a:r>
+              <a:rPr lang="ko-KR" altLang="en-US" sz="1200" dirty="0">
+                <a:solidFill>
+                  <a:schemeClr val="bg2">
+                    <a:lumMod val="25000"/>
+                  </a:schemeClr>
+                </a:solidFill>
+                <a:latin typeface="Noto Sans KR" panose="020B0200000000000000" pitchFamily="50" charset="-127"/>
+                <a:ea typeface="Noto Sans KR" panose="020B0200000000000000" pitchFamily="50" charset="-127"/>
+              </a:rPr>
+              <a:t> 별 알림 연계 기능 구현</a:t>
+            </a:r>
+            <a:endParaRPr lang="en-US" altLang="ko-KR" sz="1200" dirty="0">
+              <a:solidFill>
+                <a:schemeClr val="bg2">
+                  <a:lumMod val="25000"/>
+                </a:schemeClr>
+              </a:solidFill>
+              <a:latin typeface="Noto Sans KR" panose="020B0200000000000000" pitchFamily="50" charset="-127"/>
+              <a:ea typeface="Noto Sans KR" panose="020B0200000000000000" pitchFamily="50" charset="-127"/>
+            </a:endParaRPr>
+          </a:p>
+        </p:txBody>
+      </p:sp>
+      <p:sp>
+        <p:nvSpPr>
+          <p:cNvPr id="44" name="직사각형 43">
+            <a:extLst>
+              <a:ext uri="{FF2B5EF4-FFF2-40B4-BE49-F238E27FC236}">
+                <a16:creationId xmlns:a16="http://schemas.microsoft.com/office/drawing/2014/main" id="{A0902C66-2DD7-2AD8-5219-FF68E257D40E}"/>
+              </a:ext>
+            </a:extLst>
+          </p:cNvPr>
+          <p:cNvSpPr/>
+          <p:nvPr/>
+        </p:nvSpPr>
+        <p:spPr>
+          <a:xfrm>
+            <a:off x="7978802" y="2968388"/>
+            <a:ext cx="3817398" cy="2822812"/>
+          </a:xfrm>
+          <a:prstGeom prst="rect">
+            <a:avLst/>
+          </a:prstGeom>
+          <a:solidFill>
+            <a:schemeClr val="bg2">
+              <a:lumMod val="75000"/>
+              <a:alpha val="38000"/>
+            </a:schemeClr>
+          </a:solidFill>
+          <a:ln>
+            <a:noFill/>
+          </a:ln>
+        </p:spPr>
+        <p:style>
+          <a:lnRef idx="2">
+            <a:schemeClr val="accent1">
+              <a:shade val="15000"/>
+            </a:schemeClr>
+          </a:lnRef>
+          <a:fillRef idx="1">
+            <a:schemeClr val="accent1"/>
+          </a:fillRef>
+          <a:effectRef idx="0">
+            <a:schemeClr val="accent1"/>
+          </a:effectRef>
+          <a:fontRef idx="minor">
+            <a:schemeClr val="lt1"/>
+          </a:fontRef>
+        </p:style>
+        <p:txBody>
+          <a:bodyPr rtlCol="0" anchor="ctr"/>
+          <a:lstStyle/>
+          <a:p>
+            <a:pPr algn="ctr"/>
+            <a:endParaRPr lang="ko-KR" altLang="en-US"/>
+          </a:p>
+        </p:txBody>
+      </p:sp>
+      <p:sp>
+        <p:nvSpPr>
+          <p:cNvPr id="47" name="Rectangle 3">
+            <a:extLst>
+              <a:ext uri="{FF2B5EF4-FFF2-40B4-BE49-F238E27FC236}">
+                <a16:creationId xmlns:a16="http://schemas.microsoft.com/office/drawing/2014/main" id="{4A0F723F-8D13-73E9-5699-60DEC7A60D13}"/>
+              </a:ext>
+            </a:extLst>
+          </p:cNvPr>
+          <p:cNvSpPr>
+            <a:spLocks noChangeArrowheads="1"/>
+          </p:cNvSpPr>
+          <p:nvPr/>
+        </p:nvSpPr>
+        <p:spPr bwMode="auto">
+          <a:xfrm>
+            <a:off x="5833241" y="2677517"/>
+            <a:ext cx="12192000" cy="215444"/>
+          </a:xfrm>
+          <a:prstGeom prst="rect">
+            <a:avLst/>
+          </a:prstGeom>
+          <a:noFill/>
+          <a:ln>
+            <a:noFill/>
+          </a:ln>
+          <a:effectLst/>
+          <a:extLst>
+            <a:ext uri="{909E8E84-426E-40DD-AFC4-6F175D3DCCD1}">
+              <a14:hiddenFill xmlns:a14="http://schemas.microsoft.com/office/drawing/2010/main">
+                <a:solidFill>
+                  <a:schemeClr val="accent1"/>
+                </a:solidFill>
+              </a14:hiddenFill>
+            </a:ext>
+            <a:ext uri="{91240B29-F687-4F45-9708-019B960494DF}">
+              <a14:hiddenLine xmlns:a14="http://schemas.microsoft.com/office/drawing/2010/main" w="9525">
+                <a:solidFill>
+                  <a:schemeClr val="tx1"/>
+                </a:solidFill>
+                <a:miter lim="800000"/>
+                <a:headEnd/>
+                <a:tailEnd/>
+              </a14:hiddenLine>
+            </a:ext>
+            <a:ext uri="{AF507438-7753-43E0-B8FC-AC1667EBCBE1}">
+              <a14:hiddenEffects xmlns:a14="http://schemas.microsoft.com/office/drawing/2010/main">
+                <a:effectLst>
+                  <a:outerShdw dist="35921" dir="2700000" algn="ctr" rotWithShape="0">
+                    <a:schemeClr val="bg2"/>
+                  </a:outerShdw>
+                </a:effectLst>
+              </a14:hiddenEffects>
+            </a:ext>
+          </a:extLst>
+        </p:spPr>
+        <p:txBody>
+          <a:bodyPr vert="horz" wrap="square" lIns="91440" tIns="45720" rIns="91440" bIns="45720" numCol="1" anchor="ctr" anchorCtr="0" compatLnSpc="1">
+            <a:prstTxWarp prst="textNoShape">
+              <a:avLst/>
+            </a:prstTxWarp>
+            <a:spAutoFit/>
+          </a:bodyPr>
+          <a:lstStyle/>
+          <a:p>
+            <a:pPr marL="0" marR="0" lvl="0" indent="0" algn="l" defTabSz="914400" rtl="0" eaLnBrk="0" fontAlgn="base" latinLnBrk="0" hangingPunct="0">
+              <a:lnSpc>
+                <a:spcPct val="100000"/>
+              </a:lnSpc>
+              <a:spcBef>
+                <a:spcPct val="0"/>
+              </a:spcBef>
+              <a:spcAft>
+                <a:spcPct val="0"/>
+              </a:spcAft>
+              <a:buClrTx/>
+              <a:buSzTx/>
+              <a:buFontTx/>
+              <a:buNone/>
+              <a:tabLst/>
+            </a:pPr>
+            <a:r>
+              <a:rPr kumimoji="0" lang="ko-KR" altLang="ko-KR" sz="800" b="0" i="0" u="none" strike="noStrike" cap="none" normalizeH="0" baseline="0" dirty="0">
+                <a:ln>
+                  <a:noFill/>
+                </a:ln>
+                <a:solidFill>
+                  <a:schemeClr val="tx1"/>
+                </a:solidFill>
+                <a:effectLst/>
+                <a:latin typeface="Arial" panose="020B0604020202020204" pitchFamily="34" charset="0"/>
+                <a:hlinkClick r:id="rId10"/>
+              </a:rPr>
+              <a:t>공지관리시스템_WBS.xlsx</a:t>
+            </a:r>
+            <a:endParaRPr kumimoji="0" lang="ko-KR" altLang="ko-KR" sz="800" b="0" i="0" u="none" strike="noStrike" cap="none" normalizeH="0" baseline="0" dirty="0">
+              <a:ln>
+                <a:noFill/>
+              </a:ln>
+              <a:solidFill>
+                <a:schemeClr val="tx1"/>
+              </a:solidFill>
+              <a:effectLst/>
+              <a:latin typeface="Arial" panose="020B0604020202020204" pitchFamily="34" charset="0"/>
+            </a:endParaRPr>
+          </a:p>
+        </p:txBody>
+      </p:sp>
+      <p:sp>
+        <p:nvSpPr>
+          <p:cNvPr id="48" name="TextBox 47">
+            <a:extLst>
+              <a:ext uri="{FF2B5EF4-FFF2-40B4-BE49-F238E27FC236}">
+                <a16:creationId xmlns:a16="http://schemas.microsoft.com/office/drawing/2014/main" id="{C308E972-F508-C04E-43C4-2E129AFF1207}"/>
+              </a:ext>
+            </a:extLst>
+          </p:cNvPr>
+          <p:cNvSpPr txBox="1"/>
+          <p:nvPr/>
+        </p:nvSpPr>
+        <p:spPr>
+          <a:xfrm>
+            <a:off x="162560" y="6494790"/>
+            <a:ext cx="1361440" cy="253916"/>
+          </a:xfrm>
+          <a:prstGeom prst="rect">
+            <a:avLst/>
+          </a:prstGeom>
+          <a:noFill/>
+        </p:spPr>
+        <p:txBody>
+          <a:bodyPr wrap="square" rtlCol="0">
+            <a:spAutoFit/>
+          </a:bodyPr>
+          <a:lstStyle/>
+          <a:p>
+            <a:r>
+              <a:rPr lang="ko-KR" altLang="en-US" sz="1050">
+                <a:latin typeface="Noto Sans KR" panose="020B0200000000000000" pitchFamily="50" charset="-127"/>
+                <a:ea typeface="Noto Sans KR" panose="020B0200000000000000" pitchFamily="50" charset="-127"/>
+              </a:rPr>
+              <a:t>공지관리 시스템</a:t>
+            </a:r>
+            <a:r>
+              <a:rPr lang="en-US" altLang="ko-KR" sz="1050" dirty="0">
+                <a:latin typeface="Noto Sans KR" panose="020B0200000000000000" pitchFamily="50" charset="-127"/>
+                <a:ea typeface="Noto Sans KR" panose="020B0200000000000000" pitchFamily="50" charset="-127"/>
+              </a:rPr>
+              <a:t>v1.0</a:t>
+            </a:r>
+            <a:endParaRPr lang="ko-KR" altLang="en-US" sz="1050" dirty="0">
               <a:latin typeface="Noto Sans KR" panose="020B0200000000000000" pitchFamily="50" charset="-127"/>
               <a:ea typeface="Noto Sans KR" panose="020B0200000000000000" pitchFamily="50" charset="-127"/>
             </a:endParaRPr>
@@ -6237,55 +9416,6 @@
             </a:prstGeom>
           </p:spPr>
         </p:pic>
-        <p:sp>
-          <p:nvSpPr>
-            <p:cNvPr id="8" name="TextBox 7">
-              <a:extLst>
-                <a:ext uri="{FF2B5EF4-FFF2-40B4-BE49-F238E27FC236}">
-                  <a16:creationId xmlns:a16="http://schemas.microsoft.com/office/drawing/2014/main" id="{963AF5E7-2612-64E6-BAB8-3CACAACED2C6}"/>
-                </a:ext>
-              </a:extLst>
-            </p:cNvPr>
-            <p:cNvSpPr txBox="1"/>
-            <p:nvPr/>
-          </p:nvSpPr>
-          <p:spPr>
-            <a:xfrm>
-              <a:off x="162560" y="6494790"/>
-              <a:ext cx="1229360" cy="261610"/>
-            </a:xfrm>
-            <a:prstGeom prst="rect">
-              <a:avLst/>
-            </a:prstGeom>
-            <a:noFill/>
-          </p:spPr>
-          <p:txBody>
-            <a:bodyPr wrap="square" rtlCol="0">
-              <a:spAutoFit/>
-            </a:bodyPr>
-            <a:lstStyle/>
-            <a:p>
-              <a:r>
-                <a:rPr lang="ko-KR" altLang="en-US" sz="1050" dirty="0">
-                  <a:latin typeface="Noto Sans KR" panose="020B0200000000000000" pitchFamily="50" charset="-127"/>
-                  <a:ea typeface="Noto Sans KR" panose="020B0200000000000000" pitchFamily="50" charset="-127"/>
-                </a:rPr>
-                <a:t>프로젝트 명 </a:t>
-              </a:r>
-              <a:r>
-                <a:rPr lang="en-US" altLang="ko-KR" sz="1050" dirty="0">
-                  <a:latin typeface="Noto Sans KR" panose="020B0200000000000000" pitchFamily="50" charset="-127"/>
-                  <a:ea typeface="Noto Sans KR" panose="020B0200000000000000" pitchFamily="50" charset="-127"/>
-                </a:rPr>
-                <a:t>v1.0</a:t>
-              </a:r>
-              <a:endParaRPr lang="ko-KR" altLang="en-US" sz="1050" dirty="0">
-                <a:latin typeface="Noto Sans KR" panose="020B0200000000000000" pitchFamily="50" charset="-127"/>
-                <a:ea typeface="Noto Sans KR" panose="020B0200000000000000" pitchFamily="50" charset="-127"/>
-              </a:endParaRPr>
-            </a:p>
-          </p:txBody>
-        </p:sp>
         <p:grpSp>
           <p:nvGrpSpPr>
             <p:cNvPr id="11" name="그룹 10">
@@ -6403,7 +9533,7 @@
               </a:lnSpc>
             </a:pPr>
             <a:r>
-              <a:rPr lang="en-US" altLang="ko-KR" sz="2000" b="1" dirty="0">
+              <a:rPr lang="en-US" altLang="ko-KR" sz="2000" b="1">
                 <a:solidFill>
                   <a:schemeClr val="tx1">
                     <a:lumMod val="85000"/>
@@ -6416,7 +9546,7 @@
               <a:t>03 </a:t>
             </a:r>
             <a:r>
-              <a:rPr lang="ko-KR" altLang="en-US" sz="2000" b="1" dirty="0">
+              <a:rPr lang="ko-KR" altLang="en-US" sz="2000" b="1">
                 <a:solidFill>
                   <a:schemeClr val="tx1">
                     <a:lumMod val="85000"/>
@@ -6443,85 +9573,19 @@
       </p:sp>
       <p:sp>
         <p:nvSpPr>
-          <p:cNvPr id="18" name="TextBox 17">
-            <a:extLst>
-              <a:ext uri="{FF2B5EF4-FFF2-40B4-BE49-F238E27FC236}">
-                <a16:creationId xmlns:a16="http://schemas.microsoft.com/office/drawing/2014/main" id="{DDBA44D6-7E4B-AA77-EA4E-ACE4797ACD88}"/>
-              </a:ext>
-            </a:extLst>
-          </p:cNvPr>
-          <p:cNvSpPr txBox="1"/>
+          <p:cNvPr id="9" name="Rectangle 10">
+            <a:extLst>
+              <a:ext uri="{FF2B5EF4-FFF2-40B4-BE49-F238E27FC236}">
+                <a16:creationId xmlns:a16="http://schemas.microsoft.com/office/drawing/2014/main" id="{3D39D4A2-C71B-C18D-CD75-ACBBEFB7D7FE}"/>
+              </a:ext>
+            </a:extLst>
+          </p:cNvPr>
+          <p:cNvSpPr/>
           <p:nvPr/>
         </p:nvSpPr>
         <p:spPr>
           <a:xfrm>
-            <a:off x="286059" y="686406"/>
-            <a:ext cx="5179793" cy="461665"/>
-          </a:xfrm>
-          <a:prstGeom prst="rect">
-            <a:avLst/>
-          </a:prstGeom>
-          <a:noFill/>
-        </p:spPr>
-        <p:txBody>
-          <a:bodyPr wrap="square" rtlCol="0">
-            <a:spAutoFit/>
-          </a:bodyPr>
-          <a:lstStyle/>
-          <a:p>
-            <a:r>
-              <a:rPr lang="ko-KR" altLang="en-US" sz="1200" dirty="0">
-                <a:solidFill>
-                  <a:schemeClr val="bg2">
-                    <a:lumMod val="25000"/>
-                  </a:schemeClr>
-                </a:solidFill>
-                <a:latin typeface="Noto Sans KR" panose="020B0200000000000000" pitchFamily="50" charset="-127"/>
-                <a:ea typeface="Noto Sans KR" panose="020B0200000000000000" pitchFamily="50" charset="-127"/>
-              </a:rPr>
-              <a:t>로그인 화면부터 설명 시작</a:t>
-            </a:r>
-            <a:endParaRPr lang="en-US" altLang="ko-KR" sz="1200" dirty="0">
-              <a:solidFill>
-                <a:schemeClr val="bg2">
-                  <a:lumMod val="25000"/>
-                </a:schemeClr>
-              </a:solidFill>
-              <a:latin typeface="Noto Sans KR" panose="020B0200000000000000" pitchFamily="50" charset="-127"/>
-              <a:ea typeface="Noto Sans KR" panose="020B0200000000000000" pitchFamily="50" charset="-127"/>
-            </a:endParaRPr>
-          </a:p>
-          <a:p>
-            <a:r>
-              <a:rPr lang="ko-KR" altLang="en-US" sz="1200" dirty="0">
-                <a:solidFill>
-                  <a:schemeClr val="bg2">
-                    <a:lumMod val="25000"/>
-                  </a:schemeClr>
-                </a:solidFill>
-                <a:latin typeface="Noto Sans KR" panose="020B0200000000000000" pitchFamily="50" charset="-127"/>
-                <a:ea typeface="Noto Sans KR" panose="020B0200000000000000" pitchFamily="50" charset="-127"/>
-              </a:rPr>
-              <a:t>프로젝트 개요의 주요 기능 중 시연하는 시점까지 완료된 기능에 대한 시연</a:t>
-            </a:r>
-          </a:p>
-        </p:txBody>
-      </p:sp>
-      <p:sp>
-        <p:nvSpPr>
-          <p:cNvPr id="9" name="Rectangle 10">
-            <a:extLst>
-              <a:ext uri="{FF2B5EF4-FFF2-40B4-BE49-F238E27FC236}">
-                <a16:creationId xmlns:a16="http://schemas.microsoft.com/office/drawing/2014/main" id="{3D39D4A2-C71B-C18D-CD75-ACBBEFB7D7FE}"/>
-              </a:ext>
-            </a:extLst>
-          </p:cNvPr>
-          <p:cNvSpPr/>
-          <p:nvPr/>
-        </p:nvSpPr>
-        <p:spPr>
-          <a:xfrm>
-            <a:off x="286059" y="1339763"/>
+            <a:off x="233508" y="1276701"/>
             <a:ext cx="11617639" cy="4454581"/>
           </a:xfrm>
           <a:prstGeom prst="rect">
@@ -6585,6 +9649,420 @@
               <a:defRPr/>
             </a:pPr>
             <a:endParaRPr lang="ko-KR" altLang="en-US" dirty="0"/>
+          </a:p>
+        </p:txBody>
+      </p:sp>
+      <p:sp>
+        <p:nvSpPr>
+          <p:cNvPr id="4" name="TextBox 3">
+            <a:extLst>
+              <a:ext uri="{FF2B5EF4-FFF2-40B4-BE49-F238E27FC236}">
+                <a16:creationId xmlns:a16="http://schemas.microsoft.com/office/drawing/2014/main" id="{59C2E698-1B8F-C68B-DD72-B502467DA4EB}"/>
+              </a:ext>
+            </a:extLst>
+          </p:cNvPr>
+          <p:cNvSpPr txBox="1"/>
+          <p:nvPr/>
+        </p:nvSpPr>
+        <p:spPr>
+          <a:xfrm>
+            <a:off x="372374" y="1633519"/>
+            <a:ext cx="11136454" cy="3046988"/>
+          </a:xfrm>
+          <a:prstGeom prst="rect">
+            <a:avLst/>
+          </a:prstGeom>
+          <a:noFill/>
+        </p:spPr>
+        <p:txBody>
+          <a:bodyPr wrap="square" rtlCol="0">
+            <a:spAutoFit/>
+          </a:bodyPr>
+          <a:lstStyle/>
+          <a:p>
+            <a:r>
+              <a:rPr lang="ko-KR" altLang="en-US" sz="1600" b="1" dirty="0">
+                <a:solidFill>
+                  <a:schemeClr val="bg2">
+                    <a:lumMod val="25000"/>
+                  </a:schemeClr>
+                </a:solidFill>
+                <a:latin typeface="Noto Sans KR" panose="020B0200000000000000" pitchFamily="50" charset="-127"/>
+                <a:ea typeface="Noto Sans KR" panose="020B0200000000000000" pitchFamily="50" charset="-127"/>
+              </a:rPr>
+              <a:t>프로젝트 시연 흐름</a:t>
+            </a:r>
+            <a:endParaRPr lang="en-US" altLang="ko-KR" sz="1600" b="1" dirty="0">
+              <a:solidFill>
+                <a:schemeClr val="bg2">
+                  <a:lumMod val="25000"/>
+                </a:schemeClr>
+              </a:solidFill>
+              <a:latin typeface="Noto Sans KR" panose="020B0200000000000000" pitchFamily="50" charset="-127"/>
+              <a:ea typeface="Noto Sans KR" panose="020B0200000000000000" pitchFamily="50" charset="-127"/>
+            </a:endParaRPr>
+          </a:p>
+          <a:p>
+            <a:endParaRPr lang="en-US" altLang="ko-KR" sz="1600" b="1" dirty="0">
+              <a:solidFill>
+                <a:schemeClr val="bg2">
+                  <a:lumMod val="25000"/>
+                </a:schemeClr>
+              </a:solidFill>
+              <a:latin typeface="Noto Sans KR" panose="020B0200000000000000" pitchFamily="50" charset="-127"/>
+              <a:ea typeface="Noto Sans KR" panose="020B0200000000000000" pitchFamily="50" charset="-127"/>
+            </a:endParaRPr>
+          </a:p>
+          <a:p>
+            <a:r>
+              <a:rPr lang="en-US" altLang="ko-KR" sz="1600" b="1" dirty="0">
+                <a:solidFill>
+                  <a:schemeClr val="bg2">
+                    <a:lumMod val="25000"/>
+                  </a:schemeClr>
+                </a:solidFill>
+                <a:latin typeface="Noto Sans KR" panose="020B0200000000000000" pitchFamily="50" charset="-127"/>
+                <a:ea typeface="Noto Sans KR" panose="020B0200000000000000" pitchFamily="50" charset="-127"/>
+              </a:rPr>
+              <a:t>1. </a:t>
+            </a:r>
+            <a:r>
+              <a:rPr lang="ko-KR" altLang="en-US" sz="1600" b="1" dirty="0">
+                <a:solidFill>
+                  <a:schemeClr val="bg2">
+                    <a:lumMod val="25000"/>
+                  </a:schemeClr>
+                </a:solidFill>
+                <a:latin typeface="Noto Sans KR" panose="020B0200000000000000" pitchFamily="50" charset="-127"/>
+                <a:ea typeface="Noto Sans KR" panose="020B0200000000000000" pitchFamily="50" charset="-127"/>
+              </a:rPr>
+              <a:t>로그인   </a:t>
+            </a:r>
+            <a:endParaRPr lang="en-US" altLang="ko-KR" sz="1600" b="1" dirty="0">
+              <a:solidFill>
+                <a:schemeClr val="bg2">
+                  <a:lumMod val="25000"/>
+                </a:schemeClr>
+              </a:solidFill>
+              <a:latin typeface="Noto Sans KR" panose="020B0200000000000000" pitchFamily="50" charset="-127"/>
+              <a:ea typeface="Noto Sans KR" panose="020B0200000000000000" pitchFamily="50" charset="-127"/>
+            </a:endParaRPr>
+          </a:p>
+          <a:p>
+            <a:endParaRPr lang="en-US" altLang="ko-KR" sz="1600" b="1" dirty="0">
+              <a:solidFill>
+                <a:schemeClr val="bg2">
+                  <a:lumMod val="25000"/>
+                </a:schemeClr>
+              </a:solidFill>
+              <a:latin typeface="Noto Sans KR" panose="020B0200000000000000" pitchFamily="50" charset="-127"/>
+              <a:ea typeface="Noto Sans KR" panose="020B0200000000000000" pitchFamily="50" charset="-127"/>
+            </a:endParaRPr>
+          </a:p>
+          <a:p>
+            <a:r>
+              <a:rPr lang="en-US" altLang="ko-KR" sz="1600" b="1" dirty="0">
+                <a:solidFill>
+                  <a:schemeClr val="bg2">
+                    <a:lumMod val="25000"/>
+                  </a:schemeClr>
+                </a:solidFill>
+                <a:latin typeface="Noto Sans KR" panose="020B0200000000000000" pitchFamily="50" charset="-127"/>
+                <a:ea typeface="Noto Sans KR" panose="020B0200000000000000" pitchFamily="50" charset="-127"/>
+              </a:rPr>
+              <a:t>2. </a:t>
+            </a:r>
+            <a:r>
+              <a:rPr lang="ko-KR" altLang="en-US" sz="1600" b="1" dirty="0">
+                <a:solidFill>
+                  <a:schemeClr val="bg2">
+                    <a:lumMod val="25000"/>
+                  </a:schemeClr>
+                </a:solidFill>
+                <a:latin typeface="Noto Sans KR" panose="020B0200000000000000" pitchFamily="50" charset="-127"/>
+                <a:ea typeface="Noto Sans KR" panose="020B0200000000000000" pitchFamily="50" charset="-127"/>
+              </a:rPr>
+              <a:t>공지 등록   </a:t>
+            </a:r>
+            <a:endParaRPr lang="en-US" altLang="ko-KR" sz="1600" b="1" dirty="0">
+              <a:solidFill>
+                <a:schemeClr val="bg2">
+                  <a:lumMod val="25000"/>
+                </a:schemeClr>
+              </a:solidFill>
+              <a:latin typeface="Noto Sans KR" panose="020B0200000000000000" pitchFamily="50" charset="-127"/>
+              <a:ea typeface="Noto Sans KR" panose="020B0200000000000000" pitchFamily="50" charset="-127"/>
+            </a:endParaRPr>
+          </a:p>
+          <a:p>
+            <a:endParaRPr lang="en-US" altLang="ko-KR" sz="1600" b="1" dirty="0">
+              <a:solidFill>
+                <a:schemeClr val="bg2">
+                  <a:lumMod val="25000"/>
+                </a:schemeClr>
+              </a:solidFill>
+              <a:latin typeface="Noto Sans KR" panose="020B0200000000000000" pitchFamily="50" charset="-127"/>
+              <a:ea typeface="Noto Sans KR" panose="020B0200000000000000" pitchFamily="50" charset="-127"/>
+            </a:endParaRPr>
+          </a:p>
+          <a:p>
+            <a:r>
+              <a:rPr lang="en-US" altLang="ko-KR" sz="1600" b="1" dirty="0">
+                <a:solidFill>
+                  <a:schemeClr val="bg2">
+                    <a:lumMod val="25000"/>
+                  </a:schemeClr>
+                </a:solidFill>
+                <a:latin typeface="Noto Sans KR" panose="020B0200000000000000" pitchFamily="50" charset="-127"/>
+                <a:ea typeface="Noto Sans KR" panose="020B0200000000000000" pitchFamily="50" charset="-127"/>
+              </a:rPr>
+              <a:t>3. </a:t>
+            </a:r>
+            <a:r>
+              <a:rPr lang="ko-KR" altLang="en-US" sz="1600" b="1" dirty="0">
+                <a:solidFill>
+                  <a:schemeClr val="bg2">
+                    <a:lumMod val="25000"/>
+                  </a:schemeClr>
+                </a:solidFill>
+                <a:latin typeface="Noto Sans KR" panose="020B0200000000000000" pitchFamily="50" charset="-127"/>
+                <a:ea typeface="Noto Sans KR" panose="020B0200000000000000" pitchFamily="50" charset="-127"/>
+              </a:rPr>
+              <a:t>관리자 검토 및 승인</a:t>
+            </a:r>
+            <a:r>
+              <a:rPr lang="en-US" altLang="ko-KR" sz="1600" b="1" dirty="0">
+                <a:solidFill>
+                  <a:schemeClr val="bg2">
+                    <a:lumMod val="25000"/>
+                  </a:schemeClr>
+                </a:solidFill>
+                <a:latin typeface="Noto Sans KR" panose="020B0200000000000000" pitchFamily="50" charset="-127"/>
+                <a:ea typeface="Noto Sans KR" panose="020B0200000000000000" pitchFamily="50" charset="-127"/>
+              </a:rPr>
+              <a:t>/</a:t>
+            </a:r>
+            <a:r>
+              <a:rPr lang="ko-KR" altLang="en-US" sz="1600" b="1" dirty="0">
+                <a:solidFill>
+                  <a:schemeClr val="bg2">
+                    <a:lumMod val="25000"/>
+                  </a:schemeClr>
+                </a:solidFill>
+                <a:latin typeface="Noto Sans KR" panose="020B0200000000000000" pitchFamily="50" charset="-127"/>
+                <a:ea typeface="Noto Sans KR" panose="020B0200000000000000" pitchFamily="50" charset="-127"/>
+              </a:rPr>
+              <a:t>반려 </a:t>
+            </a:r>
+            <a:endParaRPr lang="en-US" altLang="ko-KR" sz="1600" b="1" dirty="0">
+              <a:solidFill>
+                <a:schemeClr val="bg2">
+                  <a:lumMod val="25000"/>
+                </a:schemeClr>
+              </a:solidFill>
+              <a:latin typeface="Noto Sans KR" panose="020B0200000000000000" pitchFamily="50" charset="-127"/>
+              <a:ea typeface="Noto Sans KR" panose="020B0200000000000000" pitchFamily="50" charset="-127"/>
+            </a:endParaRPr>
+          </a:p>
+          <a:p>
+            <a:endParaRPr lang="en-US" altLang="ko-KR" sz="1600" b="1" dirty="0">
+              <a:solidFill>
+                <a:schemeClr val="bg2">
+                  <a:lumMod val="25000"/>
+                </a:schemeClr>
+              </a:solidFill>
+              <a:latin typeface="Noto Sans KR" panose="020B0200000000000000" pitchFamily="50" charset="-127"/>
+              <a:ea typeface="Noto Sans KR" panose="020B0200000000000000" pitchFamily="50" charset="-127"/>
+            </a:endParaRPr>
+          </a:p>
+          <a:p>
+            <a:r>
+              <a:rPr lang="en-US" altLang="ko-KR" sz="1600" b="1" dirty="0">
+                <a:solidFill>
+                  <a:schemeClr val="bg2">
+                    <a:lumMod val="25000"/>
+                  </a:schemeClr>
+                </a:solidFill>
+                <a:latin typeface="Noto Sans KR" panose="020B0200000000000000" pitchFamily="50" charset="-127"/>
+                <a:ea typeface="Noto Sans KR" panose="020B0200000000000000" pitchFamily="50" charset="-127"/>
+              </a:rPr>
+              <a:t>4. </a:t>
+            </a:r>
+            <a:r>
+              <a:rPr lang="ko-KR" altLang="en-US" sz="1600" b="1" dirty="0">
+                <a:solidFill>
+                  <a:schemeClr val="bg2">
+                    <a:lumMod val="25000"/>
+                  </a:schemeClr>
+                </a:solidFill>
+                <a:latin typeface="Noto Sans KR" panose="020B0200000000000000" pitchFamily="50" charset="-127"/>
+                <a:ea typeface="Noto Sans KR" panose="020B0200000000000000" pitchFamily="50" charset="-127"/>
+              </a:rPr>
+              <a:t>공지 메일 발송 </a:t>
+            </a:r>
+            <a:r>
+              <a:rPr lang="en-US" altLang="ko-KR" sz="1600" b="1" dirty="0">
+                <a:solidFill>
+                  <a:schemeClr val="bg2">
+                    <a:lumMod val="25000"/>
+                  </a:schemeClr>
+                </a:solidFill>
+                <a:latin typeface="Noto Sans KR" panose="020B0200000000000000" pitchFamily="50" charset="-127"/>
+                <a:ea typeface="Noto Sans KR" panose="020B0200000000000000" pitchFamily="50" charset="-127"/>
+              </a:rPr>
+              <a:t>+ Outlook</a:t>
+            </a:r>
+            <a:r>
+              <a:rPr lang="ko-KR" altLang="en-US" sz="1600" b="1" dirty="0">
+                <a:solidFill>
+                  <a:schemeClr val="bg2">
+                    <a:lumMod val="25000"/>
+                  </a:schemeClr>
+                </a:solidFill>
+                <a:latin typeface="Noto Sans KR" panose="020B0200000000000000" pitchFamily="50" charset="-127"/>
+                <a:ea typeface="Noto Sans KR" panose="020B0200000000000000" pitchFamily="50" charset="-127"/>
+              </a:rPr>
+              <a:t>일정 등록  </a:t>
+            </a:r>
+            <a:endParaRPr lang="en-US" altLang="ko-KR" sz="1600" b="1" dirty="0">
+              <a:solidFill>
+                <a:schemeClr val="bg2">
+                  <a:lumMod val="25000"/>
+                </a:schemeClr>
+              </a:solidFill>
+              <a:latin typeface="Noto Sans KR" panose="020B0200000000000000" pitchFamily="50" charset="-127"/>
+              <a:ea typeface="Noto Sans KR" panose="020B0200000000000000" pitchFamily="50" charset="-127"/>
+            </a:endParaRPr>
+          </a:p>
+          <a:p>
+            <a:endParaRPr lang="en-US" altLang="ko-KR" sz="1600" b="1" dirty="0">
+              <a:solidFill>
+                <a:schemeClr val="bg2">
+                  <a:lumMod val="25000"/>
+                </a:schemeClr>
+              </a:solidFill>
+              <a:latin typeface="Noto Sans KR" panose="020B0200000000000000" pitchFamily="50" charset="-127"/>
+              <a:ea typeface="Noto Sans KR" panose="020B0200000000000000" pitchFamily="50" charset="-127"/>
+            </a:endParaRPr>
+          </a:p>
+          <a:p>
+            <a:r>
+              <a:rPr lang="en-US" altLang="ko-KR" sz="1600" b="1" dirty="0">
+                <a:solidFill>
+                  <a:schemeClr val="bg2">
+                    <a:lumMod val="25000"/>
+                  </a:schemeClr>
+                </a:solidFill>
+                <a:latin typeface="Noto Sans KR" panose="020B0200000000000000" pitchFamily="50" charset="-127"/>
+                <a:ea typeface="Noto Sans KR" panose="020B0200000000000000" pitchFamily="50" charset="-127"/>
+              </a:rPr>
+              <a:t>5.</a:t>
+            </a:r>
+            <a:r>
+              <a:rPr lang="ko-KR" altLang="en-US" sz="1600" b="1" dirty="0">
+                <a:solidFill>
+                  <a:schemeClr val="bg2">
+                    <a:lumMod val="25000"/>
+                  </a:schemeClr>
+                </a:solidFill>
+                <a:latin typeface="Noto Sans KR" panose="020B0200000000000000" pitchFamily="50" charset="-127"/>
+                <a:ea typeface="Noto Sans KR" panose="020B0200000000000000" pitchFamily="50" charset="-127"/>
+              </a:rPr>
+              <a:t> 공지</a:t>
+            </a:r>
+            <a:r>
+              <a:rPr lang="en-US" altLang="ko-KR" sz="1600" b="1" dirty="0">
+                <a:solidFill>
+                  <a:schemeClr val="bg2">
+                    <a:lumMod val="25000"/>
+                  </a:schemeClr>
+                </a:solidFill>
+                <a:latin typeface="Noto Sans KR" panose="020B0200000000000000" pitchFamily="50" charset="-127"/>
+                <a:ea typeface="Noto Sans KR" panose="020B0200000000000000" pitchFamily="50" charset="-127"/>
+              </a:rPr>
+              <a:t> </a:t>
+            </a:r>
+            <a:r>
+              <a:rPr lang="ko-KR" altLang="en-US" sz="1600" b="1" dirty="0">
+                <a:solidFill>
+                  <a:schemeClr val="bg2">
+                    <a:lumMod val="25000"/>
+                  </a:schemeClr>
+                </a:solidFill>
+                <a:latin typeface="Noto Sans KR" panose="020B0200000000000000" pitchFamily="50" charset="-127"/>
+                <a:ea typeface="Noto Sans KR" panose="020B0200000000000000" pitchFamily="50" charset="-127"/>
+              </a:rPr>
+              <a:t>발송 히스토리 및 대시보드 통계 확인</a:t>
+            </a:r>
+            <a:endParaRPr lang="en-US" altLang="ko-KR" sz="1600" b="1" dirty="0">
+              <a:solidFill>
+                <a:schemeClr val="bg2">
+                  <a:lumMod val="25000"/>
+                </a:schemeClr>
+              </a:solidFill>
+              <a:latin typeface="Noto Sans KR" panose="020B0200000000000000" pitchFamily="50" charset="-127"/>
+              <a:ea typeface="Noto Sans KR" panose="020B0200000000000000" pitchFamily="50" charset="-127"/>
+            </a:endParaRPr>
+          </a:p>
+          <a:p>
+            <a:endParaRPr lang="en-US" altLang="ko-KR" sz="1600" b="1" dirty="0">
+              <a:solidFill>
+                <a:schemeClr val="bg2">
+                  <a:lumMod val="25000"/>
+                </a:schemeClr>
+              </a:solidFill>
+              <a:latin typeface="Noto Sans KR" panose="020B0200000000000000" pitchFamily="50" charset="-127"/>
+              <a:ea typeface="Noto Sans KR" panose="020B0200000000000000" pitchFamily="50" charset="-127"/>
+            </a:endParaRPr>
+          </a:p>
+        </p:txBody>
+      </p:sp>
+      <p:sp>
+        <p:nvSpPr>
+          <p:cNvPr id="16" name="TextBox 15">
+            <a:extLst>
+              <a:ext uri="{FF2B5EF4-FFF2-40B4-BE49-F238E27FC236}">
+                <a16:creationId xmlns:a16="http://schemas.microsoft.com/office/drawing/2014/main" id="{8E865E51-BB16-CD0A-74C9-DE62F38E4F56}"/>
+              </a:ext>
+            </a:extLst>
+          </p:cNvPr>
+          <p:cNvSpPr txBox="1"/>
+          <p:nvPr/>
+        </p:nvSpPr>
+        <p:spPr>
+          <a:xfrm>
+            <a:off x="162560" y="6494790"/>
+            <a:ext cx="1361440" cy="253916"/>
+          </a:xfrm>
+          <a:prstGeom prst="rect">
+            <a:avLst/>
+          </a:prstGeom>
+          <a:noFill/>
+        </p:spPr>
+        <p:txBody>
+          <a:bodyPr wrap="square" rtlCol="0">
+            <a:spAutoFit/>
+          </a:bodyPr>
+          <a:lstStyle/>
+          <a:p>
+            <a:r>
+              <a:rPr lang="ko-KR" altLang="en-US" sz="1050">
+                <a:latin typeface="Noto Sans KR" panose="020B0200000000000000" pitchFamily="50" charset="-127"/>
+                <a:ea typeface="Noto Sans KR" panose="020B0200000000000000" pitchFamily="50" charset="-127"/>
+              </a:rPr>
+              <a:t>공지관리 시스템</a:t>
+            </a:r>
+            <a:r>
+              <a:rPr lang="en-US" altLang="ko-KR" sz="1050" dirty="0">
+                <a:latin typeface="Noto Sans KR" panose="020B0200000000000000" pitchFamily="50" charset="-127"/>
+                <a:ea typeface="Noto Sans KR" panose="020B0200000000000000" pitchFamily="50" charset="-127"/>
+              </a:rPr>
+              <a:t>v1.0</a:t>
+            </a:r>
+            <a:endParaRPr lang="ko-KR" altLang="en-US" sz="1050" dirty="0">
+              <a:latin typeface="Noto Sans KR" panose="020B0200000000000000" pitchFamily="50" charset="-127"/>
+              <a:ea typeface="Noto Sans KR" panose="020B0200000000000000" pitchFamily="50" charset="-127"/>
+            </a:endParaRPr>
           </a:p>
         </p:txBody>
       </p:sp>
@@ -6914,4 +10392,325 @@
     </a:ext>
   </a:extLst>
 </a:theme>
+</file>
+
+<file path=ppt/theme/theme2.xml><?xml version="1.0" encoding="utf-8"?>
+<a:theme xmlns:a="http://schemas.openxmlformats.org/drawingml/2006/main" name="Office 테마">
+  <a:themeElements>
+    <a:clrScheme name="Office">
+      <a:dk1>
+        <a:sysClr val="windowText" lastClr="000000"/>
+      </a:dk1>
+      <a:lt1>
+        <a:sysClr val="window" lastClr="FFFFFF"/>
+      </a:lt1>
+      <a:dk2>
+        <a:srgbClr val="0E2841"/>
+      </a:dk2>
+      <a:lt2>
+        <a:srgbClr val="E8E8E8"/>
+      </a:lt2>
+      <a:accent1>
+        <a:srgbClr val="156082"/>
+      </a:accent1>
+      <a:accent2>
+        <a:srgbClr val="E97132"/>
+      </a:accent2>
+      <a:accent3>
+        <a:srgbClr val="196B24"/>
+      </a:accent3>
+      <a:accent4>
+        <a:srgbClr val="0F9ED5"/>
+      </a:accent4>
+      <a:accent5>
+        <a:srgbClr val="A02B93"/>
+      </a:accent5>
+      <a:accent6>
+        <a:srgbClr val="4EA72E"/>
+      </a:accent6>
+      <a:hlink>
+        <a:srgbClr val="467886"/>
+      </a:hlink>
+      <a:folHlink>
+        <a:srgbClr val="96607D"/>
+      </a:folHlink>
+    </a:clrScheme>
+    <a:fontScheme name="Office">
+      <a:majorFont>
+        <a:latin typeface="맑은 고딕" panose="02110004020202020204"/>
+        <a:ea typeface=""/>
+        <a:cs typeface=""/>
+        <a:font script="Jpan" typeface="游ゴシック Light"/>
+        <a:font script="Hang" typeface="맑은 고딕"/>
+        <a:font script="Hans" typeface="等线 Light"/>
+        <a:font script="Hant" typeface="新細明體"/>
+        <a:font script="Arab" typeface="Times New Roman"/>
+        <a:font script="Hebr" typeface="Times New Roman"/>
+        <a:font script="Thai" typeface="Angsana New"/>
+        <a:font script="Ethi" typeface="Nyala"/>
+        <a:font script="Beng" typeface="Vrinda"/>
+        <a:font script="Gujr" typeface="Shruti"/>
+        <a:font script="Khmr" typeface="MoolBoran"/>
+        <a:font script="Knda" typeface="Tunga"/>
+        <a:font script="Guru" typeface="Raavi"/>
+        <a:font script="Cans" typeface="Euphemia"/>
+        <a:font script="Cher" typeface="Plantagenet Cherokee"/>
+        <a:font script="Yiii" typeface="Microsoft Yi Baiti"/>
+        <a:font script="Tibt" typeface="Microsoft Himalaya"/>
+        <a:font script="Thaa" typeface="MV Boli"/>
+        <a:font script="Deva" typeface="Mangal"/>
+        <a:font script="Telu" typeface="Gautami"/>
+        <a:font script="Taml" typeface="Latha"/>
+        <a:font script="Syrc" typeface="Estrangelo Edessa"/>
+        <a:font script="Orya" typeface="Kalinga"/>
+        <a:font script="Mlym" typeface="Kartika"/>
+        <a:font script="Laoo" typeface="DokChampa"/>
+        <a:font script="Sinh" typeface="Iskoola Pota"/>
+        <a:font script="Mong" typeface="Mongolian Baiti"/>
+        <a:font script="Viet" typeface="Times New Roman"/>
+        <a:font script="Uigh" typeface="Microsoft Uighur"/>
+        <a:font script="Geor" typeface="Sylfaen"/>
+        <a:font script="Armn" typeface="Arial"/>
+        <a:font script="Bugi" typeface="Leelawadee UI"/>
+        <a:font script="Bopo" typeface="Microsoft JhengHei"/>
+        <a:font script="Java" typeface="Javanese Text"/>
+        <a:font script="Lisu" typeface="Segoe UI"/>
+        <a:font script="Mymr" typeface="Myanmar Text"/>
+        <a:font script="Nkoo" typeface="Ebrima"/>
+        <a:font script="Olck" typeface="Nirmala UI"/>
+        <a:font script="Osma" typeface="Ebrima"/>
+        <a:font script="Phag" typeface="Phagspa"/>
+        <a:font script="Syrn" typeface="Estrangelo Edessa"/>
+        <a:font script="Syrj" typeface="Estrangelo Edessa"/>
+        <a:font script="Syre" typeface="Estrangelo Edessa"/>
+        <a:font script="Sora" typeface="Nirmala UI"/>
+        <a:font script="Tale" typeface="Microsoft Tai Le"/>
+        <a:font script="Talu" typeface="Microsoft New Tai Lue"/>
+        <a:font script="Tfng" typeface="Ebrima"/>
+      </a:majorFont>
+      <a:minorFont>
+        <a:latin typeface="맑은 고딕" panose="02110004020202020204"/>
+        <a:ea typeface=""/>
+        <a:cs typeface=""/>
+        <a:font script="Jpan" typeface="游ゴシック"/>
+        <a:font script="Hang" typeface="맑은 고딕"/>
+        <a:font script="Hans" typeface="等线"/>
+        <a:font script="Hant" typeface="新細明體"/>
+        <a:font script="Arab" typeface="Arial"/>
+        <a:font script="Hebr" typeface="Arial"/>
+        <a:font script="Thai" typeface="Cordia New"/>
+        <a:font script="Ethi" typeface="Nyala"/>
+        <a:font script="Beng" typeface="Vrinda"/>
+        <a:font script="Gujr" typeface="Shruti"/>
+        <a:font script="Khmr" typeface="DaunPenh"/>
+        <a:font script="Knda" typeface="Tunga"/>
+        <a:font script="Guru" typeface="Raavi"/>
+        <a:font script="Cans" typeface="Euphemia"/>
+        <a:font script="Cher" typeface="Plantagenet Cherokee"/>
+        <a:font script="Yiii" typeface="Microsoft Yi Baiti"/>
+        <a:font script="Tibt" typeface="Microsoft Himalaya"/>
+        <a:font script="Thaa" typeface="MV Boli"/>
+        <a:font script="Deva" typeface="Mangal"/>
+        <a:font script="Telu" typeface="Gautami"/>
+        <a:font script="Taml" typeface="Latha"/>
+        <a:font script="Syrc" typeface="Estrangelo Edessa"/>
+        <a:font script="Orya" typeface="Kalinga"/>
+        <a:font script="Mlym" typeface="Kartika"/>
+        <a:font script="Laoo" typeface="DokChampa"/>
+        <a:font script="Sinh" typeface="Iskoola Pota"/>
+        <a:font script="Mong" typeface="Mongolian Baiti"/>
+        <a:font script="Viet" typeface="Arial"/>
+        <a:font script="Uigh" typeface="Microsoft Uighur"/>
+        <a:font script="Geor" typeface="Sylfaen"/>
+        <a:font script="Armn" typeface="Arial"/>
+        <a:font script="Bugi" typeface="Leelawadee UI"/>
+        <a:font script="Bopo" typeface="Microsoft JhengHei"/>
+        <a:font script="Java" typeface="Javanese Text"/>
+        <a:font script="Lisu" typeface="Segoe UI"/>
+        <a:font script="Mymr" typeface="Myanmar Text"/>
+        <a:font script="Nkoo" typeface="Ebrima"/>
+        <a:font script="Olck" typeface="Nirmala UI"/>
+        <a:font script="Osma" typeface="Ebrima"/>
+        <a:font script="Phag" typeface="Phagspa"/>
+        <a:font script="Syrn" typeface="Estrangelo Edessa"/>
+        <a:font script="Syrj" typeface="Estrangelo Edessa"/>
+        <a:font script="Syre" typeface="Estrangelo Edessa"/>
+        <a:font script="Sora" typeface="Nirmala UI"/>
+        <a:font script="Tale" typeface="Microsoft Tai Le"/>
+        <a:font script="Talu" typeface="Microsoft New Tai Lue"/>
+        <a:font script="Tfng" typeface="Ebrima"/>
+      </a:minorFont>
+    </a:fontScheme>
+    <a:fmtScheme name="Office">
+      <a:fillStyleLst>
+        <a:solidFill>
+          <a:schemeClr val="phClr"/>
+        </a:solidFill>
+        <a:gradFill rotWithShape="1">
+          <a:gsLst>
+            <a:gs pos="0">
+              <a:schemeClr val="phClr">
+                <a:lumMod val="110000"/>
+                <a:satMod val="105000"/>
+                <a:tint val="67000"/>
+              </a:schemeClr>
+            </a:gs>
+            <a:gs pos="50000">
+              <a:schemeClr val="phClr">
+                <a:lumMod val="105000"/>
+                <a:satMod val="103000"/>
+                <a:tint val="73000"/>
+              </a:schemeClr>
+            </a:gs>
+            <a:gs pos="100000">
+              <a:schemeClr val="phClr">
+                <a:lumMod val="105000"/>
+                <a:satMod val="109000"/>
+                <a:tint val="81000"/>
+              </a:schemeClr>
+            </a:gs>
+          </a:gsLst>
+          <a:lin ang="5400000" scaled="0"/>
+        </a:gradFill>
+        <a:gradFill rotWithShape="1">
+          <a:gsLst>
+            <a:gs pos="0">
+              <a:schemeClr val="phClr">
+                <a:satMod val="103000"/>
+                <a:lumMod val="102000"/>
+                <a:tint val="94000"/>
+              </a:schemeClr>
+            </a:gs>
+            <a:gs pos="50000">
+              <a:schemeClr val="phClr">
+                <a:satMod val="110000"/>
+                <a:lumMod val="100000"/>
+                <a:shade val="100000"/>
+              </a:schemeClr>
+            </a:gs>
+            <a:gs pos="100000">
+              <a:schemeClr val="phClr">
+                <a:lumMod val="99000"/>
+                <a:satMod val="120000"/>
+                <a:shade val="78000"/>
+              </a:schemeClr>
+            </a:gs>
+          </a:gsLst>
+          <a:lin ang="5400000" scaled="0"/>
+        </a:gradFill>
+      </a:fillStyleLst>
+      <a:lnStyleLst>
+        <a:ln w="12700" cap="flat" cmpd="sng" algn="ctr">
+          <a:solidFill>
+            <a:schemeClr val="phClr"/>
+          </a:solidFill>
+          <a:prstDash val="solid"/>
+          <a:miter lim="800000"/>
+        </a:ln>
+        <a:ln w="19050" cap="flat" cmpd="sng" algn="ctr">
+          <a:solidFill>
+            <a:schemeClr val="phClr"/>
+          </a:solidFill>
+          <a:prstDash val="solid"/>
+          <a:miter lim="800000"/>
+        </a:ln>
+        <a:ln w="25400" cap="flat" cmpd="sng" algn="ctr">
+          <a:solidFill>
+            <a:schemeClr val="phClr"/>
+          </a:solidFill>
+          <a:prstDash val="solid"/>
+          <a:miter lim="800000"/>
+        </a:ln>
+      </a:lnStyleLst>
+      <a:effectStyleLst>
+        <a:effectStyle>
+          <a:effectLst/>
+        </a:effectStyle>
+        <a:effectStyle>
+          <a:effectLst/>
+        </a:effectStyle>
+        <a:effectStyle>
+          <a:effectLst>
+            <a:outerShdw blurRad="57150" dist="19050" dir="5400000" algn="ctr" rotWithShape="0">
+              <a:srgbClr val="000000">
+                <a:alpha val="63000"/>
+              </a:srgbClr>
+            </a:outerShdw>
+          </a:effectLst>
+        </a:effectStyle>
+      </a:effectStyleLst>
+      <a:bgFillStyleLst>
+        <a:solidFill>
+          <a:schemeClr val="phClr"/>
+        </a:solidFill>
+        <a:solidFill>
+          <a:schemeClr val="phClr">
+            <a:tint val="95000"/>
+            <a:satMod val="170000"/>
+          </a:schemeClr>
+        </a:solidFill>
+        <a:gradFill rotWithShape="1">
+          <a:gsLst>
+            <a:gs pos="0">
+              <a:schemeClr val="phClr">
+                <a:tint val="93000"/>
+                <a:satMod val="150000"/>
+                <a:shade val="98000"/>
+                <a:lumMod val="102000"/>
+              </a:schemeClr>
+            </a:gs>
+            <a:gs pos="50000">
+              <a:schemeClr val="phClr">
+                <a:tint val="98000"/>
+                <a:satMod val="130000"/>
+                <a:shade val="90000"/>
+                <a:lumMod val="103000"/>
+              </a:schemeClr>
+            </a:gs>
+            <a:gs pos="100000">
+              <a:schemeClr val="phClr">
+                <a:shade val="63000"/>
+                <a:satMod val="120000"/>
+              </a:schemeClr>
+            </a:gs>
+          </a:gsLst>
+          <a:lin ang="5400000" scaled="0"/>
+        </a:gradFill>
+      </a:bgFillStyleLst>
+    </a:fmtScheme>
+  </a:themeElements>
+  <a:objectDefaults>
+    <a:lnDef>
+      <a:spPr/>
+      <a:bodyPr/>
+      <a:lstStyle/>
+      <a:style>
+        <a:lnRef idx="2">
+          <a:schemeClr val="accent1"/>
+        </a:lnRef>
+        <a:fillRef idx="0">
+          <a:schemeClr val="accent1"/>
+        </a:fillRef>
+        <a:effectRef idx="1">
+          <a:schemeClr val="accent1"/>
+        </a:effectRef>
+        <a:fontRef idx="minor">
+          <a:schemeClr val="tx1"/>
+        </a:fontRef>
+      </a:style>
+    </a:lnDef>
+  </a:objectDefaults>
+  <a:extraClrSchemeLst/>
+  <a:extLst>
+    <a:ext uri="{05A4C25C-085E-4340-85A3-A5531E510DB2}">
+      <thm15:themeFamily xmlns:thm15="http://schemas.microsoft.com/office/thememl/2012/main" name="Office Theme" id="{2E142A2C-CD16-42D6-873A-C26D2A0506FA}" vid="{1BDDFF52-6CD6-40A5-AB3C-68EB2F1E4D0A}"/>
+    </a:ext>
+  </a:extLst>
+</a:theme>
+</file>
+
+<file path=docMetadata/LabelInfo.xml><?xml version="1.0" encoding="utf-8"?>
+<clbl:labelList xmlns:clbl="http://schemas.microsoft.com/office/2020/mipLabelMetadata">
+  <clbl:label id="{ec1df8f4-4bd0-47b5-a9b8-8f61fb47fe07}" enabled="1" method="Privileged" siteId="{2002127d-ecd5-424c-b995-a6f750055ecd}" contentBits="0" removed="0"/>
+</clbl:labelList>
 </file>
--- a/산출물/중간발표/중간발표템플릿.pptx
+++ b/산출물/중간발표/중간발표템플릿.pptx
@@ -114,6 +114,9 @@
   <p:extLst>
     <p:ext uri="{EFAFB233-063F-42B5-8137-9DF3F51BA10A}">
       <p15:sldGuideLst xmlns:p15="http://schemas.microsoft.com/office/powerpoint/2012/main"/>
+    </p:ext>
+    <p:ext uri="{2D200454-40CA-4A62-9FC3-DE9A4176ACB9}">
+      <p15:notesGuideLst xmlns:p15="http://schemas.microsoft.com/office/powerpoint/2012/main"/>
     </p:ext>
   </p:extLst>
 </p:presentation>
@@ -8065,192 +8068,6 @@
           </a:bodyPr>
           <a:lstStyle/>
           <a:p>
-            <a:r>
-              <a:rPr lang="en-US" altLang="ko-KR" sz="1200" dirty="0">
-                <a:solidFill>
-                  <a:schemeClr val="bg2">
-                    <a:lumMod val="25000"/>
-                  </a:schemeClr>
-                </a:solidFill>
-                <a:latin typeface="Noto Sans KR" panose="020B0200000000000000" pitchFamily="50" charset="-127"/>
-                <a:ea typeface="Noto Sans KR" panose="020B0200000000000000" pitchFamily="50" charset="-127"/>
-              </a:rPr>
-              <a:t>-  </a:t>
-            </a:r>
-            <a:r>
-              <a:rPr lang="ko-KR" altLang="en-US" sz="1200" dirty="0">
-                <a:solidFill>
-                  <a:schemeClr val="bg2">
-                    <a:lumMod val="25000"/>
-                  </a:schemeClr>
-                </a:solidFill>
-                <a:latin typeface="Noto Sans KR" panose="020B0200000000000000" pitchFamily="50" charset="-127"/>
-                <a:ea typeface="Noto Sans KR" panose="020B0200000000000000" pitchFamily="50" charset="-127"/>
-              </a:rPr>
-              <a:t>공지 등록 화면 </a:t>
-            </a:r>
-            <a:r>
-              <a:rPr lang="en-US" altLang="ko-KR" sz="1200" dirty="0">
-                <a:solidFill>
-                  <a:schemeClr val="bg2">
-                    <a:lumMod val="25000"/>
-                  </a:schemeClr>
-                </a:solidFill>
-                <a:latin typeface="Noto Sans KR" panose="020B0200000000000000" pitchFamily="50" charset="-127"/>
-                <a:ea typeface="Noto Sans KR" panose="020B0200000000000000" pitchFamily="50" charset="-127"/>
-              </a:rPr>
-              <a:t>(</a:t>
-            </a:r>
-            <a:r>
-              <a:rPr lang="ko-KR" altLang="en-US" sz="1200" dirty="0">
-                <a:solidFill>
-                  <a:schemeClr val="bg2">
-                    <a:lumMod val="25000"/>
-                  </a:schemeClr>
-                </a:solidFill>
-                <a:latin typeface="Noto Sans KR" panose="020B0200000000000000" pitchFamily="50" charset="-127"/>
-                <a:ea typeface="Noto Sans KR" panose="020B0200000000000000" pitchFamily="50" charset="-127"/>
-              </a:rPr>
-              <a:t>완료</a:t>
-            </a:r>
-            <a:r>
-              <a:rPr lang="en-US" altLang="ko-KR" sz="1200" dirty="0">
-                <a:solidFill>
-                  <a:schemeClr val="bg2">
-                    <a:lumMod val="25000"/>
-                  </a:schemeClr>
-                </a:solidFill>
-                <a:latin typeface="Noto Sans KR" panose="020B0200000000000000" pitchFamily="50" charset="-127"/>
-                <a:ea typeface="Noto Sans KR" panose="020B0200000000000000" pitchFamily="50" charset="-127"/>
-              </a:rPr>
-              <a:t>)</a:t>
-            </a:r>
-          </a:p>
-          <a:p>
-            <a:r>
-              <a:rPr lang="en-US" altLang="ko-KR" sz="1200" dirty="0">
-                <a:solidFill>
-                  <a:schemeClr val="bg2">
-                    <a:lumMod val="25000"/>
-                  </a:schemeClr>
-                </a:solidFill>
-                <a:latin typeface="Noto Sans KR" panose="020B0200000000000000" pitchFamily="50" charset="-127"/>
-                <a:ea typeface="Noto Sans KR" panose="020B0200000000000000" pitchFamily="50" charset="-127"/>
-              </a:rPr>
-              <a:t>-  </a:t>
-            </a:r>
-            <a:r>
-              <a:rPr lang="ko-KR" altLang="en-US" sz="1200" dirty="0">
-                <a:solidFill>
-                  <a:schemeClr val="bg2">
-                    <a:lumMod val="25000"/>
-                  </a:schemeClr>
-                </a:solidFill>
-                <a:latin typeface="Noto Sans KR" panose="020B0200000000000000" pitchFamily="50" charset="-127"/>
-                <a:ea typeface="Noto Sans KR" panose="020B0200000000000000" pitchFamily="50" charset="-127"/>
-              </a:rPr>
-              <a:t>공지 발송 히스토리 화면 </a:t>
-            </a:r>
-            <a:r>
-              <a:rPr lang="en-US" altLang="ko-KR" sz="1200" dirty="0">
-                <a:solidFill>
-                  <a:schemeClr val="bg2">
-                    <a:lumMod val="25000"/>
-                  </a:schemeClr>
-                </a:solidFill>
-                <a:latin typeface="Noto Sans KR" panose="020B0200000000000000" pitchFamily="50" charset="-127"/>
-                <a:ea typeface="Noto Sans KR" panose="020B0200000000000000" pitchFamily="50" charset="-127"/>
-              </a:rPr>
-              <a:t>(</a:t>
-            </a:r>
-            <a:r>
-              <a:rPr lang="ko-KR" altLang="en-US" sz="1200" dirty="0">
-                <a:solidFill>
-                  <a:schemeClr val="bg2">
-                    <a:lumMod val="25000"/>
-                  </a:schemeClr>
-                </a:solidFill>
-                <a:latin typeface="Noto Sans KR" panose="020B0200000000000000" pitchFamily="50" charset="-127"/>
-                <a:ea typeface="Noto Sans KR" panose="020B0200000000000000" pitchFamily="50" charset="-127"/>
-              </a:rPr>
-              <a:t>완료</a:t>
-            </a:r>
-            <a:r>
-              <a:rPr lang="en-US" altLang="ko-KR" sz="1200" dirty="0">
-                <a:solidFill>
-                  <a:schemeClr val="bg2">
-                    <a:lumMod val="25000"/>
-                  </a:schemeClr>
-                </a:solidFill>
-                <a:latin typeface="Noto Sans KR" panose="020B0200000000000000" pitchFamily="50" charset="-127"/>
-                <a:ea typeface="Noto Sans KR" panose="020B0200000000000000" pitchFamily="50" charset="-127"/>
-              </a:rPr>
-              <a:t>)</a:t>
-            </a:r>
-          </a:p>
-          <a:p>
-            <a:r>
-              <a:rPr lang="en-US" altLang="ko-KR" sz="1200" dirty="0">
-                <a:solidFill>
-                  <a:schemeClr val="bg2">
-                    <a:lumMod val="25000"/>
-                  </a:schemeClr>
-                </a:solidFill>
-                <a:latin typeface="Noto Sans KR" panose="020B0200000000000000" pitchFamily="50" charset="-127"/>
-                <a:ea typeface="Noto Sans KR" panose="020B0200000000000000" pitchFamily="50" charset="-127"/>
-              </a:rPr>
-              <a:t>-  </a:t>
-            </a:r>
-            <a:r>
-              <a:rPr lang="ko-KR" altLang="en-US" sz="1200" dirty="0">
-                <a:solidFill>
-                  <a:schemeClr val="bg2">
-                    <a:lumMod val="25000"/>
-                  </a:schemeClr>
-                </a:solidFill>
-                <a:latin typeface="Noto Sans KR" panose="020B0200000000000000" pitchFamily="50" charset="-127"/>
-                <a:ea typeface="Noto Sans KR" panose="020B0200000000000000" pitchFamily="50" charset="-127"/>
-              </a:rPr>
-              <a:t>공지 발송 결재 화면 </a:t>
-            </a:r>
-            <a:r>
-              <a:rPr lang="en-US" altLang="ko-KR" sz="1200" dirty="0">
-                <a:solidFill>
-                  <a:schemeClr val="bg2">
-                    <a:lumMod val="25000"/>
-                  </a:schemeClr>
-                </a:solidFill>
-                <a:latin typeface="Noto Sans KR" panose="020B0200000000000000" pitchFamily="50" charset="-127"/>
-                <a:ea typeface="Noto Sans KR" panose="020B0200000000000000" pitchFamily="50" charset="-127"/>
-              </a:rPr>
-              <a:t>(</a:t>
-            </a:r>
-            <a:r>
-              <a:rPr lang="ko-KR" altLang="en-US" sz="1200" dirty="0">
-                <a:solidFill>
-                  <a:schemeClr val="bg2">
-                    <a:lumMod val="25000"/>
-                  </a:schemeClr>
-                </a:solidFill>
-                <a:latin typeface="Noto Sans KR" panose="020B0200000000000000" pitchFamily="50" charset="-127"/>
-                <a:ea typeface="Noto Sans KR" panose="020B0200000000000000" pitchFamily="50" charset="-127"/>
-              </a:rPr>
-              <a:t>완료</a:t>
-            </a:r>
-            <a:r>
-              <a:rPr lang="en-US" altLang="ko-KR" sz="1200" dirty="0">
-                <a:solidFill>
-                  <a:schemeClr val="bg2">
-                    <a:lumMod val="25000"/>
-                  </a:schemeClr>
-                </a:solidFill>
-                <a:latin typeface="Noto Sans KR" panose="020B0200000000000000" pitchFamily="50" charset="-127"/>
-                <a:ea typeface="Noto Sans KR" panose="020B0200000000000000" pitchFamily="50" charset="-127"/>
-              </a:rPr>
-              <a:t>)</a:t>
-            </a:r>
-          </a:p>
-          <a:p>
             <a:pPr marL="171450" indent="-171450">
               <a:buFontTx/>
               <a:buChar char="-"/>
@@ -8265,44 +8082,17 @@
                 <a:latin typeface="Noto Sans KR" panose="020B0200000000000000" pitchFamily="50" charset="-127"/>
                 <a:ea typeface="Noto Sans KR" panose="020B0200000000000000" pitchFamily="50" charset="-127"/>
               </a:rPr>
-              <a:t>대시보드 </a:t>
-            </a:r>
-            <a:r>
-              <a:rPr lang="en-US" altLang="ko-KR" sz="1200" dirty="0">
-                <a:solidFill>
-                  <a:schemeClr val="bg2">
-                    <a:lumMod val="25000"/>
-                  </a:schemeClr>
-                </a:solidFill>
-                <a:latin typeface="Noto Sans KR" panose="020B0200000000000000" pitchFamily="50" charset="-127"/>
-                <a:ea typeface="Noto Sans KR" panose="020B0200000000000000" pitchFamily="50" charset="-127"/>
-              </a:rPr>
-              <a:t>(</a:t>
-            </a:r>
-            <a:r>
-              <a:rPr lang="ko-KR" altLang="en-US" sz="1200" dirty="0">
-                <a:solidFill>
-                  <a:schemeClr val="bg2">
-                    <a:lumMod val="25000"/>
-                  </a:schemeClr>
-                </a:solidFill>
-                <a:latin typeface="Noto Sans KR" panose="020B0200000000000000" pitchFamily="50" charset="-127"/>
-                <a:ea typeface="Noto Sans KR" panose="020B0200000000000000" pitchFamily="50" charset="-127"/>
-              </a:rPr>
-              <a:t>완료</a:t>
-            </a:r>
-            <a:r>
-              <a:rPr lang="en-US" altLang="ko-KR" sz="1200" dirty="0">
-                <a:solidFill>
-                  <a:schemeClr val="bg2">
-                    <a:lumMod val="25000"/>
-                  </a:schemeClr>
-                </a:solidFill>
-                <a:latin typeface="Noto Sans KR" panose="020B0200000000000000" pitchFamily="50" charset="-127"/>
-                <a:ea typeface="Noto Sans KR" panose="020B0200000000000000" pitchFamily="50" charset="-127"/>
-              </a:rPr>
-              <a:t>)</a:t>
-            </a:r>
+              <a:t>공지 등록 화면 </a:t>
+            </a:r>
+            <a:endParaRPr lang="en-US" altLang="ko-KR" sz="1200" dirty="0">
+              <a:solidFill>
+                <a:schemeClr val="bg2">
+                  <a:lumMod val="25000"/>
+                </a:schemeClr>
+              </a:solidFill>
+              <a:latin typeface="Noto Sans KR" panose="020B0200000000000000" pitchFamily="50" charset="-127"/>
+              <a:ea typeface="Noto Sans KR" panose="020B0200000000000000" pitchFamily="50" charset="-127"/>
+            </a:endParaRPr>
           </a:p>
           <a:p>
             <a:pPr marL="171450" indent="-171450">
@@ -8319,8 +8109,19 @@
                 <a:latin typeface="Noto Sans KR" panose="020B0200000000000000" pitchFamily="50" charset="-127"/>
                 <a:ea typeface="Noto Sans KR" panose="020B0200000000000000" pitchFamily="50" charset="-127"/>
               </a:rPr>
-              <a:t>관리자 화면 </a:t>
-            </a:r>
+              <a:t>공지 발송 히스토리 화면</a:t>
+            </a:r>
+            <a:endParaRPr lang="en-US" altLang="ko-KR" sz="1200" dirty="0">
+              <a:solidFill>
+                <a:schemeClr val="bg2">
+                  <a:lumMod val="25000"/>
+                </a:schemeClr>
+              </a:solidFill>
+              <a:latin typeface="Noto Sans KR" panose="020B0200000000000000" pitchFamily="50" charset="-127"/>
+              <a:ea typeface="Noto Sans KR" panose="020B0200000000000000" pitchFamily="50" charset="-127"/>
+            </a:endParaRPr>
+          </a:p>
+          <a:p>
             <a:r>
               <a:rPr lang="en-US" altLang="ko-KR" sz="1200" dirty="0">
                 <a:solidFill>
@@ -8331,7 +8132,7 @@
                 <a:latin typeface="Noto Sans KR" panose="020B0200000000000000" pitchFamily="50" charset="-127"/>
                 <a:ea typeface="Noto Sans KR" panose="020B0200000000000000" pitchFamily="50" charset="-127"/>
               </a:rPr>
-              <a:t>(</a:t>
+              <a:t>-   </a:t>
             </a:r>
             <a:r>
               <a:rPr lang="ko-KR" altLang="en-US" sz="1200" dirty="0">
@@ -8343,20 +8144,17 @@
                 <a:latin typeface="Noto Sans KR" panose="020B0200000000000000" pitchFamily="50" charset="-127"/>
                 <a:ea typeface="Noto Sans KR" panose="020B0200000000000000" pitchFamily="50" charset="-127"/>
               </a:rPr>
-              <a:t>완료</a:t>
-            </a:r>
-            <a:r>
-              <a:rPr lang="en-US" altLang="ko-KR" sz="1200" dirty="0">
-                <a:solidFill>
-                  <a:schemeClr val="bg2">
-                    <a:lumMod val="25000"/>
-                  </a:schemeClr>
-                </a:solidFill>
-                <a:latin typeface="Noto Sans KR" panose="020B0200000000000000" pitchFamily="50" charset="-127"/>
-                <a:ea typeface="Noto Sans KR" panose="020B0200000000000000" pitchFamily="50" charset="-127"/>
-              </a:rPr>
-              <a:t>)</a:t>
-            </a:r>
+              <a:t>공지 발송 결재 화면</a:t>
+            </a:r>
+            <a:endParaRPr lang="en-US" altLang="ko-KR" sz="1200" dirty="0">
+              <a:solidFill>
+                <a:schemeClr val="bg2">
+                  <a:lumMod val="25000"/>
+                </a:schemeClr>
+              </a:solidFill>
+              <a:latin typeface="Noto Sans KR" panose="020B0200000000000000" pitchFamily="50" charset="-127"/>
+              <a:ea typeface="Noto Sans KR" panose="020B0200000000000000" pitchFamily="50" charset="-127"/>
+            </a:endParaRPr>
           </a:p>
           <a:p>
             <a:pPr marL="171450" indent="-171450">
@@ -8373,10 +8171,25 @@
                 <a:latin typeface="Noto Sans KR" panose="020B0200000000000000" pitchFamily="50" charset="-127"/>
                 <a:ea typeface="Noto Sans KR" panose="020B0200000000000000" pitchFamily="50" charset="-127"/>
               </a:rPr>
-              <a:t>로그인 </a:t>
-            </a:r>
-            <a:r>
-              <a:rPr lang="en-US" altLang="ko-KR" sz="1200" dirty="0">
+              <a:t>대시보드</a:t>
+            </a:r>
+            <a:endParaRPr lang="en-US" altLang="ko-KR" sz="1200" dirty="0">
+              <a:solidFill>
+                <a:schemeClr val="bg2">
+                  <a:lumMod val="25000"/>
+                </a:schemeClr>
+              </a:solidFill>
+              <a:latin typeface="Noto Sans KR" panose="020B0200000000000000" pitchFamily="50" charset="-127"/>
+              <a:ea typeface="Noto Sans KR" panose="020B0200000000000000" pitchFamily="50" charset="-127"/>
+            </a:endParaRPr>
+          </a:p>
+          <a:p>
+            <a:pPr marL="171450" indent="-171450">
+              <a:buFontTx/>
+              <a:buChar char="-"/>
+            </a:pPr>
+            <a:r>
+              <a:rPr lang="ko-KR" altLang="en-US" sz="1200" dirty="0">
                 <a:solidFill>
                   <a:schemeClr val="bg2">
                     <a:lumMod val="25000"/>
@@ -8385,8 +8198,23 @@
                 <a:latin typeface="Noto Sans KR" panose="020B0200000000000000" pitchFamily="50" charset="-127"/>
                 <a:ea typeface="Noto Sans KR" panose="020B0200000000000000" pitchFamily="50" charset="-127"/>
               </a:rPr>
-              <a:t>SSO</a:t>
-            </a:r>
+              <a:t>관리자 화면</a:t>
+            </a:r>
+            <a:endParaRPr lang="en-US" altLang="ko-KR" sz="1200" dirty="0">
+              <a:solidFill>
+                <a:schemeClr val="bg2">
+                  <a:lumMod val="25000"/>
+                </a:schemeClr>
+              </a:solidFill>
+              <a:latin typeface="Noto Sans KR" panose="020B0200000000000000" pitchFamily="50" charset="-127"/>
+              <a:ea typeface="Noto Sans KR" panose="020B0200000000000000" pitchFamily="50" charset="-127"/>
+            </a:endParaRPr>
+          </a:p>
+          <a:p>
+            <a:pPr marL="171450" indent="-171450">
+              <a:buFontTx/>
+              <a:buChar char="-"/>
+            </a:pPr>
             <a:r>
               <a:rPr lang="ko-KR" altLang="en-US" sz="1200" dirty="0">
                 <a:solidFill>
@@ -8397,7 +8225,7 @@
                 <a:latin typeface="Noto Sans KR" panose="020B0200000000000000" pitchFamily="50" charset="-127"/>
                 <a:ea typeface="Noto Sans KR" panose="020B0200000000000000" pitchFamily="50" charset="-127"/>
               </a:rPr>
-              <a:t> 연동 </a:t>
+              <a:t>로그인 </a:t>
             </a:r>
             <a:r>
               <a:rPr lang="en-US" altLang="ko-KR" sz="1200" dirty="0">
@@ -8409,7 +8237,7 @@
                 <a:latin typeface="Noto Sans KR" panose="020B0200000000000000" pitchFamily="50" charset="-127"/>
                 <a:ea typeface="Noto Sans KR" panose="020B0200000000000000" pitchFamily="50" charset="-127"/>
               </a:rPr>
-              <a:t>(</a:t>
+              <a:t>SSO</a:t>
             </a:r>
             <a:r>
               <a:rPr lang="ko-KR" altLang="en-US" sz="1200" dirty="0">
@@ -8421,20 +8249,17 @@
                 <a:latin typeface="Noto Sans KR" panose="020B0200000000000000" pitchFamily="50" charset="-127"/>
                 <a:ea typeface="Noto Sans KR" panose="020B0200000000000000" pitchFamily="50" charset="-127"/>
               </a:rPr>
-              <a:t>완료</a:t>
-            </a:r>
-            <a:r>
-              <a:rPr lang="en-US" altLang="ko-KR" sz="1200" dirty="0">
-                <a:solidFill>
-                  <a:schemeClr val="bg2">
-                    <a:lumMod val="25000"/>
-                  </a:schemeClr>
-                </a:solidFill>
-                <a:latin typeface="Noto Sans KR" panose="020B0200000000000000" pitchFamily="50" charset="-127"/>
-                <a:ea typeface="Noto Sans KR" panose="020B0200000000000000" pitchFamily="50" charset="-127"/>
-              </a:rPr>
-              <a:t>)</a:t>
-            </a:r>
+              <a:t> 연동</a:t>
+            </a:r>
+            <a:endParaRPr lang="en-US" altLang="ko-KR" sz="1200" dirty="0">
+              <a:solidFill>
+                <a:schemeClr val="bg2">
+                  <a:lumMod val="25000"/>
+                </a:schemeClr>
+              </a:solidFill>
+              <a:latin typeface="Noto Sans KR" panose="020B0200000000000000" pitchFamily="50" charset="-127"/>
+              <a:ea typeface="Noto Sans KR" panose="020B0200000000000000" pitchFamily="50" charset="-127"/>
+            </a:endParaRPr>
           </a:p>
         </p:txBody>
       </p:sp>
@@ -8620,6 +8445,17 @@
               </a:rPr>
               <a:t> 메일 발송 </a:t>
             </a:r>
+            <a:endParaRPr lang="en-US" altLang="ko-KR" sz="1200" dirty="0">
+              <a:solidFill>
+                <a:schemeClr val="bg2">
+                  <a:lumMod val="25000"/>
+                </a:schemeClr>
+              </a:solidFill>
+              <a:latin typeface="Noto Sans KR" panose="020B0200000000000000" pitchFamily="50" charset="-127"/>
+              <a:ea typeface="Noto Sans KR" panose="020B0200000000000000" pitchFamily="50" charset="-127"/>
+            </a:endParaRPr>
+          </a:p>
+          <a:p>
             <a:r>
               <a:rPr lang="en-US" altLang="ko-KR" sz="1200" dirty="0">
                 <a:solidFill>
@@ -8630,7 +8466,7 @@
                 <a:latin typeface="Noto Sans KR" panose="020B0200000000000000" pitchFamily="50" charset="-127"/>
                 <a:ea typeface="Noto Sans KR" panose="020B0200000000000000" pitchFamily="50" charset="-127"/>
               </a:rPr>
-              <a:t>(</a:t>
+              <a:t>-  </a:t>
             </a:r>
             <a:r>
               <a:rPr lang="ko-KR" altLang="en-US" sz="1200" dirty="0">
@@ -8642,7 +8478,7 @@
                 <a:latin typeface="Noto Sans KR" panose="020B0200000000000000" pitchFamily="50" charset="-127"/>
                 <a:ea typeface="Noto Sans KR" panose="020B0200000000000000" pitchFamily="50" charset="-127"/>
               </a:rPr>
-              <a:t>완료</a:t>
+              <a:t>공지일정 자원 등록</a:t>
             </a:r>
             <a:r>
               <a:rPr lang="en-US" altLang="ko-KR" sz="1200" dirty="0">
@@ -8654,69 +8490,7 @@
                 <a:latin typeface="Noto Sans KR" panose="020B0200000000000000" pitchFamily="50" charset="-127"/>
                 <a:ea typeface="Noto Sans KR" panose="020B0200000000000000" pitchFamily="50" charset="-127"/>
               </a:rPr>
-              <a:t>)</a:t>
-            </a:r>
-          </a:p>
-          <a:p>
-            <a:r>
-              <a:rPr lang="en-US" altLang="ko-KR" sz="1200" dirty="0">
-                <a:solidFill>
-                  <a:schemeClr val="bg2">
-                    <a:lumMod val="25000"/>
-                  </a:schemeClr>
-                </a:solidFill>
-                <a:latin typeface="Noto Sans KR" panose="020B0200000000000000" pitchFamily="50" charset="-127"/>
-                <a:ea typeface="Noto Sans KR" panose="020B0200000000000000" pitchFamily="50" charset="-127"/>
-              </a:rPr>
-              <a:t>-  </a:t>
-            </a:r>
-            <a:r>
-              <a:rPr lang="ko-KR" altLang="en-US" sz="1200" dirty="0">
-                <a:solidFill>
-                  <a:schemeClr val="bg2">
-                    <a:lumMod val="25000"/>
-                  </a:schemeClr>
-                </a:solidFill>
-                <a:latin typeface="Noto Sans KR" panose="020B0200000000000000" pitchFamily="50" charset="-127"/>
-                <a:ea typeface="Noto Sans KR" panose="020B0200000000000000" pitchFamily="50" charset="-127"/>
-              </a:rPr>
-              <a:t>공지일정 자원 등록 </a:t>
-            </a:r>
-            <a:r>
-              <a:rPr lang="en-US" altLang="ko-KR" sz="1200" dirty="0">
-                <a:solidFill>
-                  <a:schemeClr val="bg2">
-                    <a:lumMod val="25000"/>
-                  </a:schemeClr>
-                </a:solidFill>
-                <a:latin typeface="Noto Sans KR" panose="020B0200000000000000" pitchFamily="50" charset="-127"/>
-                <a:ea typeface="Noto Sans KR" panose="020B0200000000000000" pitchFamily="50" charset="-127"/>
-              </a:rPr>
-              <a:t>(</a:t>
-            </a:r>
-            <a:r>
-              <a:rPr lang="ko-KR" altLang="en-US" sz="1200" dirty="0">
-                <a:solidFill>
-                  <a:schemeClr val="bg2">
-                    <a:lumMod val="25000"/>
-                  </a:schemeClr>
-                </a:solidFill>
-                <a:latin typeface="Noto Sans KR" panose="020B0200000000000000" pitchFamily="50" charset="-127"/>
-                <a:ea typeface="Noto Sans KR" panose="020B0200000000000000" pitchFamily="50" charset="-127"/>
-              </a:rPr>
-              <a:t>완료</a:t>
-            </a:r>
-            <a:r>
-              <a:rPr lang="en-US" altLang="ko-KR" sz="1200" dirty="0">
-                <a:solidFill>
-                  <a:schemeClr val="bg2">
-                    <a:lumMod val="25000"/>
-                  </a:schemeClr>
-                </a:solidFill>
-                <a:latin typeface="Noto Sans KR" panose="020B0200000000000000" pitchFamily="50" charset="-127"/>
-                <a:ea typeface="Noto Sans KR" panose="020B0200000000000000" pitchFamily="50" charset="-127"/>
-              </a:rPr>
-              <a:t>) </a:t>
+              <a:t> </a:t>
             </a:r>
           </a:p>
         </p:txBody>
@@ -9324,6 +9098,65 @@
               <a:t>v1.0</a:t>
             </a:r>
             <a:endParaRPr lang="ko-KR" altLang="en-US" sz="1050" dirty="0">
+              <a:latin typeface="Noto Sans KR" panose="020B0200000000000000" pitchFamily="50" charset="-127"/>
+              <a:ea typeface="Noto Sans KR" panose="020B0200000000000000" pitchFamily="50" charset="-127"/>
+            </a:endParaRPr>
+          </a:p>
+        </p:txBody>
+      </p:sp>
+      <p:sp>
+        <p:nvSpPr>
+          <p:cNvPr id="8" name="TextBox 7">
+            <a:extLst>
+              <a:ext uri="{FF2B5EF4-FFF2-40B4-BE49-F238E27FC236}">
+                <a16:creationId xmlns:a16="http://schemas.microsoft.com/office/drawing/2014/main" id="{5424A6D5-92DE-5A42-F80B-6CB038333D79}"/>
+              </a:ext>
+            </a:extLst>
+          </p:cNvPr>
+          <p:cNvSpPr txBox="1"/>
+          <p:nvPr/>
+        </p:nvSpPr>
+        <p:spPr>
+          <a:xfrm>
+            <a:off x="7970877" y="2804288"/>
+            <a:ext cx="2370221" cy="615233"/>
+          </a:xfrm>
+          <a:prstGeom prst="rect">
+            <a:avLst/>
+          </a:prstGeom>
+          <a:noFill/>
+        </p:spPr>
+        <p:txBody>
+          <a:bodyPr wrap="square">
+            <a:spAutoFit/>
+          </a:bodyPr>
+          <a:lstStyle/>
+          <a:p>
+            <a:pPr>
+              <a:lnSpc>
+                <a:spcPct val="200000"/>
+              </a:lnSpc>
+            </a:pPr>
+            <a:r>
+              <a:rPr lang="ko-KR" altLang="en-US" sz="2000" b="1" dirty="0">
+                <a:solidFill>
+                  <a:schemeClr val="tx1">
+                    <a:lumMod val="85000"/>
+                    <a:lumOff val="15000"/>
+                  </a:schemeClr>
+                </a:solidFill>
+                <a:latin typeface="Noto Sans KR" panose="020B0200000000000000" pitchFamily="50" charset="-127"/>
+                <a:ea typeface="Noto Sans KR" panose="020B0200000000000000" pitchFamily="50" charset="-127"/>
+              </a:rPr>
+              <a:t>미완료</a:t>
+            </a:r>
+            <a:endParaRPr lang="en-US" altLang="ko-KR" sz="2000" b="1" dirty="0">
+              <a:solidFill>
+                <a:schemeClr val="tx1">
+                  <a:lumMod val="85000"/>
+                  <a:lumOff val="15000"/>
+                </a:schemeClr>
+              </a:solidFill>
               <a:latin typeface="Noto Sans KR" panose="020B0200000000000000" pitchFamily="50" charset="-127"/>
               <a:ea typeface="Noto Sans KR" panose="020B0200000000000000" pitchFamily="50" charset="-127"/>
             </a:endParaRPr>
@@ -9533,7 +9366,7 @@
               </a:lnSpc>
             </a:pPr>
             <a:r>
-              <a:rPr lang="en-US" altLang="ko-KR" sz="2000" b="1">
+              <a:rPr lang="en-US" altLang="ko-KR" sz="2000" b="1" dirty="0">
                 <a:solidFill>
                   <a:schemeClr val="tx1">
                     <a:lumMod val="85000"/>
@@ -9546,7 +9379,7 @@
               <a:t>03 </a:t>
             </a:r>
             <a:r>
-              <a:rPr lang="ko-KR" altLang="en-US" sz="2000" b="1">
+              <a:rPr lang="ko-KR" altLang="en-US" sz="2000" b="1" dirty="0">
                 <a:solidFill>
                   <a:schemeClr val="tx1">
                     <a:lumMod val="85000"/>
@@ -9556,7 +9389,7 @@
                 <a:latin typeface="Noto Sans KR" panose="020B0200000000000000" pitchFamily="50" charset="-127"/>
                 <a:ea typeface="Noto Sans KR" panose="020B0200000000000000" pitchFamily="50" charset="-127"/>
               </a:rPr>
-              <a:t>프로젝트 시연</a:t>
+              <a:t>프로그램 시연</a:t>
             </a:r>
             <a:endParaRPr lang="en-US" altLang="ko-KR" sz="2000" b="1" dirty="0">
               <a:solidFill>
